--- a/Presentations/Python - OOP.pptx
+++ b/Presentations/Python - OOP.pptx
@@ -3482,38 +3482,29 @@
                   </a:schemeClr>
                 </a:solidFill>
               </a:rPr>
-              <a:t>Andrew </a:t>
-            </a:r>
-            <a:r>
-              <a:rPr lang="en-US" sz="2400" dirty="0" err="1" smtClean="0">
+              <a:t>Portland </a:t>
+            </a:r>
+            <a:r>
+              <a:rPr lang="en-US" sz="2400" dirty="0" smtClean="0">
                 <a:solidFill>
                   <a:schemeClr val="accent1">
                     <a:lumMod val="75000"/>
                   </a:schemeClr>
                 </a:solidFill>
               </a:rPr>
-              <a:t>Ferlitsch</a:t>
-            </a:r>
-            <a:endParaRPr lang="en-US" sz="2400" dirty="0" smtClean="0">
-              <a:solidFill>
-                <a:schemeClr val="accent1">
-                  <a:lumMod val="75000"/>
-                </a:schemeClr>
-              </a:solidFill>
-            </a:endParaRPr>
-          </a:p>
-          <a:p>
-            <a:r>
-              <a:rPr lang="en-US" sz="2400" dirty="0" smtClean="0">
+              <a:t>Data Science </a:t>
+            </a:r>
+            <a:r>
+              <a:rPr lang="en-US" sz="2400" dirty="0">
                 <a:solidFill>
                   <a:schemeClr val="accent1">
                     <a:lumMod val="75000"/>
                   </a:schemeClr>
                 </a:solidFill>
               </a:rPr>
-              <a:t>Portland Data Science </a:t>
-            </a:r>
-            <a:r>
+              <a:t>Group</a:t>
+            </a:r>
+            <a:br>
               <a:rPr lang="en-US" sz="2400" dirty="0">
                 <a:solidFill>
                   <a:schemeClr val="accent1">
@@ -3521,7 +3512,36 @@
                   </a:schemeClr>
                 </a:solidFill>
               </a:rPr>
-              <a:t>Group</a:t>
+            </a:br>
+            <a:r>
+              <a:rPr lang="en-US" sz="2400" smtClean="0">
+                <a:solidFill>
+                  <a:schemeClr val="accent1">
+                    <a:lumMod val="75000"/>
+                  </a:schemeClr>
+                </a:solidFill>
+              </a:rPr>
+              <a:t>Created by Andrew </a:t>
+            </a:r>
+            <a:r>
+              <a:rPr lang="en-US" sz="2400" dirty="0" err="1" smtClean="0">
+                <a:solidFill>
+                  <a:schemeClr val="accent1">
+                    <a:lumMod val="75000"/>
+                  </a:schemeClr>
+                </a:solidFill>
+              </a:rPr>
+              <a:t>Ferlitsch</a:t>
+            </a:r>
+            <a:r>
+              <a:rPr lang="en-US" sz="2400" dirty="0">
+                <a:solidFill>
+                  <a:schemeClr val="accent1">
+                    <a:lumMod val="75000"/>
+                  </a:schemeClr>
+                </a:solidFill>
+              </a:rPr>
+              <a:t/>
             </a:r>
             <a:br>
               <a:rPr lang="en-US" sz="2400" dirty="0">

--- a/Presentations/Python - OOP.pptx
+++ b/Presentations/Python - OOP.pptx
@@ -9,7 +9,7 @@
   </p:notesMasterIdLst>
   <p:sldIdLst>
     <p:sldId id="256" r:id="rId2"/>
-    <p:sldId id="281" r:id="rId3"/>
+    <p:sldId id="287" r:id="rId3"/>
     <p:sldId id="284" r:id="rId4"/>
     <p:sldId id="285" r:id="rId5"/>
     <p:sldId id="283" r:id="rId6"/>
@@ -198,7 +198,7 @@
           <a:p>
             <a:fld id="{FAF957FC-5175-49AC-8D2B-2F056FFFC1DD}" type="datetimeFigureOut">
               <a:rPr lang="en-US" smtClean="0"/>
-              <a:t>7/4/2017</a:t>
+              <a:t>7/18/2017</a:t>
             </a:fld>
             <a:endParaRPr lang="en-US"/>
           </a:p>
@@ -648,7 +648,7 @@
             <a:fld id="{1D8BD707-D9CF-40AE-B4C6-C98DA3205C09}" type="datetimeFigureOut">
               <a:rPr lang="en-US" smtClean="0"/>
               <a:pPr/>
-              <a:t>7/4/2017</a:t>
+              <a:t>7/18/2017</a:t>
             </a:fld>
             <a:endParaRPr lang="en-US"/>
           </a:p>
@@ -815,7 +815,7 @@
             <a:fld id="{1D8BD707-D9CF-40AE-B4C6-C98DA3205C09}" type="datetimeFigureOut">
               <a:rPr lang="en-US" smtClean="0"/>
               <a:pPr/>
-              <a:t>7/4/2017</a:t>
+              <a:t>7/18/2017</a:t>
             </a:fld>
             <a:endParaRPr lang="en-US"/>
           </a:p>
@@ -992,7 +992,7 @@
             <a:fld id="{1D8BD707-D9CF-40AE-B4C6-C98DA3205C09}" type="datetimeFigureOut">
               <a:rPr lang="en-US" smtClean="0"/>
               <a:pPr/>
-              <a:t>7/4/2017</a:t>
+              <a:t>7/18/2017</a:t>
             </a:fld>
             <a:endParaRPr lang="en-US"/>
           </a:p>
@@ -1159,7 +1159,7 @@
             <a:fld id="{1D8BD707-D9CF-40AE-B4C6-C98DA3205C09}" type="datetimeFigureOut">
               <a:rPr lang="en-US" smtClean="0"/>
               <a:pPr/>
-              <a:t>7/4/2017</a:t>
+              <a:t>7/18/2017</a:t>
             </a:fld>
             <a:endParaRPr lang="en-US"/>
           </a:p>
@@ -1402,7 +1402,7 @@
             <a:fld id="{1D8BD707-D9CF-40AE-B4C6-C98DA3205C09}" type="datetimeFigureOut">
               <a:rPr lang="en-US" smtClean="0"/>
               <a:pPr/>
-              <a:t>7/4/2017</a:t>
+              <a:t>7/18/2017</a:t>
             </a:fld>
             <a:endParaRPr lang="en-US"/>
           </a:p>
@@ -1687,7 +1687,7 @@
             <a:fld id="{1D8BD707-D9CF-40AE-B4C6-C98DA3205C09}" type="datetimeFigureOut">
               <a:rPr lang="en-US" smtClean="0"/>
               <a:pPr/>
-              <a:t>7/4/2017</a:t>
+              <a:t>7/18/2017</a:t>
             </a:fld>
             <a:endParaRPr lang="en-US"/>
           </a:p>
@@ -2106,7 +2106,7 @@
             <a:fld id="{1D8BD707-D9CF-40AE-B4C6-C98DA3205C09}" type="datetimeFigureOut">
               <a:rPr lang="en-US" smtClean="0"/>
               <a:pPr/>
-              <a:t>7/4/2017</a:t>
+              <a:t>7/18/2017</a:t>
             </a:fld>
             <a:endParaRPr lang="en-US"/>
           </a:p>
@@ -2221,7 +2221,7 @@
             <a:fld id="{1D8BD707-D9CF-40AE-B4C6-C98DA3205C09}" type="datetimeFigureOut">
               <a:rPr lang="en-US" smtClean="0"/>
               <a:pPr/>
-              <a:t>7/4/2017</a:t>
+              <a:t>7/18/2017</a:t>
             </a:fld>
             <a:endParaRPr lang="en-US"/>
           </a:p>
@@ -2313,7 +2313,7 @@
             <a:fld id="{1D8BD707-D9CF-40AE-B4C6-C98DA3205C09}" type="datetimeFigureOut">
               <a:rPr lang="en-US" smtClean="0"/>
               <a:pPr/>
-              <a:t>7/4/2017</a:t>
+              <a:t>7/18/2017</a:t>
             </a:fld>
             <a:endParaRPr lang="en-US"/>
           </a:p>
@@ -2587,7 +2587,7 @@
             <a:fld id="{1D8BD707-D9CF-40AE-B4C6-C98DA3205C09}" type="datetimeFigureOut">
               <a:rPr lang="en-US" smtClean="0"/>
               <a:pPr/>
-              <a:t>7/4/2017</a:t>
+              <a:t>7/18/2017</a:t>
             </a:fld>
             <a:endParaRPr lang="en-US"/>
           </a:p>
@@ -2837,7 +2837,7 @@
             <a:fld id="{1D8BD707-D9CF-40AE-B4C6-C98DA3205C09}" type="datetimeFigureOut">
               <a:rPr lang="en-US" smtClean="0"/>
               <a:pPr/>
-              <a:t>7/4/2017</a:t>
+              <a:t>7/18/2017</a:t>
             </a:fld>
             <a:endParaRPr lang="en-US"/>
           </a:p>
@@ -3047,7 +3047,7 @@
             <a:fld id="{1D8BD707-D9CF-40AE-B4C6-C98DA3205C09}" type="datetimeFigureOut">
               <a:rPr lang="en-US" smtClean="0"/>
               <a:pPr/>
-              <a:t>7/4/2017</a:t>
+              <a:t>7/18/2017</a:t>
             </a:fld>
             <a:endParaRPr lang="en-US"/>
           </a:p>
@@ -3482,17 +3482,7 @@
                   </a:schemeClr>
                 </a:solidFill>
               </a:rPr>
-              <a:t>Portland </a:t>
-            </a:r>
-            <a:r>
-              <a:rPr lang="en-US" sz="2400" dirty="0" smtClean="0">
-                <a:solidFill>
-                  <a:schemeClr val="accent1">
-                    <a:lumMod val="75000"/>
-                  </a:schemeClr>
-                </a:solidFill>
-              </a:rPr>
-              <a:t>Data Science </a:t>
+              <a:t>Portland Data Science </a:t>
             </a:r>
             <a:r>
               <a:rPr lang="en-US" sz="2400" dirty="0">
@@ -4574,7 +4564,7 @@
     </p:spTree>
     <p:extLst>
       <p:ext uri="{BB962C8B-B14F-4D97-AF65-F5344CB8AC3E}">
-        <p14:creationId xmlns:p14="http://schemas.microsoft.com/office/powerpoint/2010/main" val="3605481247"/>
+        <p14:creationId xmlns:p14="http://schemas.microsoft.com/office/powerpoint/2010/main" val="62089529"/>
       </p:ext>
     </p:extLst>
   </p:cSld>
@@ -4945,7 +4935,15 @@
             </a:r>
             <a:r>
               <a:rPr lang="en-US" dirty="0"/>
-              <a:t> == key:</a:t>
+              <a:t> </a:t>
+            </a:r>
+            <a:r>
+              <a:rPr lang="en-US" dirty="0" smtClean="0"/>
+              <a:t>is </a:t>
+            </a:r>
+            <a:r>
+              <a:rPr lang="en-US" dirty="0"/>
+              <a:t>key:</a:t>
             </a:r>
           </a:p>
           <a:p>

--- a/Presentations/Python - OOP.pptx
+++ b/Presentations/Python - OOP.pptx
@@ -198,7 +198,7 @@
           <a:p>
             <a:fld id="{FAF957FC-5175-49AC-8D2B-2F056FFFC1DD}" type="datetimeFigureOut">
               <a:rPr lang="en-US" smtClean="0"/>
-              <a:t>7/18/2017</a:t>
+              <a:t>7/19/2017</a:t>
             </a:fld>
             <a:endParaRPr lang="en-US"/>
           </a:p>
@@ -648,7 +648,7 @@
             <a:fld id="{1D8BD707-D9CF-40AE-B4C6-C98DA3205C09}" type="datetimeFigureOut">
               <a:rPr lang="en-US" smtClean="0"/>
               <a:pPr/>
-              <a:t>7/18/2017</a:t>
+              <a:t>7/19/2017</a:t>
             </a:fld>
             <a:endParaRPr lang="en-US"/>
           </a:p>
@@ -815,7 +815,7 @@
             <a:fld id="{1D8BD707-D9CF-40AE-B4C6-C98DA3205C09}" type="datetimeFigureOut">
               <a:rPr lang="en-US" smtClean="0"/>
               <a:pPr/>
-              <a:t>7/18/2017</a:t>
+              <a:t>7/19/2017</a:t>
             </a:fld>
             <a:endParaRPr lang="en-US"/>
           </a:p>
@@ -992,7 +992,7 @@
             <a:fld id="{1D8BD707-D9CF-40AE-B4C6-C98DA3205C09}" type="datetimeFigureOut">
               <a:rPr lang="en-US" smtClean="0"/>
               <a:pPr/>
-              <a:t>7/18/2017</a:t>
+              <a:t>7/19/2017</a:t>
             </a:fld>
             <a:endParaRPr lang="en-US"/>
           </a:p>
@@ -1159,7 +1159,7 @@
             <a:fld id="{1D8BD707-D9CF-40AE-B4C6-C98DA3205C09}" type="datetimeFigureOut">
               <a:rPr lang="en-US" smtClean="0"/>
               <a:pPr/>
-              <a:t>7/18/2017</a:t>
+              <a:t>7/19/2017</a:t>
             </a:fld>
             <a:endParaRPr lang="en-US"/>
           </a:p>
@@ -1402,7 +1402,7 @@
             <a:fld id="{1D8BD707-D9CF-40AE-B4C6-C98DA3205C09}" type="datetimeFigureOut">
               <a:rPr lang="en-US" smtClean="0"/>
               <a:pPr/>
-              <a:t>7/18/2017</a:t>
+              <a:t>7/19/2017</a:t>
             </a:fld>
             <a:endParaRPr lang="en-US"/>
           </a:p>
@@ -1687,7 +1687,7 @@
             <a:fld id="{1D8BD707-D9CF-40AE-B4C6-C98DA3205C09}" type="datetimeFigureOut">
               <a:rPr lang="en-US" smtClean="0"/>
               <a:pPr/>
-              <a:t>7/18/2017</a:t>
+              <a:t>7/19/2017</a:t>
             </a:fld>
             <a:endParaRPr lang="en-US"/>
           </a:p>
@@ -2106,7 +2106,7 @@
             <a:fld id="{1D8BD707-D9CF-40AE-B4C6-C98DA3205C09}" type="datetimeFigureOut">
               <a:rPr lang="en-US" smtClean="0"/>
               <a:pPr/>
-              <a:t>7/18/2017</a:t>
+              <a:t>7/19/2017</a:t>
             </a:fld>
             <a:endParaRPr lang="en-US"/>
           </a:p>
@@ -2221,7 +2221,7 @@
             <a:fld id="{1D8BD707-D9CF-40AE-B4C6-C98DA3205C09}" type="datetimeFigureOut">
               <a:rPr lang="en-US" smtClean="0"/>
               <a:pPr/>
-              <a:t>7/18/2017</a:t>
+              <a:t>7/19/2017</a:t>
             </a:fld>
             <a:endParaRPr lang="en-US"/>
           </a:p>
@@ -2313,7 +2313,7 @@
             <a:fld id="{1D8BD707-D9CF-40AE-B4C6-C98DA3205C09}" type="datetimeFigureOut">
               <a:rPr lang="en-US" smtClean="0"/>
               <a:pPr/>
-              <a:t>7/18/2017</a:t>
+              <a:t>7/19/2017</a:t>
             </a:fld>
             <a:endParaRPr lang="en-US"/>
           </a:p>
@@ -2587,7 +2587,7 @@
             <a:fld id="{1D8BD707-D9CF-40AE-B4C6-C98DA3205C09}" type="datetimeFigureOut">
               <a:rPr lang="en-US" smtClean="0"/>
               <a:pPr/>
-              <a:t>7/18/2017</a:t>
+              <a:t>7/19/2017</a:t>
             </a:fld>
             <a:endParaRPr lang="en-US"/>
           </a:p>
@@ -2837,7 +2837,7 @@
             <a:fld id="{1D8BD707-D9CF-40AE-B4C6-C98DA3205C09}" type="datetimeFigureOut">
               <a:rPr lang="en-US" smtClean="0"/>
               <a:pPr/>
-              <a:t>7/18/2017</a:t>
+              <a:t>7/19/2017</a:t>
             </a:fld>
             <a:endParaRPr lang="en-US"/>
           </a:p>
@@ -3047,7 +3047,7 @@
             <a:fld id="{1D8BD707-D9CF-40AE-B4C6-C98DA3205C09}" type="datetimeFigureOut">
               <a:rPr lang="en-US" smtClean="0"/>
               <a:pPr/>
-              <a:t>7/18/2017</a:t>
+              <a:t>7/19/2017</a:t>
             </a:fld>
             <a:endParaRPr lang="en-US"/>
           </a:p>
@@ -4729,8 +4729,13 @@
             </a:r>
             <a:r>
               <a:rPr lang="en-US" dirty="0"/>
-              <a:t> Node:</a:t>
-            </a:r>
+              <a:t> </a:t>
+            </a:r>
+            <a:r>
+              <a:rPr lang="en-US" dirty="0" smtClean="0"/>
+              <a:t>Node:</a:t>
+            </a:r>
+            <a:endParaRPr lang="en-US" dirty="0"/>
           </a:p>
           <a:p>
             <a:r>
@@ -7361,8 +7366,13 @@
             </a:r>
             <a:r>
               <a:rPr lang="en-US" sz="1600" dirty="0" smtClean="0"/>
-              <a:t>if None == next:</a:t>
-            </a:r>
+              <a:t>if </a:t>
+            </a:r>
+            <a:r>
+              <a:rPr lang="en-US" sz="1600" dirty="0" smtClean="0"/>
+              <a:t>next is None:</a:t>
+            </a:r>
+            <a:endParaRPr lang="en-US" sz="1600" dirty="0" smtClean="0"/>
           </a:p>
           <a:p>
             <a:r>
@@ -8214,10 +8224,14 @@
             </a:r>
             <a:r>
               <a:rPr lang="en-US" dirty="0" smtClean="0"/>
-              <a:t>	Node</a:t>
-            </a:r>
-            <a:r>
-              <a:rPr lang="en-US" dirty="0">
+              <a:t>	</a:t>
+            </a:r>
+            <a:r>
+              <a:rPr lang="en-US" dirty="0" smtClean="0"/>
+              <a:t>super()</a:t>
+            </a:r>
+            <a:r>
+              <a:rPr lang="en-US" dirty="0" smtClean="0">
                 <a:solidFill>
                   <a:srgbClr val="0070C0"/>
                 </a:solidFill>
@@ -8428,6 +8442,118 @@
           <a:p>
             <a:pPr algn="ctr"/>
             <a:endParaRPr lang="en-US"/>
+          </a:p>
+        </p:txBody>
+      </p:sp>
+      <p:sp>
+        <p:nvSpPr>
+          <p:cNvPr id="4" name="TextBox 3"/>
+          <p:cNvSpPr txBox="1"/>
+          <p:nvPr/>
+        </p:nvSpPr>
+        <p:spPr>
+          <a:xfrm>
+            <a:off x="568117" y="5794075"/>
+            <a:ext cx="7966283" cy="830997"/>
+          </a:xfrm>
+          <a:prstGeom prst="rect">
+            <a:avLst/>
+          </a:prstGeom>
+          <a:noFill/>
+          <a:ln w="12700">
+            <a:solidFill>
+              <a:schemeClr val="tx1"/>
+            </a:solidFill>
+            <a:prstDash val="dash"/>
+          </a:ln>
+        </p:spPr>
+        <p:txBody>
+          <a:bodyPr wrap="none" rtlCol="0">
+            <a:spAutoFit/>
+          </a:bodyPr>
+          <a:lstStyle/>
+          <a:p>
+            <a:r>
+              <a:rPr lang="en-US" sz="1200" b="1" i="1" dirty="0"/>
+              <a:t>Good Practice</a:t>
+            </a:r>
+            <a:r>
+              <a:rPr lang="en-US" sz="1200" dirty="0"/>
+              <a:t>: it's generally considered good practice to have non-inheriting classes explicitly inherit from the "object" </a:t>
+            </a:r>
+            <a:r>
+              <a:rPr lang="en-US" sz="1200" dirty="0" smtClean="0"/>
+              <a:t>class.</a:t>
+            </a:r>
+          </a:p>
+          <a:p>
+            <a:endParaRPr lang="en-US" sz="1200" dirty="0"/>
+          </a:p>
+          <a:p>
+            <a:r>
+              <a:rPr lang="en-US" sz="1200" b="1" i="1" dirty="0"/>
+              <a:t> </a:t>
+            </a:r>
+            <a:r>
+              <a:rPr lang="en-US" sz="1200" b="1" i="1" dirty="0" smtClean="0"/>
+              <a:t>Example: </a:t>
+            </a:r>
+            <a:r>
+              <a:rPr lang="en-US" sz="1200" dirty="0" smtClean="0">
+                <a:solidFill>
+                  <a:srgbClr val="00B050"/>
+                </a:solidFill>
+              </a:rPr>
+              <a:t>class </a:t>
+            </a:r>
+            <a:r>
+              <a:rPr lang="en-US" sz="1200" dirty="0">
+                <a:solidFill>
+                  <a:srgbClr val="00B050"/>
+                </a:solidFill>
+              </a:rPr>
+              <a:t>Node</a:t>
+            </a:r>
+            <a:r>
+              <a:rPr lang="en-US" sz="1200" dirty="0" smtClean="0">
+                <a:solidFill>
+                  <a:srgbClr val="00B050"/>
+                </a:solidFill>
+              </a:rPr>
+              <a:t>: </a:t>
+            </a:r>
+            <a:r>
+              <a:rPr lang="en-US" sz="1200" dirty="0" smtClean="0"/>
+              <a:t>would become </a:t>
+            </a:r>
+            <a:r>
+              <a:rPr lang="en-US" sz="1200" dirty="0" smtClean="0">
+                <a:solidFill>
+                  <a:srgbClr val="00B050"/>
+                </a:solidFill>
+              </a:rPr>
+              <a:t>class Node(object):</a:t>
+            </a:r>
+            <a:r>
+              <a:rPr lang="en-US" sz="1200" dirty="0">
+                <a:solidFill>
+                  <a:srgbClr val="00B050"/>
+                </a:solidFill>
+              </a:rPr>
+              <a:t/>
+            </a:r>
+            <a:br>
+              <a:rPr lang="en-US" sz="1200" dirty="0">
+                <a:solidFill>
+                  <a:srgbClr val="00B050"/>
+                </a:solidFill>
+              </a:rPr>
+            </a:br>
+            <a:endParaRPr lang="en-US" sz="1200" dirty="0">
+              <a:solidFill>
+                <a:srgbClr val="00B050"/>
+              </a:solidFill>
+            </a:endParaRPr>
           </a:p>
         </p:txBody>
       </p:sp>

--- a/Presentations/Python - OOP.pptx
+++ b/Presentations/Python - OOP.pptx
@@ -198,7 +198,7 @@
           <a:p>
             <a:fld id="{FAF957FC-5175-49AC-8D2B-2F056FFFC1DD}" type="datetimeFigureOut">
               <a:rPr lang="en-US" smtClean="0"/>
-              <a:t>7/19/2017</a:t>
+              <a:t>7/23/2017</a:t>
             </a:fld>
             <a:endParaRPr lang="en-US"/>
           </a:p>
@@ -648,7 +648,7 @@
             <a:fld id="{1D8BD707-D9CF-40AE-B4C6-C98DA3205C09}" type="datetimeFigureOut">
               <a:rPr lang="en-US" smtClean="0"/>
               <a:pPr/>
-              <a:t>7/19/2017</a:t>
+              <a:t>7/23/2017</a:t>
             </a:fld>
             <a:endParaRPr lang="en-US"/>
           </a:p>
@@ -815,7 +815,7 @@
             <a:fld id="{1D8BD707-D9CF-40AE-B4C6-C98DA3205C09}" type="datetimeFigureOut">
               <a:rPr lang="en-US" smtClean="0"/>
               <a:pPr/>
-              <a:t>7/19/2017</a:t>
+              <a:t>7/23/2017</a:t>
             </a:fld>
             <a:endParaRPr lang="en-US"/>
           </a:p>
@@ -992,7 +992,7 @@
             <a:fld id="{1D8BD707-D9CF-40AE-B4C6-C98DA3205C09}" type="datetimeFigureOut">
               <a:rPr lang="en-US" smtClean="0"/>
               <a:pPr/>
-              <a:t>7/19/2017</a:t>
+              <a:t>7/23/2017</a:t>
             </a:fld>
             <a:endParaRPr lang="en-US"/>
           </a:p>
@@ -1159,7 +1159,7 @@
             <a:fld id="{1D8BD707-D9CF-40AE-B4C6-C98DA3205C09}" type="datetimeFigureOut">
               <a:rPr lang="en-US" smtClean="0"/>
               <a:pPr/>
-              <a:t>7/19/2017</a:t>
+              <a:t>7/23/2017</a:t>
             </a:fld>
             <a:endParaRPr lang="en-US"/>
           </a:p>
@@ -1402,7 +1402,7 @@
             <a:fld id="{1D8BD707-D9CF-40AE-B4C6-C98DA3205C09}" type="datetimeFigureOut">
               <a:rPr lang="en-US" smtClean="0"/>
               <a:pPr/>
-              <a:t>7/19/2017</a:t>
+              <a:t>7/23/2017</a:t>
             </a:fld>
             <a:endParaRPr lang="en-US"/>
           </a:p>
@@ -1687,7 +1687,7 @@
             <a:fld id="{1D8BD707-D9CF-40AE-B4C6-C98DA3205C09}" type="datetimeFigureOut">
               <a:rPr lang="en-US" smtClean="0"/>
               <a:pPr/>
-              <a:t>7/19/2017</a:t>
+              <a:t>7/23/2017</a:t>
             </a:fld>
             <a:endParaRPr lang="en-US"/>
           </a:p>
@@ -2106,7 +2106,7 @@
             <a:fld id="{1D8BD707-D9CF-40AE-B4C6-C98DA3205C09}" type="datetimeFigureOut">
               <a:rPr lang="en-US" smtClean="0"/>
               <a:pPr/>
-              <a:t>7/19/2017</a:t>
+              <a:t>7/23/2017</a:t>
             </a:fld>
             <a:endParaRPr lang="en-US"/>
           </a:p>
@@ -2221,7 +2221,7 @@
             <a:fld id="{1D8BD707-D9CF-40AE-B4C6-C98DA3205C09}" type="datetimeFigureOut">
               <a:rPr lang="en-US" smtClean="0"/>
               <a:pPr/>
-              <a:t>7/19/2017</a:t>
+              <a:t>7/23/2017</a:t>
             </a:fld>
             <a:endParaRPr lang="en-US"/>
           </a:p>
@@ -2313,7 +2313,7 @@
             <a:fld id="{1D8BD707-D9CF-40AE-B4C6-C98DA3205C09}" type="datetimeFigureOut">
               <a:rPr lang="en-US" smtClean="0"/>
               <a:pPr/>
-              <a:t>7/19/2017</a:t>
+              <a:t>7/23/2017</a:t>
             </a:fld>
             <a:endParaRPr lang="en-US"/>
           </a:p>
@@ -2587,7 +2587,7 @@
             <a:fld id="{1D8BD707-D9CF-40AE-B4C6-C98DA3205C09}" type="datetimeFigureOut">
               <a:rPr lang="en-US" smtClean="0"/>
               <a:pPr/>
-              <a:t>7/19/2017</a:t>
+              <a:t>7/23/2017</a:t>
             </a:fld>
             <a:endParaRPr lang="en-US"/>
           </a:p>
@@ -2837,7 +2837,7 @@
             <a:fld id="{1D8BD707-D9CF-40AE-B4C6-C98DA3205C09}" type="datetimeFigureOut">
               <a:rPr lang="en-US" smtClean="0"/>
               <a:pPr/>
-              <a:t>7/19/2017</a:t>
+              <a:t>7/23/2017</a:t>
             </a:fld>
             <a:endParaRPr lang="en-US"/>
           </a:p>
@@ -3047,7 +3047,7 @@
             <a:fld id="{1D8BD707-D9CF-40AE-B4C6-C98DA3205C09}" type="datetimeFigureOut">
               <a:rPr lang="en-US" smtClean="0"/>
               <a:pPr/>
-              <a:t>7/19/2017</a:t>
+              <a:t>7/23/2017</a:t>
             </a:fld>
             <a:endParaRPr lang="en-US"/>
           </a:p>
@@ -4088,7 +4088,7 @@
             </a:r>
             <a:r>
               <a:rPr lang="en-US" sz="1400" b="1" dirty="0" smtClean="0"/>
-              <a:t>__( </a:t>
+              <a:t>__( self</a:t>
             </a:r>
             <a:r>
               <a:rPr lang="en-US" sz="1400" b="1" dirty="0" smtClean="0">
@@ -4098,7 +4098,7 @@
                   </a:schemeClr>
                 </a:solidFill>
               </a:rPr>
-              <a:t>self </a:t>
+              <a:t> </a:t>
             </a:r>
             <a:r>
               <a:rPr lang="en-US" sz="1400" b="1" dirty="0" smtClean="0"/>
@@ -4681,7 +4681,7 @@
         <p:spPr>
           <a:xfrm>
             <a:off x="2057400" y="1524000"/>
-            <a:ext cx="4801314" cy="3416320"/>
+            <a:ext cx="4801314" cy="3693319"/>
           </a:xfrm>
           <a:prstGeom prst="rect">
             <a:avLst/>
@@ -4824,21 +4824,89 @@
             </a:r>
             <a:r>
               <a:rPr lang="en-US" dirty="0"/>
-              <a:t>( </a:t>
+              <a:t>( self, key ):</a:t>
+            </a:r>
+          </a:p>
+          <a:p>
+            <a:r>
+              <a:rPr lang="en-US" dirty="0"/>
+              <a:t>		</a:t>
+            </a:r>
+            <a:r>
+              <a:rPr lang="en-US" dirty="0" err="1"/>
+              <a:t>self.key</a:t>
+            </a:r>
+            <a:r>
+              <a:rPr lang="en-US" dirty="0"/>
+              <a:t> = key</a:t>
+            </a:r>
+          </a:p>
+          <a:p>
+            <a:r>
+              <a:rPr lang="en-US" dirty="0"/>
+              <a:t>	</a:t>
+            </a:r>
+          </a:p>
+          <a:p>
+            <a:r>
+              <a:rPr lang="en-US" dirty="0"/>
+              <a:t>	</a:t>
             </a:r>
             <a:r>
               <a:rPr lang="en-US" dirty="0">
+                <a:solidFill>
+                  <a:srgbClr val="00B050"/>
+                </a:solidFill>
+              </a:rPr>
+              <a:t># Get or Set the node data</a:t>
+            </a:r>
+          </a:p>
+          <a:p>
+            <a:r>
+              <a:rPr lang="en-US" dirty="0"/>
+              <a:t>	</a:t>
+            </a:r>
+            <a:r>
+              <a:rPr lang="en-US" dirty="0" err="1">
                 <a:solidFill>
                   <a:schemeClr val="accent5">
                     <a:lumMod val="75000"/>
                   </a:schemeClr>
                 </a:solidFill>
               </a:rPr>
-              <a:t>self</a:t>
+              <a:t>def</a:t>
             </a:r>
             <a:r>
               <a:rPr lang="en-US" dirty="0"/>
-              <a:t>, key ):</a:t>
+              <a:t> Key</a:t>
+            </a:r>
+            <a:r>
+              <a:rPr lang="en-US" dirty="0">
+                <a:solidFill>
+                  <a:schemeClr val="accent5">
+                    <a:lumMod val="75000"/>
+                  </a:schemeClr>
+                </a:solidFill>
+              </a:rPr>
+              <a:t>( </a:t>
+            </a:r>
+            <a:r>
+              <a:rPr lang="en-US" dirty="0"/>
+              <a:t>self, key = </a:t>
+            </a:r>
+            <a:r>
+              <a:rPr lang="en-US" dirty="0">
+                <a:solidFill>
+                  <a:schemeClr val="accent5">
+                    <a:lumMod val="75000"/>
+                  </a:schemeClr>
+                </a:solidFill>
+              </a:rPr>
+              <a:t>None</a:t>
+            </a:r>
+            <a:r>
+              <a:rPr lang="en-US" dirty="0"/>
+              <a:t> ):</a:t>
             </a:r>
           </a:p>
           <a:p>
@@ -4847,132 +4915,79 @@
               <a:t>		</a:t>
             </a:r>
             <a:r>
-              <a:rPr lang="en-US" dirty="0" err="1"/>
+              <a:rPr lang="en-US" dirty="0">
+                <a:solidFill>
+                  <a:schemeClr val="accent5">
+                    <a:lumMod val="75000"/>
+                  </a:schemeClr>
+                </a:solidFill>
+              </a:rPr>
+              <a:t>if None</a:t>
+            </a:r>
+            <a:r>
+              <a:rPr lang="en-US" dirty="0"/>
+              <a:t> </a:t>
+            </a:r>
+            <a:r>
+              <a:rPr lang="en-US" dirty="0" smtClean="0">
+                <a:solidFill>
+                  <a:schemeClr val="accent5">
+                    <a:lumMod val="75000"/>
+                  </a:schemeClr>
+                </a:solidFill>
+              </a:rPr>
+              <a:t>is</a:t>
+            </a:r>
+            <a:r>
+              <a:rPr lang="en-US" dirty="0" smtClean="0"/>
+              <a:t> </a:t>
+            </a:r>
+            <a:r>
+              <a:rPr lang="en-US" dirty="0"/>
+              <a:t>key:</a:t>
+            </a:r>
+          </a:p>
+          <a:p>
+            <a:r>
+              <a:rPr lang="en-US" dirty="0"/>
+              <a:t>			</a:t>
+            </a:r>
+            <a:r>
+              <a:rPr lang="en-US" dirty="0">
+                <a:solidFill>
+                  <a:schemeClr val="accent5">
+                    <a:lumMod val="75000"/>
+                  </a:schemeClr>
+                </a:solidFill>
+              </a:rPr>
+              <a:t>return</a:t>
+            </a:r>
+            <a:r>
+              <a:rPr lang="en-US" dirty="0"/>
+              <a:t> </a:t>
+            </a:r>
+            <a:r>
+              <a:rPr lang="en-US" dirty="0" err="1" smtClean="0"/>
               <a:t>self.key</a:t>
             </a:r>
-            <a:r>
-              <a:rPr lang="en-US" dirty="0"/>
-              <a:t> = key</a:t>
-            </a:r>
+            <a:endParaRPr lang="en-US" dirty="0" smtClean="0"/>
           </a:p>
           <a:p>
             <a:r>
               <a:rPr lang="en-US" dirty="0"/>
               <a:t>	</a:t>
             </a:r>
-          </a:p>
-          <a:p>
-            <a:r>
-              <a:rPr lang="en-US" dirty="0"/>
+            <a:r>
+              <a:rPr lang="en-US" dirty="0" smtClean="0"/>
               <a:t>	</a:t>
             </a:r>
             <a:r>
-              <a:rPr lang="en-US" dirty="0">
-                <a:solidFill>
-                  <a:srgbClr val="00B050"/>
-                </a:solidFill>
-              </a:rPr>
-              <a:t># Get or Set the node data</a:t>
-            </a:r>
-          </a:p>
-          <a:p>
-            <a:r>
-              <a:rPr lang="en-US" dirty="0"/>
-              <a:t>	</a:t>
-            </a:r>
-            <a:r>
-              <a:rPr lang="en-US" dirty="0" err="1">
-                <a:solidFill>
-                  <a:schemeClr val="accent5">
-                    <a:lumMod val="75000"/>
-                  </a:schemeClr>
-                </a:solidFill>
-              </a:rPr>
-              <a:t>def</a:t>
-            </a:r>
-            <a:r>
-              <a:rPr lang="en-US" dirty="0"/>
-              <a:t> Key</a:t>
-            </a:r>
-            <a:r>
-              <a:rPr lang="en-US" dirty="0">
-                <a:solidFill>
-                  <a:schemeClr val="accent5">
-                    <a:lumMod val="75000"/>
-                  </a:schemeClr>
-                </a:solidFill>
-              </a:rPr>
-              <a:t>( self</a:t>
-            </a:r>
-            <a:r>
-              <a:rPr lang="en-US" dirty="0"/>
-              <a:t>, key = </a:t>
-            </a:r>
-            <a:r>
-              <a:rPr lang="en-US" dirty="0">
-                <a:solidFill>
-                  <a:schemeClr val="accent5">
-                    <a:lumMod val="75000"/>
-                  </a:schemeClr>
-                </a:solidFill>
-              </a:rPr>
-              <a:t>None</a:t>
-            </a:r>
-            <a:r>
-              <a:rPr lang="en-US" dirty="0"/>
-              <a:t> ):</a:t>
-            </a:r>
-          </a:p>
-          <a:p>
-            <a:r>
-              <a:rPr lang="en-US" dirty="0"/>
-              <a:t>		</a:t>
-            </a:r>
-            <a:r>
-              <a:rPr lang="en-US" dirty="0">
-                <a:solidFill>
-                  <a:schemeClr val="accent5">
-                    <a:lumMod val="75000"/>
-                  </a:schemeClr>
-                </a:solidFill>
-              </a:rPr>
-              <a:t>if None</a:t>
-            </a:r>
-            <a:r>
-              <a:rPr lang="en-US" dirty="0"/>
-              <a:t> </a:t>
+              <a:rPr lang="en-US" dirty="0" err="1" smtClean="0"/>
+              <a:t>self.key</a:t>
             </a:r>
             <a:r>
               <a:rPr lang="en-US" dirty="0" smtClean="0"/>
-              <a:t>is </a:t>
-            </a:r>
-            <a:r>
-              <a:rPr lang="en-US" dirty="0"/>
-              <a:t>key:</a:t>
-            </a:r>
-          </a:p>
-          <a:p>
-            <a:r>
-              <a:rPr lang="en-US" dirty="0"/>
-              <a:t>			</a:t>
-            </a:r>
-            <a:r>
-              <a:rPr lang="en-US" dirty="0">
-                <a:solidFill>
-                  <a:schemeClr val="accent5">
-                    <a:lumMod val="75000"/>
-                  </a:schemeClr>
-                </a:solidFill>
-              </a:rPr>
-              <a:t>return</a:t>
-            </a:r>
-            <a:r>
-              <a:rPr lang="en-US" dirty="0"/>
-              <a:t> </a:t>
-            </a:r>
-            <a:r>
-              <a:rPr lang="en-US" dirty="0" err="1"/>
-              <a:t>self.key</a:t>
+              <a:t> = key</a:t>
             </a:r>
             <a:endParaRPr lang="en-US" dirty="0"/>
           </a:p>
@@ -5631,11 +5646,11 @@
                   <a:srgbClr val="0070C0"/>
                 </a:solidFill>
               </a:rPr>
-              <a:t> self</a:t>
+              <a:t> </a:t>
             </a:r>
             <a:r>
               <a:rPr lang="en-US" sz="1400" b="1" dirty="0" smtClean="0"/>
-              <a:t>, flag )</a:t>
+              <a:t>self, flag )</a:t>
             </a:r>
           </a:p>
           <a:p>
@@ -5750,63 +5765,37 @@
               <a:t>		</a:t>
             </a:r>
             <a:r>
+              <a:rPr lang="en-US" sz="1400" b="1" dirty="0" err="1" smtClean="0">
+                <a:solidFill>
+                  <a:schemeClr val="accent5">
+                    <a:lumMod val="75000"/>
+                  </a:schemeClr>
+                </a:solidFill>
+              </a:rPr>
+              <a:t>def</a:t>
+            </a:r>
+            <a:r>
+              <a:rPr lang="en-US" sz="1400" b="1" dirty="0" smtClean="0">
+                <a:solidFill>
+                  <a:srgbClr val="0070C0"/>
+                </a:solidFill>
+              </a:rPr>
+              <a:t> </a:t>
+            </a:r>
+            <a:r>
               <a:rPr lang="en-US" sz="1400" b="1" dirty="0" err="1" smtClean="0"/>
-              <a:t>def</a:t>
-            </a:r>
-            <a:r>
-              <a:rPr lang="en-US" sz="1400" b="1" dirty="0" smtClean="0">
-                <a:solidFill>
-                  <a:srgbClr val="0070C0"/>
-                </a:solidFill>
-              </a:rPr>
-              <a:t> </a:t>
-            </a:r>
-            <a:r>
-              <a:rPr lang="en-US" sz="1400" b="1" dirty="0" err="1" smtClean="0">
-                <a:solidFill>
-                  <a:srgbClr val="0070C0"/>
-                </a:solidFill>
-              </a:rPr>
               <a:t>myFunc</a:t>
             </a:r>
             <a:r>
-              <a:rPr lang="en-US" sz="1400" b="1" dirty="0" smtClean="0">
-                <a:solidFill>
-                  <a:srgbClr val="0070C0"/>
-                </a:solidFill>
-              </a:rPr>
-              <a:t>( </a:t>
-            </a:r>
-            <a:r>
               <a:rPr lang="en-US" sz="1400" b="1" dirty="0" smtClean="0"/>
-              <a:t>self</a:t>
-            </a:r>
-            <a:r>
-              <a:rPr lang="en-US" sz="1400" b="1" dirty="0" smtClean="0">
-                <a:solidFill>
-                  <a:srgbClr val="0070C0"/>
-                </a:solidFill>
-              </a:rPr>
-              <a:t> ):</a:t>
+              <a:t>( self ):</a:t>
             </a:r>
             <a:br>
-              <a:rPr lang="en-US" sz="1400" b="1" dirty="0" smtClean="0">
-                <a:solidFill>
-                  <a:srgbClr val="0070C0"/>
-                </a:solidFill>
-              </a:rPr>
+              <a:rPr lang="en-US" sz="1400" b="1" dirty="0" smtClean="0"/>
             </a:br>
             <a:r>
-              <a:rPr lang="en-US" sz="1400" b="1" dirty="0" smtClean="0">
-                <a:solidFill>
-                  <a:srgbClr val="0070C0"/>
-                </a:solidFill>
-              </a:rPr>
-              <a:t>			flag = </a:t>
-            </a:r>
-            <a:r>
               <a:rPr lang="en-US" sz="1400" b="1" dirty="0" smtClean="0"/>
-              <a:t>True</a:t>
+              <a:t>			flag = True</a:t>
             </a:r>
             <a:endParaRPr lang="en-US" sz="2400" b="1" dirty="0" smtClean="0"/>
           </a:p>
@@ -5893,11 +5882,21 @@
                   <a:srgbClr val="0070C0"/>
                 </a:solidFill>
               </a:rPr>
-              <a:t>		flag </a:t>
+              <a:t>		</a:t>
             </a:r>
             <a:r>
               <a:rPr lang="en-US" sz="1400" b="1" dirty="0" smtClean="0"/>
-              <a:t>= False</a:t>
+              <a:t>flag = </a:t>
+            </a:r>
+            <a:r>
+              <a:rPr lang="en-US" sz="1400" b="1" dirty="0" smtClean="0">
+                <a:solidFill>
+                  <a:schemeClr val="accent5">
+                    <a:lumMod val="75000"/>
+                  </a:schemeClr>
+                </a:solidFill>
+              </a:rPr>
+              <a:t>False</a:t>
             </a:r>
             <a:r>
               <a:rPr lang="en-US" sz="1400" b="1" dirty="0" smtClean="0">
@@ -5952,11 +5951,11 @@
                   <a:srgbClr val="0070C0"/>
                 </a:solidFill>
               </a:rPr>
-              <a:t> self </a:t>
+              <a:t> </a:t>
             </a:r>
             <a:r>
               <a:rPr lang="en-US" sz="1400" b="1" dirty="0" smtClean="0"/>
-              <a:t>):</a:t>
+              <a:t>self ):</a:t>
             </a:r>
           </a:p>
           <a:p>
@@ -5977,16 +5976,8 @@
               <a:t>		</a:t>
             </a:r>
             <a:r>
-              <a:rPr lang="en-US" sz="1400" b="1" dirty="0" err="1" smtClean="0">
-                <a:solidFill>
-                  <a:srgbClr val="0070C0"/>
-                </a:solidFill>
-              </a:rPr>
-              <a:t>self</a:t>
-            </a:r>
-            <a:r>
               <a:rPr lang="en-US" sz="1400" b="1" dirty="0" err="1" smtClean="0"/>
-              <a:t>.flag</a:t>
+              <a:t>self.flag</a:t>
             </a:r>
             <a:r>
               <a:rPr lang="en-US" sz="1400" b="1" dirty="0" smtClean="0"/>
@@ -6098,11 +6089,11 @@
                   <a:srgbClr val="0070C0"/>
                 </a:solidFill>
               </a:rPr>
-              <a:t> self </a:t>
+              <a:t> </a:t>
             </a:r>
             <a:r>
               <a:rPr lang="en-US" sz="1400" b="1" dirty="0" smtClean="0"/>
-              <a:t>):</a:t>
+              <a:t>self ):</a:t>
             </a:r>
             <a:r>
               <a:rPr lang="en-US" sz="1400" b="1" dirty="0" smtClean="0">
@@ -6941,7 +6932,13 @@
           </a:p>
           <a:p>
             <a:r>
-              <a:rPr lang="en-US" sz="1600" dirty="0" err="1" smtClean="0"/>
+              <a:rPr lang="en-US" sz="1600" dirty="0" err="1" smtClean="0">
+                <a:solidFill>
+                  <a:schemeClr val="accent5">
+                    <a:lumMod val="75000"/>
+                  </a:schemeClr>
+                </a:solidFill>
+              </a:rPr>
               <a:t>def</a:t>
             </a:r>
             <a:r>
@@ -6983,30 +6980,52 @@
           </a:p>
           <a:p>
             <a:r>
+              <a:rPr lang="en-US" sz="1600" dirty="0" err="1" smtClean="0">
+                <a:solidFill>
+                  <a:schemeClr val="accent5">
+                    <a:lumMod val="75000"/>
+                  </a:schemeClr>
+                </a:solidFill>
+              </a:rPr>
+              <a:t>def</a:t>
+            </a:r>
+            <a:r>
+              <a:rPr lang="en-US" sz="1600" dirty="0" smtClean="0">
+                <a:solidFill>
+                  <a:schemeClr val="accent5">
+                    <a:lumMod val="75000"/>
+                  </a:schemeClr>
+                </a:solidFill>
+              </a:rPr>
+              <a:t> </a:t>
+            </a:r>
+            <a:r>
               <a:rPr lang="en-US" sz="1600" dirty="0" err="1" smtClean="0"/>
-              <a:t>def</a:t>
+              <a:t>GetNext</a:t>
+            </a:r>
+            <a:r>
+              <a:rPr lang="en-US" sz="1600" dirty="0" smtClean="0"/>
+              <a:t>(self)</a:t>
+            </a:r>
+          </a:p>
+          <a:p>
+            <a:r>
+              <a:rPr lang="en-US" sz="1600" dirty="0"/>
+              <a:t>	</a:t>
+            </a:r>
+            <a:r>
+              <a:rPr lang="en-US" sz="1600" dirty="0" smtClean="0">
+                <a:solidFill>
+                  <a:schemeClr val="accent5">
+                    <a:lumMod val="75000"/>
+                  </a:schemeClr>
+                </a:solidFill>
+              </a:rPr>
+              <a:t>return</a:t>
             </a:r>
             <a:r>
               <a:rPr lang="en-US" sz="1600" dirty="0" smtClean="0"/>
               <a:t> </a:t>
-            </a:r>
-            <a:r>
-              <a:rPr lang="en-US" sz="1600" dirty="0" err="1" smtClean="0"/>
-              <a:t>GetNext</a:t>
-            </a:r>
-            <a:r>
-              <a:rPr lang="en-US" sz="1600" dirty="0" smtClean="0"/>
-              <a:t>(self)</a:t>
-            </a:r>
-          </a:p>
-          <a:p>
-            <a:r>
-              <a:rPr lang="en-US" sz="1600" dirty="0"/>
-              <a:t>	</a:t>
-            </a:r>
-            <a:r>
-              <a:rPr lang="en-US" sz="1600" dirty="0" smtClean="0"/>
-              <a:t>return </a:t>
             </a:r>
             <a:r>
               <a:rPr lang="en-US" sz="1600" dirty="0" err="1" smtClean="0"/>
@@ -7351,12 +7370,42 @@
           </a:p>
           <a:p>
             <a:r>
-              <a:rPr lang="en-US" sz="1600" dirty="0" err="1" smtClean="0"/>
+              <a:rPr lang="en-US" sz="1600" dirty="0" err="1" smtClean="0">
+                <a:solidFill>
+                  <a:schemeClr val="accent5">
+                    <a:lumMod val="75000"/>
+                  </a:schemeClr>
+                </a:solidFill>
+              </a:rPr>
               <a:t>def</a:t>
             </a:r>
             <a:r>
+              <a:rPr lang="en-US" sz="1600" dirty="0" smtClean="0">
+                <a:solidFill>
+                  <a:schemeClr val="accent5">
+                    <a:lumMod val="75000"/>
+                  </a:schemeClr>
+                </a:solidFill>
+              </a:rPr>
+              <a:t> </a:t>
+            </a:r>
+            <a:r>
               <a:rPr lang="en-US" sz="1600" dirty="0" smtClean="0"/>
-              <a:t> Next( self, next = None )</a:t>
+              <a:t>Next( self, next = </a:t>
+            </a:r>
+            <a:r>
+              <a:rPr lang="en-US" sz="1600" dirty="0" smtClean="0">
+                <a:solidFill>
+                  <a:schemeClr val="accent5">
+                    <a:lumMod val="75000"/>
+                  </a:schemeClr>
+                </a:solidFill>
+              </a:rPr>
+              <a:t>None</a:t>
+            </a:r>
+            <a:r>
+              <a:rPr lang="en-US" sz="1600" dirty="0" smtClean="0"/>
+              <a:t> )</a:t>
             </a:r>
           </a:p>
           <a:p>
@@ -7365,14 +7414,33 @@
               <a:t>	</a:t>
             </a:r>
             <a:r>
+              <a:rPr lang="en-US" sz="1600" dirty="0" smtClean="0">
+                <a:solidFill>
+                  <a:schemeClr val="accent5">
+                    <a:lumMod val="75000"/>
+                  </a:schemeClr>
+                </a:solidFill>
+              </a:rPr>
+              <a:t>if </a:t>
+            </a:r>
+            <a:r>
               <a:rPr lang="en-US" sz="1600" dirty="0" smtClean="0"/>
-              <a:t>if </a:t>
+              <a:t>next </a:t>
+            </a:r>
+            <a:r>
+              <a:rPr lang="en-US" sz="1600" dirty="0" smtClean="0">
+                <a:solidFill>
+                  <a:schemeClr val="accent5">
+                    <a:lumMod val="75000"/>
+                  </a:schemeClr>
+                </a:solidFill>
+              </a:rPr>
+              <a:t>is None</a:t>
             </a:r>
             <a:r>
               <a:rPr lang="en-US" sz="1600" dirty="0" smtClean="0"/>
-              <a:t>next is None:</a:t>
-            </a:r>
-            <a:endParaRPr lang="en-US" sz="1600" dirty="0" smtClean="0"/>
+              <a:t>:</a:t>
+            </a:r>
           </a:p>
           <a:p>
             <a:r>
@@ -7381,7 +7449,21 @@
             </a:r>
             <a:r>
               <a:rPr lang="en-US" sz="1600" dirty="0" smtClean="0"/>
-              <a:t>	return </a:t>
+              <a:t>	</a:t>
+            </a:r>
+            <a:r>
+              <a:rPr lang="en-US" sz="1600" dirty="0" smtClean="0">
+                <a:solidFill>
+                  <a:schemeClr val="accent5">
+                    <a:lumMod val="75000"/>
+                  </a:schemeClr>
+                </a:solidFill>
+              </a:rPr>
+              <a:t>return</a:t>
+            </a:r>
+            <a:r>
+              <a:rPr lang="en-US" sz="1600" dirty="0" smtClean="0"/>
+              <a:t> </a:t>
             </a:r>
             <a:r>
               <a:rPr lang="en-US" sz="1600" dirty="0" err="1" smtClean="0"/>
@@ -8202,19 +8284,7 @@
             </a:r>
             <a:r>
               <a:rPr lang="en-US" dirty="0"/>
-              <a:t>( </a:t>
-            </a:r>
-            <a:r>
-              <a:rPr lang="en-US" dirty="0">
-                <a:solidFill>
-                  <a:srgbClr val="0070C0"/>
-                </a:solidFill>
-              </a:rPr>
-              <a:t>self</a:t>
-            </a:r>
-            <a:r>
-              <a:rPr lang="en-US" dirty="0"/>
-              <a:t>, key ):</a:t>
+              <a:t>( self, key ):</a:t>
             </a:r>
           </a:p>
           <a:p>
@@ -8227,8 +8297,18 @@
               <a:t>	</a:t>
             </a:r>
             <a:r>
+              <a:rPr lang="en-US" dirty="0" smtClean="0">
+                <a:solidFill>
+                  <a:schemeClr val="accent5">
+                    <a:lumMod val="75000"/>
+                  </a:schemeClr>
+                </a:solidFill>
+              </a:rPr>
+              <a:t>super</a:t>
+            </a:r>
+            <a:r>
               <a:rPr lang="en-US" dirty="0" smtClean="0"/>
-              <a:t>super()</a:t>
+              <a:t>()</a:t>
             </a:r>
             <a:r>
               <a:rPr lang="en-US" dirty="0" smtClean="0">
@@ -8256,19 +8336,7 @@
             </a:r>
             <a:r>
               <a:rPr lang="en-US" dirty="0"/>
-              <a:t>( </a:t>
-            </a:r>
-            <a:r>
-              <a:rPr lang="en-US" dirty="0">
-                <a:solidFill>
-                  <a:srgbClr val="0070C0"/>
-                </a:solidFill>
-              </a:rPr>
-              <a:t>self</a:t>
-            </a:r>
-            <a:r>
-              <a:rPr lang="en-US" dirty="0"/>
-              <a:t>, key )</a:t>
+              <a:t>( self, key )</a:t>
             </a:r>
           </a:p>
         </p:txBody>

--- a/Presentations/Python - OOP.pptx
+++ b/Presentations/Python - OOP.pptx
@@ -5,7 +5,7 @@
     <p:sldMasterId id="2147483648" r:id="rId1"/>
   </p:sldMasterIdLst>
   <p:notesMasterIdLst>
-    <p:notesMasterId r:id="rId9"/>
+    <p:notesMasterId r:id="rId11"/>
   </p:notesMasterIdLst>
   <p:sldIdLst>
     <p:sldId id="256" r:id="rId2"/>
@@ -14,7 +14,9 @@
     <p:sldId id="285" r:id="rId5"/>
     <p:sldId id="283" r:id="rId6"/>
     <p:sldId id="282" r:id="rId7"/>
-    <p:sldId id="286" r:id="rId8"/>
+    <p:sldId id="288" r:id="rId8"/>
+    <p:sldId id="289" r:id="rId9"/>
+    <p:sldId id="286" r:id="rId10"/>
   </p:sldIdLst>
   <p:sldSz cx="9144000" cy="6858000" type="screen4x3"/>
   <p:notesSz cx="6858000" cy="9144000"/>
@@ -198,7 +200,7 @@
           <a:p>
             <a:fld id="{FAF957FC-5175-49AC-8D2B-2F056FFFC1DD}" type="datetimeFigureOut">
               <a:rPr lang="en-US" smtClean="0"/>
-              <a:t>7/23/2017</a:t>
+              <a:t>8/2/2017</a:t>
             </a:fld>
             <a:endParaRPr lang="en-US"/>
           </a:p>
@@ -648,7 +650,7 @@
             <a:fld id="{1D8BD707-D9CF-40AE-B4C6-C98DA3205C09}" type="datetimeFigureOut">
               <a:rPr lang="en-US" smtClean="0"/>
               <a:pPr/>
-              <a:t>7/23/2017</a:t>
+              <a:t>8/2/2017</a:t>
             </a:fld>
             <a:endParaRPr lang="en-US"/>
           </a:p>
@@ -815,7 +817,7 @@
             <a:fld id="{1D8BD707-D9CF-40AE-B4C6-C98DA3205C09}" type="datetimeFigureOut">
               <a:rPr lang="en-US" smtClean="0"/>
               <a:pPr/>
-              <a:t>7/23/2017</a:t>
+              <a:t>8/2/2017</a:t>
             </a:fld>
             <a:endParaRPr lang="en-US"/>
           </a:p>
@@ -992,7 +994,7 @@
             <a:fld id="{1D8BD707-D9CF-40AE-B4C6-C98DA3205C09}" type="datetimeFigureOut">
               <a:rPr lang="en-US" smtClean="0"/>
               <a:pPr/>
-              <a:t>7/23/2017</a:t>
+              <a:t>8/2/2017</a:t>
             </a:fld>
             <a:endParaRPr lang="en-US"/>
           </a:p>
@@ -1159,7 +1161,7 @@
             <a:fld id="{1D8BD707-D9CF-40AE-B4C6-C98DA3205C09}" type="datetimeFigureOut">
               <a:rPr lang="en-US" smtClean="0"/>
               <a:pPr/>
-              <a:t>7/23/2017</a:t>
+              <a:t>8/2/2017</a:t>
             </a:fld>
             <a:endParaRPr lang="en-US"/>
           </a:p>
@@ -1402,7 +1404,7 @@
             <a:fld id="{1D8BD707-D9CF-40AE-B4C6-C98DA3205C09}" type="datetimeFigureOut">
               <a:rPr lang="en-US" smtClean="0"/>
               <a:pPr/>
-              <a:t>7/23/2017</a:t>
+              <a:t>8/2/2017</a:t>
             </a:fld>
             <a:endParaRPr lang="en-US"/>
           </a:p>
@@ -1687,7 +1689,7 @@
             <a:fld id="{1D8BD707-D9CF-40AE-B4C6-C98DA3205C09}" type="datetimeFigureOut">
               <a:rPr lang="en-US" smtClean="0"/>
               <a:pPr/>
-              <a:t>7/23/2017</a:t>
+              <a:t>8/2/2017</a:t>
             </a:fld>
             <a:endParaRPr lang="en-US"/>
           </a:p>
@@ -2106,7 +2108,7 @@
             <a:fld id="{1D8BD707-D9CF-40AE-B4C6-C98DA3205C09}" type="datetimeFigureOut">
               <a:rPr lang="en-US" smtClean="0"/>
               <a:pPr/>
-              <a:t>7/23/2017</a:t>
+              <a:t>8/2/2017</a:t>
             </a:fld>
             <a:endParaRPr lang="en-US"/>
           </a:p>
@@ -2221,7 +2223,7 @@
             <a:fld id="{1D8BD707-D9CF-40AE-B4C6-C98DA3205C09}" type="datetimeFigureOut">
               <a:rPr lang="en-US" smtClean="0"/>
               <a:pPr/>
-              <a:t>7/23/2017</a:t>
+              <a:t>8/2/2017</a:t>
             </a:fld>
             <a:endParaRPr lang="en-US"/>
           </a:p>
@@ -2313,7 +2315,7 @@
             <a:fld id="{1D8BD707-D9CF-40AE-B4C6-C98DA3205C09}" type="datetimeFigureOut">
               <a:rPr lang="en-US" smtClean="0"/>
               <a:pPr/>
-              <a:t>7/23/2017</a:t>
+              <a:t>8/2/2017</a:t>
             </a:fld>
             <a:endParaRPr lang="en-US"/>
           </a:p>
@@ -2587,7 +2589,7 @@
             <a:fld id="{1D8BD707-D9CF-40AE-B4C6-C98DA3205C09}" type="datetimeFigureOut">
               <a:rPr lang="en-US" smtClean="0"/>
               <a:pPr/>
-              <a:t>7/23/2017</a:t>
+              <a:t>8/2/2017</a:t>
             </a:fld>
             <a:endParaRPr lang="en-US"/>
           </a:p>
@@ -2837,7 +2839,7 @@
             <a:fld id="{1D8BD707-D9CF-40AE-B4C6-C98DA3205C09}" type="datetimeFigureOut">
               <a:rPr lang="en-US" smtClean="0"/>
               <a:pPr/>
-              <a:t>7/23/2017</a:t>
+              <a:t>8/2/2017</a:t>
             </a:fld>
             <a:endParaRPr lang="en-US"/>
           </a:p>
@@ -3047,7 +3049,7 @@
             <a:fld id="{1D8BD707-D9CF-40AE-B4C6-C98DA3205C09}" type="datetimeFigureOut">
               <a:rPr lang="en-US" smtClean="0"/>
               <a:pPr/>
-              <a:t>7/23/2017</a:t>
+              <a:t>8/2/2017</a:t>
             </a:fld>
             <a:endParaRPr lang="en-US"/>
           </a:p>
@@ -7777,6 +7779,1411 @@
 </file>
 
 <file path=ppt/slides/slide7.xml><?xml version="1.0" encoding="utf-8"?>
+<p:sld xmlns:a="http://schemas.openxmlformats.org/drawingml/2006/main" xmlns:r="http://schemas.openxmlformats.org/officeDocument/2006/relationships" xmlns:p="http://schemas.openxmlformats.org/presentationml/2006/main">
+  <p:cSld>
+    <p:spTree>
+      <p:nvGrpSpPr>
+        <p:cNvPr id="1" name=""/>
+        <p:cNvGrpSpPr/>
+        <p:nvPr/>
+      </p:nvGrpSpPr>
+      <p:grpSpPr>
+        <a:xfrm>
+          <a:off x="0" y="0"/>
+          <a:ext cx="0" cy="0"/>
+          <a:chOff x="0" y="0"/>
+          <a:chExt cx="0" cy="0"/>
+        </a:xfrm>
+      </p:grpSpPr>
+      <p:sp>
+        <p:nvSpPr>
+          <p:cNvPr id="2" name="Title 1"/>
+          <p:cNvSpPr>
+            <a:spLocks noGrp="1"/>
+          </p:cNvSpPr>
+          <p:nvPr>
+            <p:ph type="title"/>
+          </p:nvPr>
+        </p:nvSpPr>
+        <p:spPr>
+          <a:xfrm>
+            <a:off x="457200" y="274638"/>
+            <a:ext cx="8305800" cy="792162"/>
+          </a:xfrm>
+        </p:spPr>
+        <p:txBody>
+          <a:bodyPr>
+            <a:normAutofit/>
+          </a:bodyPr>
+          <a:lstStyle/>
+          <a:p>
+            <a:pPr algn="l"/>
+            <a:r>
+              <a:rPr lang="en-US" dirty="0" smtClean="0">
+                <a:solidFill>
+                  <a:schemeClr val="accent1">
+                    <a:lumMod val="75000"/>
+                  </a:schemeClr>
+                </a:solidFill>
+              </a:rPr>
+              <a:t>Operator </a:t>
+            </a:r>
+            <a:r>
+              <a:rPr lang="en-US" dirty="0" smtClean="0">
+                <a:solidFill>
+                  <a:schemeClr val="accent1">
+                    <a:lumMod val="75000"/>
+                  </a:schemeClr>
+                </a:solidFill>
+              </a:rPr>
+              <a:t>Overloading</a:t>
+            </a:r>
+            <a:endParaRPr lang="en-US" dirty="0">
+              <a:solidFill>
+                <a:schemeClr val="accent1">
+                  <a:lumMod val="75000"/>
+                </a:schemeClr>
+              </a:solidFill>
+            </a:endParaRPr>
+          </a:p>
+        </p:txBody>
+      </p:sp>
+      <p:cxnSp>
+        <p:nvCxnSpPr>
+          <p:cNvPr id="5" name="Straight Connector 4"/>
+          <p:cNvCxnSpPr/>
+          <p:nvPr/>
+        </p:nvCxnSpPr>
+        <p:spPr>
+          <a:xfrm>
+            <a:off x="0" y="990600"/>
+            <a:ext cx="9144000" cy="0"/>
+          </a:xfrm>
+          <a:prstGeom prst="line">
+            <a:avLst/>
+          </a:prstGeom>
+          <a:ln w="19050"/>
+        </p:spPr>
+        <p:style>
+          <a:lnRef idx="1">
+            <a:schemeClr val="accent1"/>
+          </a:lnRef>
+          <a:fillRef idx="0">
+            <a:schemeClr val="accent1"/>
+          </a:fillRef>
+          <a:effectRef idx="0">
+            <a:schemeClr val="accent1"/>
+          </a:effectRef>
+          <a:fontRef idx="minor">
+            <a:schemeClr val="tx1"/>
+          </a:fontRef>
+        </p:style>
+      </p:cxnSp>
+      <p:sp>
+        <p:nvSpPr>
+          <p:cNvPr id="36" name="TextBox 35"/>
+          <p:cNvSpPr txBox="1"/>
+          <p:nvPr/>
+        </p:nvSpPr>
+        <p:spPr>
+          <a:xfrm>
+            <a:off x="152400" y="1164134"/>
+            <a:ext cx="9295493" cy="5139869"/>
+          </a:xfrm>
+          <a:prstGeom prst="rect">
+            <a:avLst/>
+          </a:prstGeom>
+          <a:noFill/>
+        </p:spPr>
+        <p:txBody>
+          <a:bodyPr wrap="none" rtlCol="0">
+            <a:spAutoFit/>
+          </a:bodyPr>
+          <a:lstStyle/>
+          <a:p>
+            <a:pPr marL="285750" indent="-285750">
+              <a:buFont typeface="Arial" panose="020B0604020202020204" pitchFamily="34" charset="0"/>
+              <a:buChar char="•"/>
+            </a:pPr>
+            <a:r>
+              <a:rPr lang="en-US" sz="2400" b="1" dirty="0" smtClean="0">
+                <a:solidFill>
+                  <a:schemeClr val="accent6">
+                    <a:lumMod val="75000"/>
+                  </a:schemeClr>
+                </a:solidFill>
+              </a:rPr>
+              <a:t>Built-in operators</a:t>
+            </a:r>
+            <a:r>
+              <a:rPr lang="en-US" sz="2400" b="1" dirty="0" smtClean="0">
+                <a:solidFill>
+                  <a:schemeClr val="accent5">
+                    <a:lumMod val="75000"/>
+                  </a:schemeClr>
+                </a:solidFill>
+              </a:rPr>
+              <a:t> (+, -, </a:t>
+            </a:r>
+            <a:r>
+              <a:rPr lang="en-US" sz="2400" b="1" dirty="0" err="1" smtClean="0">
+                <a:solidFill>
+                  <a:schemeClr val="accent5">
+                    <a:lumMod val="75000"/>
+                  </a:schemeClr>
+                </a:solidFill>
+              </a:rPr>
+              <a:t>str</a:t>
+            </a:r>
+            <a:r>
+              <a:rPr lang="en-US" sz="2400" b="1" dirty="0" smtClean="0">
+                <a:solidFill>
+                  <a:schemeClr val="accent5">
+                    <a:lumMod val="75000"/>
+                  </a:schemeClr>
+                </a:solidFill>
+              </a:rPr>
+              <a:t>(), </a:t>
+            </a:r>
+            <a:r>
+              <a:rPr lang="en-US" sz="2400" b="1" dirty="0" err="1" smtClean="0">
+                <a:solidFill>
+                  <a:schemeClr val="accent5">
+                    <a:lumMod val="75000"/>
+                  </a:schemeClr>
+                </a:solidFill>
+              </a:rPr>
+              <a:t>int</a:t>
+            </a:r>
+            <a:r>
+              <a:rPr lang="en-US" sz="2400" b="1" dirty="0" smtClean="0">
+                <a:solidFill>
+                  <a:schemeClr val="accent5">
+                    <a:lumMod val="75000"/>
+                  </a:schemeClr>
+                </a:solidFill>
+              </a:rPr>
+              <a:t>(), … ) can be </a:t>
+            </a:r>
+            <a:r>
+              <a:rPr lang="en-US" sz="2400" b="1" dirty="0" smtClean="0">
+                <a:solidFill>
+                  <a:schemeClr val="accent6">
+                    <a:lumMod val="75000"/>
+                  </a:schemeClr>
+                </a:solidFill>
+              </a:rPr>
+              <a:t>overloaded</a:t>
+            </a:r>
+            <a:r>
+              <a:rPr lang="en-US" sz="2400" b="1" dirty="0" smtClean="0">
+                <a:solidFill>
+                  <a:schemeClr val="accent5">
+                    <a:lumMod val="75000"/>
+                  </a:schemeClr>
+                </a:solidFill>
+              </a:rPr>
+              <a:t> for a</a:t>
+            </a:r>
+          </a:p>
+          <a:p>
+            <a:r>
+              <a:rPr lang="en-US" sz="2400" b="1" dirty="0">
+                <a:solidFill>
+                  <a:schemeClr val="accent5">
+                    <a:lumMod val="75000"/>
+                  </a:schemeClr>
+                </a:solidFill>
+              </a:rPr>
+              <a:t> </a:t>
+            </a:r>
+            <a:r>
+              <a:rPr lang="en-US" sz="2400" b="1" dirty="0" smtClean="0">
+                <a:solidFill>
+                  <a:schemeClr val="accent5">
+                    <a:lumMod val="75000"/>
+                  </a:schemeClr>
+                </a:solidFill>
+              </a:rPr>
+              <a:t>   class object in Python.</a:t>
+            </a:r>
+            <a:endParaRPr lang="en-US" sz="2400" b="1" dirty="0" smtClean="0">
+              <a:solidFill>
+                <a:schemeClr val="accent5">
+                  <a:lumMod val="75000"/>
+                </a:schemeClr>
+              </a:solidFill>
+            </a:endParaRPr>
+          </a:p>
+          <a:p>
+            <a:pPr marL="285750" indent="-285750">
+              <a:buFont typeface="Arial" panose="020B0604020202020204" pitchFamily="34" charset="0"/>
+              <a:buChar char="•"/>
+            </a:pPr>
+            <a:endParaRPr lang="en-US" sz="2400" b="1" dirty="0" smtClean="0">
+              <a:solidFill>
+                <a:schemeClr val="accent5">
+                  <a:lumMod val="75000"/>
+                </a:schemeClr>
+              </a:solidFill>
+            </a:endParaRPr>
+          </a:p>
+          <a:p>
+            <a:pPr marL="285750" indent="-285750">
+              <a:buFont typeface="Arial" panose="020B0604020202020204" pitchFamily="34" charset="0"/>
+              <a:buChar char="•"/>
+            </a:pPr>
+            <a:r>
+              <a:rPr lang="en-US" sz="2400" b="1" dirty="0" smtClean="0">
+                <a:solidFill>
+                  <a:schemeClr val="accent5">
+                    <a:lumMod val="75000"/>
+                  </a:schemeClr>
+                </a:solidFill>
+              </a:rPr>
+              <a:t>Each class has a </a:t>
+            </a:r>
+            <a:r>
+              <a:rPr lang="en-US" sz="2400" b="1" dirty="0" smtClean="0">
+                <a:solidFill>
+                  <a:schemeClr val="accent6">
+                    <a:lumMod val="75000"/>
+                  </a:schemeClr>
+                </a:solidFill>
+              </a:rPr>
+              <a:t>default implementation </a:t>
+            </a:r>
+            <a:r>
+              <a:rPr lang="en-US" sz="2400" b="1" dirty="0" smtClean="0">
+                <a:solidFill>
+                  <a:schemeClr val="accent5">
+                    <a:lumMod val="75000"/>
+                  </a:schemeClr>
+                </a:solidFill>
+              </a:rPr>
+              <a:t>for built-in operators.</a:t>
+            </a:r>
+          </a:p>
+          <a:p>
+            <a:r>
+              <a:rPr lang="en-US" sz="2400" b="1" dirty="0" smtClean="0">
+                <a:solidFill>
+                  <a:schemeClr val="accent5">
+                    <a:lumMod val="75000"/>
+                  </a:schemeClr>
+                </a:solidFill>
+              </a:rPr>
+              <a:t>    the default implementations (</a:t>
+            </a:r>
+            <a:r>
+              <a:rPr lang="en-US" sz="2400" b="1" u="sng" dirty="0" smtClean="0">
+                <a:solidFill>
+                  <a:schemeClr val="accent6">
+                    <a:lumMod val="75000"/>
+                  </a:schemeClr>
+                </a:solidFill>
+              </a:rPr>
+              <a:t>magic methods</a:t>
+            </a:r>
+            <a:r>
+              <a:rPr lang="en-US" sz="2400" b="1" dirty="0" smtClean="0">
+                <a:solidFill>
+                  <a:schemeClr val="accent5">
+                    <a:lumMod val="75000"/>
+                  </a:schemeClr>
+                </a:solidFill>
+              </a:rPr>
+              <a:t>) can be </a:t>
+            </a:r>
+            <a:r>
+              <a:rPr lang="en-US" sz="2400" b="1" dirty="0" smtClean="0">
+                <a:solidFill>
+                  <a:schemeClr val="accent6">
+                    <a:lumMod val="75000"/>
+                  </a:schemeClr>
+                </a:solidFill>
+              </a:rPr>
+              <a:t>overridden</a:t>
+            </a:r>
+            <a:r>
+              <a:rPr lang="en-US" sz="2400" b="1" dirty="0" smtClean="0">
+                <a:solidFill>
+                  <a:schemeClr val="accent5">
+                    <a:lumMod val="75000"/>
+                  </a:schemeClr>
+                </a:solidFill>
+              </a:rPr>
+              <a:t> to </a:t>
+            </a:r>
+            <a:br>
+              <a:rPr lang="en-US" sz="2400" b="1" dirty="0" smtClean="0">
+                <a:solidFill>
+                  <a:schemeClr val="accent5">
+                    <a:lumMod val="75000"/>
+                  </a:schemeClr>
+                </a:solidFill>
+              </a:rPr>
+            </a:br>
+            <a:r>
+              <a:rPr lang="en-US" sz="2400" b="1" dirty="0" smtClean="0">
+                <a:solidFill>
+                  <a:schemeClr val="accent5">
+                    <a:lumMod val="75000"/>
+                  </a:schemeClr>
+                </a:solidFill>
+              </a:rPr>
+              <a:t>    implement o</a:t>
+            </a:r>
+            <a:r>
+              <a:rPr lang="en-US" sz="2400" b="1" dirty="0" smtClean="0">
+                <a:solidFill>
+                  <a:schemeClr val="accent5">
+                    <a:lumMod val="75000"/>
+                  </a:schemeClr>
+                </a:solidFill>
+              </a:rPr>
+              <a:t>perator overloadin</a:t>
+            </a:r>
+            <a:r>
+              <a:rPr lang="en-US" sz="2400" b="1" dirty="0" smtClean="0">
+                <a:solidFill>
+                  <a:schemeClr val="accent5">
+                    <a:lumMod val="75000"/>
+                  </a:schemeClr>
+                </a:solidFill>
+              </a:rPr>
+              <a:t>g.</a:t>
+            </a:r>
+            <a:endParaRPr lang="en-US" sz="2400" b="1" dirty="0" smtClean="0">
+              <a:solidFill>
+                <a:schemeClr val="accent5">
+                  <a:lumMod val="75000"/>
+                </a:schemeClr>
+              </a:solidFill>
+            </a:endParaRPr>
+          </a:p>
+          <a:p>
+            <a:pPr marL="285750" indent="-285750">
+              <a:buFont typeface="Arial" panose="020B0604020202020204" pitchFamily="34" charset="0"/>
+              <a:buChar char="•"/>
+            </a:pPr>
+            <a:endParaRPr lang="en-US" sz="2400" b="1" dirty="0" smtClean="0">
+              <a:solidFill>
+                <a:schemeClr val="accent5">
+                  <a:lumMod val="75000"/>
+                </a:schemeClr>
+              </a:solidFill>
+            </a:endParaRPr>
+          </a:p>
+          <a:p>
+            <a:pPr marL="285750" indent="-285750">
+              <a:buFont typeface="Arial" panose="020B0604020202020204" pitchFamily="34" charset="0"/>
+              <a:buChar char="•"/>
+            </a:pPr>
+            <a:r>
+              <a:rPr lang="en-US" sz="2400" b="1" dirty="0" smtClean="0">
+                <a:solidFill>
+                  <a:schemeClr val="accent5">
+                    <a:lumMod val="75000"/>
+                  </a:schemeClr>
+                </a:solidFill>
+              </a:rPr>
+              <a:t>Built-in operators are designated using the double dash </a:t>
+            </a:r>
+            <a:r>
+              <a:rPr lang="en-US" sz="2400" b="1" dirty="0" smtClean="0">
+                <a:solidFill>
+                  <a:schemeClr val="accent6">
+                    <a:lumMod val="75000"/>
+                  </a:schemeClr>
+                </a:solidFill>
+              </a:rPr>
+              <a:t>__name__</a:t>
+            </a:r>
+          </a:p>
+          <a:p>
+            <a:r>
+              <a:rPr lang="en-US" sz="2400" b="1" dirty="0" smtClean="0">
+                <a:solidFill>
+                  <a:schemeClr val="accent5">
+                    <a:lumMod val="75000"/>
+                  </a:schemeClr>
+                </a:solidFill>
+              </a:rPr>
+              <a:t>    convention. Below are some of these magic methods:</a:t>
+            </a:r>
+            <a:endParaRPr lang="en-US" sz="1600" b="1" dirty="0" smtClean="0">
+              <a:solidFill>
+                <a:schemeClr val="accent5">
+                  <a:lumMod val="75000"/>
+                </a:schemeClr>
+              </a:solidFill>
+            </a:endParaRPr>
+          </a:p>
+          <a:p>
+            <a:endParaRPr lang="en-US" sz="1600" b="1" dirty="0" smtClean="0">
+              <a:solidFill>
+                <a:schemeClr val="accent5">
+                  <a:lumMod val="75000"/>
+                </a:schemeClr>
+              </a:solidFill>
+            </a:endParaRPr>
+          </a:p>
+          <a:p>
+            <a:pPr lvl="1"/>
+            <a:r>
+              <a:rPr lang="en-US" sz="1600" b="1" dirty="0" smtClean="0">
+                <a:solidFill>
+                  <a:schemeClr val="accent6">
+                    <a:lumMod val="50000"/>
+                  </a:schemeClr>
+                </a:solidFill>
+              </a:rPr>
+              <a:t>__</a:t>
+            </a:r>
+            <a:r>
+              <a:rPr lang="en-US" sz="1600" b="1" dirty="0" err="1" smtClean="0">
+                <a:solidFill>
+                  <a:schemeClr val="accent6">
+                    <a:lumMod val="50000"/>
+                  </a:schemeClr>
+                </a:solidFill>
+              </a:rPr>
+              <a:t>str</a:t>
+            </a:r>
+            <a:r>
+              <a:rPr lang="en-US" sz="1600" b="1" dirty="0" smtClean="0">
+                <a:solidFill>
+                  <a:schemeClr val="accent6">
+                    <a:lumMod val="50000"/>
+                  </a:schemeClr>
+                </a:solidFill>
+              </a:rPr>
+              <a:t>__	string conversion		__add__		+ operator</a:t>
+            </a:r>
+          </a:p>
+          <a:p>
+            <a:pPr lvl="1"/>
+            <a:r>
+              <a:rPr lang="en-US" sz="1600" b="1" dirty="0" smtClean="0">
+                <a:solidFill>
+                  <a:schemeClr val="accent6">
+                    <a:lumMod val="50000"/>
+                  </a:schemeClr>
+                </a:solidFill>
+              </a:rPr>
+              <a:t>__</a:t>
+            </a:r>
+            <a:r>
+              <a:rPr lang="en-US" sz="1600" b="1" dirty="0" err="1" smtClean="0">
+                <a:solidFill>
+                  <a:schemeClr val="accent6">
+                    <a:lumMod val="50000"/>
+                  </a:schemeClr>
+                </a:solidFill>
+              </a:rPr>
+              <a:t>int</a:t>
+            </a:r>
+            <a:r>
+              <a:rPr lang="en-US" sz="1600" b="1" dirty="0" smtClean="0">
+                <a:solidFill>
+                  <a:schemeClr val="accent6">
+                    <a:lumMod val="50000"/>
+                  </a:schemeClr>
+                </a:solidFill>
+              </a:rPr>
+              <a:t>__	integer conversion		__sub__		- operator</a:t>
+            </a:r>
+          </a:p>
+          <a:p>
+            <a:pPr lvl="1"/>
+            <a:r>
+              <a:rPr lang="en-US" sz="1600" b="1" dirty="0" smtClean="0">
+                <a:solidFill>
+                  <a:schemeClr val="accent6">
+                    <a:lumMod val="50000"/>
+                  </a:schemeClr>
+                </a:solidFill>
+              </a:rPr>
+              <a:t>__</a:t>
+            </a:r>
+            <a:r>
+              <a:rPr lang="en-US" sz="1600" b="1" dirty="0" err="1" smtClean="0">
+                <a:solidFill>
+                  <a:schemeClr val="accent6">
+                    <a:lumMod val="50000"/>
+                  </a:schemeClr>
+                </a:solidFill>
+              </a:rPr>
+              <a:t>eq</a:t>
+            </a:r>
+            <a:r>
+              <a:rPr lang="en-US" sz="1600" b="1" dirty="0" smtClean="0">
+                <a:solidFill>
+                  <a:schemeClr val="accent6">
+                    <a:lumMod val="50000"/>
+                  </a:schemeClr>
+                </a:solidFill>
+              </a:rPr>
+              <a:t>__	== operator		__</a:t>
+            </a:r>
+            <a:r>
+              <a:rPr lang="en-US" sz="1600" b="1" dirty="0" err="1" smtClean="0">
+                <a:solidFill>
+                  <a:schemeClr val="accent6">
+                    <a:lumMod val="50000"/>
+                  </a:schemeClr>
+                </a:solidFill>
+              </a:rPr>
+              <a:t>mul</a:t>
+            </a:r>
+            <a:r>
+              <a:rPr lang="en-US" sz="1600" b="1" dirty="0" smtClean="0">
+                <a:solidFill>
+                  <a:schemeClr val="accent6">
+                    <a:lumMod val="50000"/>
+                  </a:schemeClr>
+                </a:solidFill>
+              </a:rPr>
+              <a:t>__		* operator</a:t>
+            </a:r>
+          </a:p>
+          <a:p>
+            <a:pPr lvl="1"/>
+            <a:r>
+              <a:rPr lang="en-US" sz="1600" b="1" dirty="0" smtClean="0">
+                <a:solidFill>
+                  <a:schemeClr val="accent6">
+                    <a:lumMod val="50000"/>
+                  </a:schemeClr>
+                </a:solidFill>
+              </a:rPr>
+              <a:t>__ne__	!= operator		__</a:t>
+            </a:r>
+            <a:r>
+              <a:rPr lang="en-US" sz="1600" b="1" dirty="0" err="1" smtClean="0">
+                <a:solidFill>
+                  <a:schemeClr val="accent6">
+                    <a:lumMod val="50000"/>
+                  </a:schemeClr>
+                </a:solidFill>
+              </a:rPr>
+              <a:t>divmod</a:t>
+            </a:r>
+            <a:r>
+              <a:rPr lang="en-US" sz="1600" b="1" dirty="0" smtClean="0">
+                <a:solidFill>
+                  <a:schemeClr val="accent6">
+                    <a:lumMod val="50000"/>
+                  </a:schemeClr>
+                </a:solidFill>
+              </a:rPr>
+              <a:t>__	/ and % operator</a:t>
+            </a:r>
+          </a:p>
+          <a:p>
+            <a:pPr lvl="1"/>
+            <a:r>
+              <a:rPr lang="en-US" sz="1600" b="1" dirty="0" smtClean="0">
+                <a:solidFill>
+                  <a:schemeClr val="accent6">
+                    <a:lumMod val="50000"/>
+                  </a:schemeClr>
+                </a:solidFill>
+              </a:rPr>
+              <a:t>__</a:t>
+            </a:r>
+            <a:r>
+              <a:rPr lang="en-US" sz="1600" b="1" dirty="0" err="1" smtClean="0">
+                <a:solidFill>
+                  <a:schemeClr val="accent6">
+                    <a:lumMod val="50000"/>
+                  </a:schemeClr>
+                </a:solidFill>
+              </a:rPr>
+              <a:t>lt</a:t>
+            </a:r>
+            <a:r>
+              <a:rPr lang="en-US" sz="1600" b="1" dirty="0" smtClean="0">
+                <a:solidFill>
+                  <a:schemeClr val="accent6">
+                    <a:lumMod val="50000"/>
+                  </a:schemeClr>
+                </a:solidFill>
+              </a:rPr>
+              <a:t>__	&lt; operator			__</a:t>
+            </a:r>
+            <a:r>
+              <a:rPr lang="en-US" sz="1600" b="1" dirty="0" err="1" smtClean="0">
+                <a:solidFill>
+                  <a:schemeClr val="accent6">
+                    <a:lumMod val="50000"/>
+                  </a:schemeClr>
+                </a:solidFill>
+              </a:rPr>
+              <a:t>len</a:t>
+            </a:r>
+            <a:r>
+              <a:rPr lang="en-US" sz="1600" b="1" dirty="0" smtClean="0">
+                <a:solidFill>
+                  <a:schemeClr val="accent6">
+                    <a:lumMod val="50000"/>
+                  </a:schemeClr>
+                </a:solidFill>
+              </a:rPr>
+              <a:t>__		</a:t>
+            </a:r>
+            <a:r>
+              <a:rPr lang="en-US" sz="1600" b="1" dirty="0" err="1" smtClean="0">
+                <a:solidFill>
+                  <a:schemeClr val="accent6">
+                    <a:lumMod val="50000"/>
+                  </a:schemeClr>
+                </a:solidFill>
+              </a:rPr>
+              <a:t>len</a:t>
+            </a:r>
+            <a:r>
+              <a:rPr lang="en-US" sz="1600" b="1" dirty="0" smtClean="0">
+                <a:solidFill>
+                  <a:schemeClr val="accent6">
+                    <a:lumMod val="50000"/>
+                  </a:schemeClr>
+                </a:solidFill>
+              </a:rPr>
+              <a:t>() operator</a:t>
+            </a:r>
+          </a:p>
+          <a:p>
+            <a:pPr lvl="1"/>
+            <a:r>
+              <a:rPr lang="en-US" sz="1600" b="1" dirty="0" smtClean="0">
+                <a:solidFill>
+                  <a:schemeClr val="accent6">
+                    <a:lumMod val="50000"/>
+                  </a:schemeClr>
+                </a:solidFill>
+              </a:rPr>
+              <a:t>__le__	&lt;= operator		__</a:t>
+            </a:r>
+            <a:r>
+              <a:rPr lang="en-US" sz="1600" b="1" dirty="0" err="1" smtClean="0">
+                <a:solidFill>
+                  <a:schemeClr val="accent6">
+                    <a:lumMod val="50000"/>
+                  </a:schemeClr>
+                </a:solidFill>
+              </a:rPr>
+              <a:t>getitem</a:t>
+            </a:r>
+            <a:r>
+              <a:rPr lang="en-US" sz="1600" b="1" dirty="0" smtClean="0">
+                <a:solidFill>
+                  <a:schemeClr val="accent6">
+                    <a:lumMod val="50000"/>
+                  </a:schemeClr>
+                </a:solidFill>
+              </a:rPr>
+              <a:t>__	[] index operator</a:t>
+            </a:r>
+            <a:endParaRPr lang="en-US" sz="2400" b="1" dirty="0" smtClean="0">
+              <a:solidFill>
+                <a:schemeClr val="accent6">
+                  <a:lumMod val="50000"/>
+                </a:schemeClr>
+              </a:solidFill>
+            </a:endParaRPr>
+          </a:p>
+        </p:txBody>
+      </p:sp>
+    </p:spTree>
+    <p:extLst>
+      <p:ext uri="{BB962C8B-B14F-4D97-AF65-F5344CB8AC3E}">
+        <p14:creationId xmlns:p14="http://schemas.microsoft.com/office/powerpoint/2010/main" val="2701362201"/>
+      </p:ext>
+    </p:extLst>
+  </p:cSld>
+  <p:clrMapOvr>
+    <a:masterClrMapping/>
+  </p:clrMapOvr>
+  <p:timing>
+    <p:tnLst>
+      <p:par>
+        <p:cTn id="1" dur="indefinite" restart="never" nodeType="tmRoot"/>
+      </p:par>
+    </p:tnLst>
+  </p:timing>
+</p:sld>
+</file>
+
+<file path=ppt/slides/slide8.xml><?xml version="1.0" encoding="utf-8"?>
+<p:sld xmlns:a="http://schemas.openxmlformats.org/drawingml/2006/main" xmlns:r="http://schemas.openxmlformats.org/officeDocument/2006/relationships" xmlns:p="http://schemas.openxmlformats.org/presentationml/2006/main">
+  <p:cSld>
+    <p:spTree>
+      <p:nvGrpSpPr>
+        <p:cNvPr id="1" name=""/>
+        <p:cNvGrpSpPr/>
+        <p:nvPr/>
+      </p:nvGrpSpPr>
+      <p:grpSpPr>
+        <a:xfrm>
+          <a:off x="0" y="0"/>
+          <a:ext cx="0" cy="0"/>
+          <a:chOff x="0" y="0"/>
+          <a:chExt cx="0" cy="0"/>
+        </a:xfrm>
+      </p:grpSpPr>
+      <p:sp>
+        <p:nvSpPr>
+          <p:cNvPr id="2" name="Title 1"/>
+          <p:cNvSpPr>
+            <a:spLocks noGrp="1"/>
+          </p:cNvSpPr>
+          <p:nvPr>
+            <p:ph type="title"/>
+          </p:nvPr>
+        </p:nvSpPr>
+        <p:spPr>
+          <a:xfrm>
+            <a:off x="457200" y="274638"/>
+            <a:ext cx="8305800" cy="792162"/>
+          </a:xfrm>
+        </p:spPr>
+        <p:txBody>
+          <a:bodyPr>
+            <a:normAutofit/>
+          </a:bodyPr>
+          <a:lstStyle/>
+          <a:p>
+            <a:pPr algn="l"/>
+            <a:r>
+              <a:rPr lang="en-US" dirty="0" smtClean="0">
+                <a:solidFill>
+                  <a:schemeClr val="accent1">
+                    <a:lumMod val="75000"/>
+                  </a:schemeClr>
+                </a:solidFill>
+              </a:rPr>
+              <a:t>Operator </a:t>
+            </a:r>
+            <a:r>
+              <a:rPr lang="en-US" dirty="0" smtClean="0">
+                <a:solidFill>
+                  <a:schemeClr val="accent1">
+                    <a:lumMod val="75000"/>
+                  </a:schemeClr>
+                </a:solidFill>
+              </a:rPr>
+              <a:t>Overloading</a:t>
+            </a:r>
+            <a:endParaRPr lang="en-US" dirty="0">
+              <a:solidFill>
+                <a:schemeClr val="accent1">
+                  <a:lumMod val="75000"/>
+                </a:schemeClr>
+              </a:solidFill>
+            </a:endParaRPr>
+          </a:p>
+        </p:txBody>
+      </p:sp>
+      <p:cxnSp>
+        <p:nvCxnSpPr>
+          <p:cNvPr id="5" name="Straight Connector 4"/>
+          <p:cNvCxnSpPr/>
+          <p:nvPr/>
+        </p:nvCxnSpPr>
+        <p:spPr>
+          <a:xfrm>
+            <a:off x="0" y="990600"/>
+            <a:ext cx="9144000" cy="0"/>
+          </a:xfrm>
+          <a:prstGeom prst="line">
+            <a:avLst/>
+          </a:prstGeom>
+          <a:ln w="19050"/>
+        </p:spPr>
+        <p:style>
+          <a:lnRef idx="1">
+            <a:schemeClr val="accent1"/>
+          </a:lnRef>
+          <a:fillRef idx="0">
+            <a:schemeClr val="accent1"/>
+          </a:fillRef>
+          <a:effectRef idx="0">
+            <a:schemeClr val="accent1"/>
+          </a:effectRef>
+          <a:fontRef idx="minor">
+            <a:schemeClr val="tx1"/>
+          </a:fontRef>
+        </p:style>
+      </p:cxnSp>
+      <p:sp>
+        <p:nvSpPr>
+          <p:cNvPr id="36" name="TextBox 35"/>
+          <p:cNvSpPr txBox="1"/>
+          <p:nvPr/>
+        </p:nvSpPr>
+        <p:spPr>
+          <a:xfrm>
+            <a:off x="152400" y="1164134"/>
+            <a:ext cx="1643399" cy="461665"/>
+          </a:xfrm>
+          <a:prstGeom prst="rect">
+            <a:avLst/>
+          </a:prstGeom>
+          <a:noFill/>
+        </p:spPr>
+        <p:txBody>
+          <a:bodyPr wrap="none" rtlCol="0">
+            <a:spAutoFit/>
+          </a:bodyPr>
+          <a:lstStyle/>
+          <a:p>
+            <a:pPr marL="285750" indent="-285750">
+              <a:buFont typeface="Arial" panose="020B0604020202020204" pitchFamily="34" charset="0"/>
+              <a:buChar char="•"/>
+            </a:pPr>
+            <a:r>
+              <a:rPr lang="en-US" sz="2400" b="1" dirty="0" smtClean="0">
+                <a:solidFill>
+                  <a:schemeClr val="accent5">
+                    <a:lumMod val="75000"/>
+                  </a:schemeClr>
+                </a:solidFill>
+              </a:rPr>
+              <a:t>Example:</a:t>
+            </a:r>
+            <a:endParaRPr lang="en-US" dirty="0" smtClean="0">
+              <a:solidFill>
+                <a:schemeClr val="accent5">
+                  <a:lumMod val="75000"/>
+                </a:schemeClr>
+              </a:solidFill>
+            </a:endParaRPr>
+          </a:p>
+        </p:txBody>
+      </p:sp>
+      <p:sp>
+        <p:nvSpPr>
+          <p:cNvPr id="3" name="TextBox 2"/>
+          <p:cNvSpPr txBox="1"/>
+          <p:nvPr/>
+        </p:nvSpPr>
+        <p:spPr>
+          <a:xfrm>
+            <a:off x="1371600" y="1981200"/>
+            <a:ext cx="5140061" cy="2862322"/>
+          </a:xfrm>
+          <a:prstGeom prst="rect">
+            <a:avLst/>
+          </a:prstGeom>
+          <a:noFill/>
+        </p:spPr>
+        <p:txBody>
+          <a:bodyPr wrap="none" rtlCol="0">
+            <a:spAutoFit/>
+          </a:bodyPr>
+          <a:lstStyle/>
+          <a:p>
+            <a:r>
+              <a:rPr lang="en-US" b="1" dirty="0">
+                <a:solidFill>
+                  <a:schemeClr val="accent5">
+                    <a:lumMod val="75000"/>
+                  </a:schemeClr>
+                </a:solidFill>
+              </a:rPr>
+              <a:t>c</a:t>
+            </a:r>
+            <a:r>
+              <a:rPr lang="en-US" b="1" dirty="0" smtClean="0">
+                <a:solidFill>
+                  <a:schemeClr val="accent5">
+                    <a:lumMod val="75000"/>
+                  </a:schemeClr>
+                </a:solidFill>
+              </a:rPr>
+              <a:t>lass</a:t>
+            </a:r>
+            <a:r>
+              <a:rPr lang="en-US" dirty="0" smtClean="0"/>
+              <a:t> Node(object):</a:t>
+            </a:r>
+          </a:p>
+          <a:p>
+            <a:r>
+              <a:rPr lang="en-US" dirty="0"/>
+              <a:t>	</a:t>
+            </a:r>
+            <a:r>
+              <a:rPr lang="en-US" b="1" dirty="0" err="1" smtClean="0">
+                <a:solidFill>
+                  <a:schemeClr val="accent5">
+                    <a:lumMod val="75000"/>
+                  </a:schemeClr>
+                </a:solidFill>
+              </a:rPr>
+              <a:t>def</a:t>
+            </a:r>
+            <a:r>
+              <a:rPr lang="en-US" dirty="0" smtClean="0"/>
+              <a:t> __</a:t>
+            </a:r>
+            <a:r>
+              <a:rPr lang="en-US" dirty="0" err="1" smtClean="0"/>
+              <a:t>init</a:t>
+            </a:r>
+            <a:r>
+              <a:rPr lang="en-US" dirty="0" smtClean="0"/>
+              <a:t>__(self, name):</a:t>
+            </a:r>
+          </a:p>
+          <a:p>
+            <a:r>
+              <a:rPr lang="en-US" dirty="0"/>
+              <a:t>	</a:t>
+            </a:r>
+            <a:r>
+              <a:rPr lang="en-US" dirty="0" smtClean="0"/>
+              <a:t>	self.name = name</a:t>
+            </a:r>
+          </a:p>
+          <a:p>
+            <a:r>
+              <a:rPr lang="en-US" dirty="0"/>
+              <a:t>	</a:t>
+            </a:r>
+            <a:r>
+              <a:rPr lang="en-US" b="1" dirty="0" err="1" smtClean="0">
+                <a:solidFill>
+                  <a:schemeClr val="accent5">
+                    <a:lumMod val="75000"/>
+                  </a:schemeClr>
+                </a:solidFill>
+              </a:rPr>
+              <a:t>def</a:t>
+            </a:r>
+            <a:r>
+              <a:rPr lang="en-US" b="1" dirty="0" smtClean="0">
+                <a:solidFill>
+                  <a:schemeClr val="accent5">
+                    <a:lumMod val="75000"/>
+                  </a:schemeClr>
+                </a:solidFill>
+              </a:rPr>
+              <a:t> </a:t>
+            </a:r>
+            <a:r>
+              <a:rPr lang="en-US" dirty="0" smtClean="0"/>
+              <a:t>__</a:t>
+            </a:r>
+            <a:r>
+              <a:rPr lang="en-US" dirty="0" err="1" smtClean="0"/>
+              <a:t>str</a:t>
+            </a:r>
+            <a:r>
+              <a:rPr lang="en-US" dirty="0" smtClean="0"/>
+              <a:t>__( self ):</a:t>
+            </a:r>
+          </a:p>
+          <a:p>
+            <a:r>
+              <a:rPr lang="en-US" dirty="0"/>
+              <a:t>	</a:t>
+            </a:r>
+            <a:r>
+              <a:rPr lang="en-US" dirty="0" smtClean="0"/>
+              <a:t>	</a:t>
+            </a:r>
+            <a:r>
+              <a:rPr lang="en-US" b="1" dirty="0" smtClean="0">
+                <a:solidFill>
+                  <a:schemeClr val="accent5">
+                    <a:lumMod val="75000"/>
+                  </a:schemeClr>
+                </a:solidFill>
+              </a:rPr>
+              <a:t>return</a:t>
+            </a:r>
+            <a:r>
+              <a:rPr lang="en-US" dirty="0" smtClean="0"/>
+              <a:t> name</a:t>
+            </a:r>
+          </a:p>
+          <a:p>
+            <a:r>
+              <a:rPr lang="en-US" dirty="0"/>
+              <a:t>	</a:t>
+            </a:r>
+            <a:r>
+              <a:rPr lang="en-US" b="1" dirty="0" err="1" smtClean="0">
+                <a:solidFill>
+                  <a:schemeClr val="accent5">
+                    <a:lumMod val="75000"/>
+                  </a:schemeClr>
+                </a:solidFill>
+              </a:rPr>
+              <a:t>def</a:t>
+            </a:r>
+            <a:r>
+              <a:rPr lang="en-US" dirty="0" smtClean="0"/>
+              <a:t>__</a:t>
+            </a:r>
+            <a:r>
+              <a:rPr lang="en-US" dirty="0" err="1" smtClean="0"/>
+              <a:t>eq</a:t>
+            </a:r>
+            <a:r>
+              <a:rPr lang="en-US" dirty="0" smtClean="0"/>
+              <a:t>__( self, other ):</a:t>
+            </a:r>
+          </a:p>
+          <a:p>
+            <a:r>
+              <a:rPr lang="en-US" dirty="0"/>
+              <a:t>	</a:t>
+            </a:r>
+            <a:r>
+              <a:rPr lang="en-US" dirty="0" smtClean="0"/>
+              <a:t>	</a:t>
+            </a:r>
+            <a:r>
+              <a:rPr lang="en-US" b="1" dirty="0" smtClean="0">
+                <a:solidFill>
+                  <a:schemeClr val="accent5">
+                    <a:lumMod val="75000"/>
+                  </a:schemeClr>
+                </a:solidFill>
+              </a:rPr>
+              <a:t>return</a:t>
+            </a:r>
+            <a:r>
+              <a:rPr lang="en-US" dirty="0" smtClean="0"/>
+              <a:t> (self.name == other.name)</a:t>
+            </a:r>
+          </a:p>
+          <a:p>
+            <a:endParaRPr lang="en-US" dirty="0"/>
+          </a:p>
+          <a:p>
+            <a:r>
+              <a:rPr lang="en-US" dirty="0" smtClean="0"/>
+              <a:t>node = Node( ‘</a:t>
+            </a:r>
+            <a:r>
+              <a:rPr lang="en-US" dirty="0" err="1" smtClean="0"/>
+              <a:t>foobar</a:t>
+            </a:r>
+            <a:r>
+              <a:rPr lang="en-US" dirty="0" smtClean="0"/>
+              <a:t>’) </a:t>
+            </a:r>
+          </a:p>
+          <a:p>
+            <a:r>
+              <a:rPr lang="en-US" dirty="0" smtClean="0"/>
+              <a:t>print (</a:t>
+            </a:r>
+            <a:r>
+              <a:rPr lang="en-US" dirty="0" err="1" smtClean="0"/>
+              <a:t>str</a:t>
+            </a:r>
+            <a:r>
+              <a:rPr lang="en-US" dirty="0" smtClean="0"/>
+              <a:t>( node ) )		</a:t>
+            </a:r>
+            <a:r>
+              <a:rPr lang="en-US" dirty="0" smtClean="0">
+                <a:solidFill>
+                  <a:srgbClr val="00B050"/>
+                </a:solidFill>
+              </a:rPr>
+              <a:t># will print </a:t>
+            </a:r>
+            <a:r>
+              <a:rPr lang="en-US" dirty="0" err="1" smtClean="0">
+                <a:solidFill>
+                  <a:srgbClr val="00B050"/>
+                </a:solidFill>
+              </a:rPr>
+              <a:t>foobar</a:t>
+            </a:r>
+            <a:endParaRPr lang="en-US" dirty="0">
+              <a:solidFill>
+                <a:srgbClr val="00B050"/>
+              </a:solidFill>
+            </a:endParaRPr>
+          </a:p>
+        </p:txBody>
+      </p:sp>
+      <p:sp>
+        <p:nvSpPr>
+          <p:cNvPr id="6" name="Right Arrow 5"/>
+          <p:cNvSpPr/>
+          <p:nvPr/>
+        </p:nvSpPr>
+        <p:spPr>
+          <a:xfrm rot="10800000">
+            <a:off x="6096000" y="2971800"/>
+            <a:ext cx="235706" cy="138499"/>
+          </a:xfrm>
+          <a:prstGeom prst="rightArrow">
+            <a:avLst/>
+          </a:prstGeom>
+          <a:solidFill>
+            <a:srgbClr val="FF0000"/>
+          </a:solidFill>
+          <a:ln>
+            <a:solidFill>
+              <a:srgbClr val="FF0000"/>
+            </a:solidFill>
+          </a:ln>
+        </p:spPr>
+        <p:style>
+          <a:lnRef idx="2">
+            <a:schemeClr val="accent1">
+              <a:shade val="50000"/>
+            </a:schemeClr>
+          </a:lnRef>
+          <a:fillRef idx="1">
+            <a:schemeClr val="accent1"/>
+          </a:fillRef>
+          <a:effectRef idx="0">
+            <a:schemeClr val="accent1"/>
+          </a:effectRef>
+          <a:fontRef idx="minor">
+            <a:schemeClr val="lt1"/>
+          </a:fontRef>
+        </p:style>
+        <p:txBody>
+          <a:bodyPr rtlCol="0" anchor="ctr"/>
+          <a:lstStyle/>
+          <a:p>
+            <a:pPr algn="ctr"/>
+            <a:endParaRPr lang="en-US"/>
+          </a:p>
+        </p:txBody>
+      </p:sp>
+      <p:sp>
+        <p:nvSpPr>
+          <p:cNvPr id="7" name="TextBox 6"/>
+          <p:cNvSpPr txBox="1"/>
+          <p:nvPr/>
+        </p:nvSpPr>
+        <p:spPr>
+          <a:xfrm>
+            <a:off x="6429369" y="2878584"/>
+            <a:ext cx="1827808" cy="276999"/>
+          </a:xfrm>
+          <a:prstGeom prst="rect">
+            <a:avLst/>
+          </a:prstGeom>
+          <a:noFill/>
+        </p:spPr>
+        <p:txBody>
+          <a:bodyPr wrap="none" rtlCol="0">
+            <a:spAutoFit/>
+          </a:bodyPr>
+          <a:lstStyle/>
+          <a:p>
+            <a:r>
+              <a:rPr lang="en-US" sz="1200" dirty="0" smtClean="0">
+                <a:solidFill>
+                  <a:srgbClr val="FF0000"/>
+                </a:solidFill>
+              </a:rPr>
+              <a:t>Override string conversion</a:t>
+            </a:r>
+            <a:endParaRPr lang="en-US" sz="1200" dirty="0">
+              <a:solidFill>
+                <a:srgbClr val="FF0000"/>
+              </a:solidFill>
+            </a:endParaRPr>
+          </a:p>
+        </p:txBody>
+      </p:sp>
+      <p:sp>
+        <p:nvSpPr>
+          <p:cNvPr id="8" name="TextBox 7"/>
+          <p:cNvSpPr txBox="1"/>
+          <p:nvPr/>
+        </p:nvSpPr>
+        <p:spPr>
+          <a:xfrm>
+            <a:off x="6409241" y="3312049"/>
+            <a:ext cx="1881092" cy="276999"/>
+          </a:xfrm>
+          <a:prstGeom prst="rect">
+            <a:avLst/>
+          </a:prstGeom>
+          <a:noFill/>
+        </p:spPr>
+        <p:txBody>
+          <a:bodyPr wrap="none" rtlCol="0">
+            <a:spAutoFit/>
+          </a:bodyPr>
+          <a:lstStyle/>
+          <a:p>
+            <a:r>
+              <a:rPr lang="en-US" sz="1200" dirty="0" smtClean="0">
+                <a:solidFill>
+                  <a:srgbClr val="FF0000"/>
+                </a:solidFill>
+              </a:rPr>
+              <a:t>Override equal comparison</a:t>
+            </a:r>
+            <a:endParaRPr lang="en-US" sz="1200" dirty="0">
+              <a:solidFill>
+                <a:srgbClr val="FF0000"/>
+              </a:solidFill>
+            </a:endParaRPr>
+          </a:p>
+        </p:txBody>
+      </p:sp>
+      <p:sp>
+        <p:nvSpPr>
+          <p:cNvPr id="9" name="Right Arrow 8"/>
+          <p:cNvSpPr/>
+          <p:nvPr/>
+        </p:nvSpPr>
+        <p:spPr>
+          <a:xfrm rot="10800000">
+            <a:off x="6113170" y="3381298"/>
+            <a:ext cx="235706" cy="138499"/>
+          </a:xfrm>
+          <a:prstGeom prst="rightArrow">
+            <a:avLst/>
+          </a:prstGeom>
+          <a:solidFill>
+            <a:srgbClr val="FF0000"/>
+          </a:solidFill>
+          <a:ln>
+            <a:solidFill>
+              <a:srgbClr val="FF0000"/>
+            </a:solidFill>
+          </a:ln>
+        </p:spPr>
+        <p:style>
+          <a:lnRef idx="2">
+            <a:schemeClr val="accent1">
+              <a:shade val="50000"/>
+            </a:schemeClr>
+          </a:lnRef>
+          <a:fillRef idx="1">
+            <a:schemeClr val="accent1"/>
+          </a:fillRef>
+          <a:effectRef idx="0">
+            <a:schemeClr val="accent1"/>
+          </a:effectRef>
+          <a:fontRef idx="minor">
+            <a:schemeClr val="lt1"/>
+          </a:fontRef>
+        </p:style>
+        <p:txBody>
+          <a:bodyPr rtlCol="0" anchor="ctr"/>
+          <a:lstStyle/>
+          <a:p>
+            <a:pPr algn="ctr"/>
+            <a:endParaRPr lang="en-US"/>
+          </a:p>
+        </p:txBody>
+      </p:sp>
+      <p:sp>
+        <p:nvSpPr>
+          <p:cNvPr id="10" name="TextBox 9"/>
+          <p:cNvSpPr txBox="1"/>
+          <p:nvPr/>
+        </p:nvSpPr>
+        <p:spPr>
+          <a:xfrm>
+            <a:off x="914400" y="5785447"/>
+            <a:ext cx="6570966" cy="646331"/>
+          </a:xfrm>
+          <a:prstGeom prst="rect">
+            <a:avLst/>
+          </a:prstGeom>
+          <a:noFill/>
+          <a:ln w="12700">
+            <a:solidFill>
+              <a:schemeClr val="tx1"/>
+            </a:solidFill>
+            <a:prstDash val="dash"/>
+          </a:ln>
+        </p:spPr>
+        <p:txBody>
+          <a:bodyPr wrap="none" rtlCol="0">
+            <a:spAutoFit/>
+          </a:bodyPr>
+          <a:lstStyle/>
+          <a:p>
+            <a:r>
+              <a:rPr lang="en-US" sz="1200" b="1" i="1" dirty="0" smtClean="0"/>
+              <a:t>A full list of magic (special) methods that can be overwritten is available on the python.org website:</a:t>
+            </a:r>
+          </a:p>
+          <a:p>
+            <a:endParaRPr lang="en-US" sz="1200" b="1" i="1" dirty="0">
+              <a:solidFill>
+                <a:srgbClr val="00B050"/>
+              </a:solidFill>
+            </a:endParaRPr>
+          </a:p>
+          <a:p>
+            <a:r>
+              <a:rPr lang="en-US" sz="1200" dirty="0">
+                <a:solidFill>
+                  <a:srgbClr val="00B050"/>
+                </a:solidFill>
+                <a:hlinkClick r:id="rId2"/>
+              </a:rPr>
+              <a:t>https://</a:t>
+            </a:r>
+            <a:r>
+              <a:rPr lang="en-US" sz="1200" dirty="0" smtClean="0">
+                <a:solidFill>
+                  <a:srgbClr val="00B050"/>
+                </a:solidFill>
+                <a:hlinkClick r:id="rId2"/>
+              </a:rPr>
+              <a:t>docs.python.org/3/reference/datamodel.html#special-method-names</a:t>
+            </a:r>
+            <a:r>
+              <a:rPr lang="en-US" sz="1200" dirty="0" smtClean="0">
+                <a:solidFill>
+                  <a:srgbClr val="00B050"/>
+                </a:solidFill>
+              </a:rPr>
+              <a:t> </a:t>
+            </a:r>
+            <a:endParaRPr lang="en-US" sz="1200" dirty="0">
+              <a:solidFill>
+                <a:srgbClr val="00B050"/>
+              </a:solidFill>
+            </a:endParaRPr>
+          </a:p>
+        </p:txBody>
+      </p:sp>
+    </p:spTree>
+    <p:extLst>
+      <p:ext uri="{BB962C8B-B14F-4D97-AF65-F5344CB8AC3E}">
+        <p14:creationId xmlns:p14="http://schemas.microsoft.com/office/powerpoint/2010/main" val="3054380107"/>
+      </p:ext>
+    </p:extLst>
+  </p:cSld>
+  <p:clrMapOvr>
+    <a:masterClrMapping/>
+  </p:clrMapOvr>
+  <p:timing>
+    <p:tnLst>
+      <p:par>
+        <p:cTn id="1" dur="indefinite" restart="never" nodeType="tmRoot"/>
+      </p:par>
+    </p:tnLst>
+  </p:timing>
+</p:sld>
+</file>
+
+<file path=ppt/slides/slide9.xml><?xml version="1.0" encoding="utf-8"?>
 <p:sld xmlns:a="http://schemas.openxmlformats.org/drawingml/2006/main" xmlns:r="http://schemas.openxmlformats.org/officeDocument/2006/relationships" xmlns:p="http://schemas.openxmlformats.org/presentationml/2006/main">
   <p:cSld>
     <p:spTree>

--- a/Presentations/Python - OOP.pptx
+++ b/Presentations/Python - OOP.pptx
@@ -200,7 +200,7 @@
           <a:p>
             <a:fld id="{FAF957FC-5175-49AC-8D2B-2F056FFFC1DD}" type="datetimeFigureOut">
               <a:rPr lang="en-US" smtClean="0"/>
-              <a:t>8/2/2017</a:t>
+              <a:t>11/11/2017</a:t>
             </a:fld>
             <a:endParaRPr lang="en-US"/>
           </a:p>
@@ -650,7 +650,7 @@
             <a:fld id="{1D8BD707-D9CF-40AE-B4C6-C98DA3205C09}" type="datetimeFigureOut">
               <a:rPr lang="en-US" smtClean="0"/>
               <a:pPr/>
-              <a:t>8/2/2017</a:t>
+              <a:t>11/11/2017</a:t>
             </a:fld>
             <a:endParaRPr lang="en-US"/>
           </a:p>
@@ -817,7 +817,7 @@
             <a:fld id="{1D8BD707-D9CF-40AE-B4C6-C98DA3205C09}" type="datetimeFigureOut">
               <a:rPr lang="en-US" smtClean="0"/>
               <a:pPr/>
-              <a:t>8/2/2017</a:t>
+              <a:t>11/11/2017</a:t>
             </a:fld>
             <a:endParaRPr lang="en-US"/>
           </a:p>
@@ -994,7 +994,7 @@
             <a:fld id="{1D8BD707-D9CF-40AE-B4C6-C98DA3205C09}" type="datetimeFigureOut">
               <a:rPr lang="en-US" smtClean="0"/>
               <a:pPr/>
-              <a:t>8/2/2017</a:t>
+              <a:t>11/11/2017</a:t>
             </a:fld>
             <a:endParaRPr lang="en-US"/>
           </a:p>
@@ -1161,7 +1161,7 @@
             <a:fld id="{1D8BD707-D9CF-40AE-B4C6-C98DA3205C09}" type="datetimeFigureOut">
               <a:rPr lang="en-US" smtClean="0"/>
               <a:pPr/>
-              <a:t>8/2/2017</a:t>
+              <a:t>11/11/2017</a:t>
             </a:fld>
             <a:endParaRPr lang="en-US"/>
           </a:p>
@@ -1404,7 +1404,7 @@
             <a:fld id="{1D8BD707-D9CF-40AE-B4C6-C98DA3205C09}" type="datetimeFigureOut">
               <a:rPr lang="en-US" smtClean="0"/>
               <a:pPr/>
-              <a:t>8/2/2017</a:t>
+              <a:t>11/11/2017</a:t>
             </a:fld>
             <a:endParaRPr lang="en-US"/>
           </a:p>
@@ -1689,7 +1689,7 @@
             <a:fld id="{1D8BD707-D9CF-40AE-B4C6-C98DA3205C09}" type="datetimeFigureOut">
               <a:rPr lang="en-US" smtClean="0"/>
               <a:pPr/>
-              <a:t>8/2/2017</a:t>
+              <a:t>11/11/2017</a:t>
             </a:fld>
             <a:endParaRPr lang="en-US"/>
           </a:p>
@@ -2108,7 +2108,7 @@
             <a:fld id="{1D8BD707-D9CF-40AE-B4C6-C98DA3205C09}" type="datetimeFigureOut">
               <a:rPr lang="en-US" smtClean="0"/>
               <a:pPr/>
-              <a:t>8/2/2017</a:t>
+              <a:t>11/11/2017</a:t>
             </a:fld>
             <a:endParaRPr lang="en-US"/>
           </a:p>
@@ -2223,7 +2223,7 @@
             <a:fld id="{1D8BD707-D9CF-40AE-B4C6-C98DA3205C09}" type="datetimeFigureOut">
               <a:rPr lang="en-US" smtClean="0"/>
               <a:pPr/>
-              <a:t>8/2/2017</a:t>
+              <a:t>11/11/2017</a:t>
             </a:fld>
             <a:endParaRPr lang="en-US"/>
           </a:p>
@@ -2315,7 +2315,7 @@
             <a:fld id="{1D8BD707-D9CF-40AE-B4C6-C98DA3205C09}" type="datetimeFigureOut">
               <a:rPr lang="en-US" smtClean="0"/>
               <a:pPr/>
-              <a:t>8/2/2017</a:t>
+              <a:t>11/11/2017</a:t>
             </a:fld>
             <a:endParaRPr lang="en-US"/>
           </a:p>
@@ -2589,7 +2589,7 @@
             <a:fld id="{1D8BD707-D9CF-40AE-B4C6-C98DA3205C09}" type="datetimeFigureOut">
               <a:rPr lang="en-US" smtClean="0"/>
               <a:pPr/>
-              <a:t>8/2/2017</a:t>
+              <a:t>11/11/2017</a:t>
             </a:fld>
             <a:endParaRPr lang="en-US"/>
           </a:p>
@@ -2839,7 +2839,7 @@
             <a:fld id="{1D8BD707-D9CF-40AE-B4C6-C98DA3205C09}" type="datetimeFigureOut">
               <a:rPr lang="en-US" smtClean="0"/>
               <a:pPr/>
-              <a:t>8/2/2017</a:t>
+              <a:t>11/11/2017</a:t>
             </a:fld>
             <a:endParaRPr lang="en-US"/>
           </a:p>
@@ -3049,7 +3049,7 @@
             <a:fld id="{1D8BD707-D9CF-40AE-B4C6-C98DA3205C09}" type="datetimeFigureOut">
               <a:rPr lang="en-US" smtClean="0"/>
               <a:pPr/>
-              <a:t>8/2/2017</a:t>
+              <a:t>11/11/2017</a:t>
             </a:fld>
             <a:endParaRPr lang="en-US"/>
           </a:p>
@@ -3484,20 +3484,52 @@
                   </a:schemeClr>
                 </a:solidFill>
               </a:rPr>
-              <a:t>Portland Data Science </a:t>
-            </a:r>
-            <a:r>
-              <a:rPr lang="en-US" sz="2400" dirty="0">
+              <a:t>Artificial Intelligence Training</a:t>
+            </a:r>
+          </a:p>
+          <a:p>
+            <a:r>
+              <a:rPr lang="en-US" sz="2400" dirty="0" smtClean="0">
                 <a:solidFill>
                   <a:schemeClr val="accent1">
                     <a:lumMod val="75000"/>
                   </a:schemeClr>
                 </a:solidFill>
               </a:rPr>
-              <a:t>Group</a:t>
+              <a:t>Created </a:t>
+            </a:r>
+            <a:r>
+              <a:rPr lang="en-US" sz="2400" dirty="0" smtClean="0">
+                <a:solidFill>
+                  <a:schemeClr val="accent1">
+                    <a:lumMod val="75000"/>
+                  </a:schemeClr>
+                </a:solidFill>
+              </a:rPr>
+              <a:t>by Andrew </a:t>
+            </a:r>
+            <a:r>
+              <a:rPr lang="en-US" sz="2400" dirty="0" err="1" smtClean="0">
+                <a:solidFill>
+                  <a:schemeClr val="accent1">
+                    <a:lumMod val="75000"/>
+                  </a:schemeClr>
+                </a:solidFill>
+              </a:rPr>
+              <a:t>Ferlitsch</a:t>
+            </a:r>
+            <a:r>
+              <a:rPr lang="en-US" sz="2400">
+                <a:solidFill>
+                  <a:schemeClr val="accent1">
+                    <a:lumMod val="75000"/>
+                  </a:schemeClr>
+                </a:solidFill>
+              </a:rPr>
+              <a:t/>
             </a:r>
             <a:br>
-              <a:rPr lang="en-US" sz="2400" dirty="0">
+              <a:rPr lang="en-US" sz="2400">
                 <a:solidFill>
                   <a:schemeClr val="accent1">
                     <a:lumMod val="75000"/>
@@ -3513,56 +3545,7 @@
                   </a:schemeClr>
                 </a:solidFill>
               </a:rPr>
-              <a:t>Created by Andrew </a:t>
-            </a:r>
-            <a:r>
-              <a:rPr lang="en-US" sz="2400" dirty="0" err="1" smtClean="0">
-                <a:solidFill>
-                  <a:schemeClr val="accent1">
-                    <a:lumMod val="75000"/>
-                  </a:schemeClr>
-                </a:solidFill>
-              </a:rPr>
-              <a:t>Ferlitsch</a:t>
-            </a:r>
-            <a:r>
-              <a:rPr lang="en-US" sz="2400" dirty="0">
-                <a:solidFill>
-                  <a:schemeClr val="accent1">
-                    <a:lumMod val="75000"/>
-                  </a:schemeClr>
-                </a:solidFill>
-              </a:rPr>
-              <a:t/>
-            </a:r>
-            <a:br>
-              <a:rPr lang="en-US" sz="2400" dirty="0">
-                <a:solidFill>
-                  <a:schemeClr val="accent1">
-                    <a:lumMod val="75000"/>
-                  </a:schemeClr>
-                </a:solidFill>
-              </a:rPr>
-            </a:br>
-            <a:r>
-              <a:rPr lang="en-US" sz="2400" dirty="0">
-                <a:solidFill>
-                  <a:schemeClr val="accent1">
-                    <a:lumMod val="75000"/>
-                  </a:schemeClr>
-                </a:solidFill>
-              </a:rPr>
-              <a:t>Community Outreach </a:t>
-            </a:r>
-            <a:r>
-              <a:rPr lang="en-US" sz="2400" dirty="0" smtClean="0">
-                <a:solidFill>
-                  <a:schemeClr val="accent1">
-                    <a:lumMod val="75000"/>
-                  </a:schemeClr>
-                </a:solidFill>
-              </a:rPr>
-              <a:t>Officer</a:t>
+              <a:t>Instructor</a:t>
             </a:r>
             <a:r>
               <a:rPr lang="en-US" sz="2400" dirty="0" smtClean="0"/>
@@ -7826,17 +7809,7 @@
                   </a:schemeClr>
                 </a:solidFill>
               </a:rPr>
-              <a:t>Operator </a:t>
-            </a:r>
-            <a:r>
-              <a:rPr lang="en-US" dirty="0" smtClean="0">
-                <a:solidFill>
-                  <a:schemeClr val="accent1">
-                    <a:lumMod val="75000"/>
-                  </a:schemeClr>
-                </a:solidFill>
-              </a:rPr>
-              <a:t>Overloading</a:t>
+              <a:t>Operator Overloading</a:t>
             </a:r>
             <a:endParaRPr lang="en-US" dirty="0">
               <a:solidFill>
@@ -8007,13 +7980,6 @@
               </a:rPr>
               <a:t>   class object in Python.</a:t>
             </a:r>
-            <a:endParaRPr lang="en-US" sz="2400" b="1" dirty="0" smtClean="0">
-              <a:solidFill>
-                <a:schemeClr val="accent5">
-                  <a:lumMod val="75000"/>
-                </a:schemeClr>
-              </a:solidFill>
-            </a:endParaRPr>
           </a:p>
           <a:p>
             <a:pPr marL="285750" indent="-285750">
@@ -8132,35 +8098,8 @@
                   </a:schemeClr>
                 </a:solidFill>
               </a:rPr>
-              <a:t>    implement o</a:t>
-            </a:r>
-            <a:r>
-              <a:rPr lang="en-US" sz="2400" b="1" dirty="0" smtClean="0">
-                <a:solidFill>
-                  <a:schemeClr val="accent5">
-                    <a:lumMod val="75000"/>
-                  </a:schemeClr>
-                </a:solidFill>
-              </a:rPr>
-              <a:t>perator overloadin</a:t>
-            </a:r>
-            <a:r>
-              <a:rPr lang="en-US" sz="2400" b="1" dirty="0" smtClean="0">
-                <a:solidFill>
-                  <a:schemeClr val="accent5">
-                    <a:lumMod val="75000"/>
-                  </a:schemeClr>
-                </a:solidFill>
-              </a:rPr>
-              <a:t>g.</a:t>
-            </a:r>
-            <a:endParaRPr lang="en-US" sz="2400" b="1" dirty="0" smtClean="0">
-              <a:solidFill>
-                <a:schemeClr val="accent5">
-                  <a:lumMod val="75000"/>
-                </a:schemeClr>
-              </a:solidFill>
-            </a:endParaRPr>
+              <a:t>    implement operator overloading.</a:t>
+            </a:r>
           </a:p>
           <a:p>
             <a:pPr marL="285750" indent="-285750">
@@ -8564,17 +8503,7 @@
                   </a:schemeClr>
                 </a:solidFill>
               </a:rPr>
-              <a:t>Operator </a:t>
-            </a:r>
-            <a:r>
-              <a:rPr lang="en-US" dirty="0" smtClean="0">
-                <a:solidFill>
-                  <a:schemeClr val="accent1">
-                    <a:lumMod val="75000"/>
-                  </a:schemeClr>
-                </a:solidFill>
-              </a:rPr>
-              <a:t>Overloading</a:t>
+              <a:t>Operator Overloading</a:t>
             </a:r>
             <a:endParaRPr lang="en-US" dirty="0">
               <a:solidFill>

--- a/Presentations/Python - OOP.pptx
+++ b/Presentations/Python - OOP.pptx
@@ -5,7 +5,7 @@
     <p:sldMasterId id="2147483648" r:id="rId1"/>
   </p:sldMasterIdLst>
   <p:notesMasterIdLst>
-    <p:notesMasterId r:id="rId11"/>
+    <p:notesMasterId r:id="rId12"/>
   </p:notesMasterIdLst>
   <p:sldIdLst>
     <p:sldId id="256" r:id="rId2"/>
@@ -14,9 +14,10 @@
     <p:sldId id="285" r:id="rId5"/>
     <p:sldId id="283" r:id="rId6"/>
     <p:sldId id="282" r:id="rId7"/>
-    <p:sldId id="288" r:id="rId8"/>
-    <p:sldId id="289" r:id="rId9"/>
-    <p:sldId id="286" r:id="rId10"/>
+    <p:sldId id="290" r:id="rId8"/>
+    <p:sldId id="288" r:id="rId9"/>
+    <p:sldId id="289" r:id="rId10"/>
+    <p:sldId id="286" r:id="rId11"/>
   </p:sldIdLst>
   <p:sldSz cx="9144000" cy="6858000" type="screen4x3"/>
   <p:notesSz cx="6858000" cy="9144000"/>
@@ -200,7 +201,7 @@
           <a:p>
             <a:fld id="{FAF957FC-5175-49AC-8D2B-2F056FFFC1DD}" type="datetimeFigureOut">
               <a:rPr lang="en-US" smtClean="0"/>
-              <a:t>11/11/2017</a:t>
+              <a:t>1/22/2018</a:t>
             </a:fld>
             <a:endParaRPr lang="en-US"/>
           </a:p>
@@ -650,7 +651,7 @@
             <a:fld id="{1D8BD707-D9CF-40AE-B4C6-C98DA3205C09}" type="datetimeFigureOut">
               <a:rPr lang="en-US" smtClean="0"/>
               <a:pPr/>
-              <a:t>11/11/2017</a:t>
+              <a:t>1/22/2018</a:t>
             </a:fld>
             <a:endParaRPr lang="en-US"/>
           </a:p>
@@ -817,7 +818,7 @@
             <a:fld id="{1D8BD707-D9CF-40AE-B4C6-C98DA3205C09}" type="datetimeFigureOut">
               <a:rPr lang="en-US" smtClean="0"/>
               <a:pPr/>
-              <a:t>11/11/2017</a:t>
+              <a:t>1/22/2018</a:t>
             </a:fld>
             <a:endParaRPr lang="en-US"/>
           </a:p>
@@ -994,7 +995,7 @@
             <a:fld id="{1D8BD707-D9CF-40AE-B4C6-C98DA3205C09}" type="datetimeFigureOut">
               <a:rPr lang="en-US" smtClean="0"/>
               <a:pPr/>
-              <a:t>11/11/2017</a:t>
+              <a:t>1/22/2018</a:t>
             </a:fld>
             <a:endParaRPr lang="en-US"/>
           </a:p>
@@ -1161,7 +1162,7 @@
             <a:fld id="{1D8BD707-D9CF-40AE-B4C6-C98DA3205C09}" type="datetimeFigureOut">
               <a:rPr lang="en-US" smtClean="0"/>
               <a:pPr/>
-              <a:t>11/11/2017</a:t>
+              <a:t>1/22/2018</a:t>
             </a:fld>
             <a:endParaRPr lang="en-US"/>
           </a:p>
@@ -1404,7 +1405,7 @@
             <a:fld id="{1D8BD707-D9CF-40AE-B4C6-C98DA3205C09}" type="datetimeFigureOut">
               <a:rPr lang="en-US" smtClean="0"/>
               <a:pPr/>
-              <a:t>11/11/2017</a:t>
+              <a:t>1/22/2018</a:t>
             </a:fld>
             <a:endParaRPr lang="en-US"/>
           </a:p>
@@ -1689,7 +1690,7 @@
             <a:fld id="{1D8BD707-D9CF-40AE-B4C6-C98DA3205C09}" type="datetimeFigureOut">
               <a:rPr lang="en-US" smtClean="0"/>
               <a:pPr/>
-              <a:t>11/11/2017</a:t>
+              <a:t>1/22/2018</a:t>
             </a:fld>
             <a:endParaRPr lang="en-US"/>
           </a:p>
@@ -2108,7 +2109,7 @@
             <a:fld id="{1D8BD707-D9CF-40AE-B4C6-C98DA3205C09}" type="datetimeFigureOut">
               <a:rPr lang="en-US" smtClean="0"/>
               <a:pPr/>
-              <a:t>11/11/2017</a:t>
+              <a:t>1/22/2018</a:t>
             </a:fld>
             <a:endParaRPr lang="en-US"/>
           </a:p>
@@ -2223,7 +2224,7 @@
             <a:fld id="{1D8BD707-D9CF-40AE-B4C6-C98DA3205C09}" type="datetimeFigureOut">
               <a:rPr lang="en-US" smtClean="0"/>
               <a:pPr/>
-              <a:t>11/11/2017</a:t>
+              <a:t>1/22/2018</a:t>
             </a:fld>
             <a:endParaRPr lang="en-US"/>
           </a:p>
@@ -2315,7 +2316,7 @@
             <a:fld id="{1D8BD707-D9CF-40AE-B4C6-C98DA3205C09}" type="datetimeFigureOut">
               <a:rPr lang="en-US" smtClean="0"/>
               <a:pPr/>
-              <a:t>11/11/2017</a:t>
+              <a:t>1/22/2018</a:t>
             </a:fld>
             <a:endParaRPr lang="en-US"/>
           </a:p>
@@ -2589,7 +2590,7 @@
             <a:fld id="{1D8BD707-D9CF-40AE-B4C6-C98DA3205C09}" type="datetimeFigureOut">
               <a:rPr lang="en-US" smtClean="0"/>
               <a:pPr/>
-              <a:t>11/11/2017</a:t>
+              <a:t>1/22/2018</a:t>
             </a:fld>
             <a:endParaRPr lang="en-US"/>
           </a:p>
@@ -2839,7 +2840,7 @@
             <a:fld id="{1D8BD707-D9CF-40AE-B4C6-C98DA3205C09}" type="datetimeFigureOut">
               <a:rPr lang="en-US" smtClean="0"/>
               <a:pPr/>
-              <a:t>11/11/2017</a:t>
+              <a:t>1/22/2018</a:t>
             </a:fld>
             <a:endParaRPr lang="en-US"/>
           </a:p>
@@ -3049,7 +3050,7 @@
             <a:fld id="{1D8BD707-D9CF-40AE-B4C6-C98DA3205C09}" type="datetimeFigureOut">
               <a:rPr lang="en-US" smtClean="0"/>
               <a:pPr/>
-              <a:t>11/11/2017</a:t>
+              <a:t>1/22/2018</a:t>
             </a:fld>
             <a:endParaRPr lang="en-US"/>
           </a:p>
@@ -3496,17 +3497,7 @@
                   </a:schemeClr>
                 </a:solidFill>
               </a:rPr>
-              <a:t>Created </a:t>
-            </a:r>
-            <a:r>
-              <a:rPr lang="en-US" sz="2400" dirty="0" smtClean="0">
-                <a:solidFill>
-                  <a:schemeClr val="accent1">
-                    <a:lumMod val="75000"/>
-                  </a:schemeClr>
-                </a:solidFill>
-              </a:rPr>
-              <a:t>by Andrew </a:t>
+              <a:t>Created by Andrew </a:t>
             </a:r>
             <a:r>
               <a:rPr lang="en-US" sz="2400" dirty="0" err="1" smtClean="0">
@@ -3688,6 +3679,875 @@
     <p:extLst>
       <p:ext uri="{BB962C8B-B14F-4D97-AF65-F5344CB8AC3E}">
         <p14:creationId xmlns:p14="http://schemas.microsoft.com/office/powerpoint/2010/main" val="2654196744"/>
+      </p:ext>
+    </p:extLst>
+  </p:cSld>
+  <p:clrMapOvr>
+    <a:masterClrMapping/>
+  </p:clrMapOvr>
+  <p:timing>
+    <p:tnLst>
+      <p:par>
+        <p:cTn id="1" dur="indefinite" restart="never" nodeType="tmRoot"/>
+      </p:par>
+    </p:tnLst>
+  </p:timing>
+</p:sld>
+</file>
+
+<file path=ppt/slides/slide10.xml><?xml version="1.0" encoding="utf-8"?>
+<p:sld xmlns:a="http://schemas.openxmlformats.org/drawingml/2006/main" xmlns:r="http://schemas.openxmlformats.org/officeDocument/2006/relationships" xmlns:p="http://schemas.openxmlformats.org/presentationml/2006/main">
+  <p:cSld>
+    <p:spTree>
+      <p:nvGrpSpPr>
+        <p:cNvPr id="1" name=""/>
+        <p:cNvGrpSpPr/>
+        <p:nvPr/>
+      </p:nvGrpSpPr>
+      <p:grpSpPr>
+        <a:xfrm>
+          <a:off x="0" y="0"/>
+          <a:ext cx="0" cy="0"/>
+          <a:chOff x="0" y="0"/>
+          <a:chExt cx="0" cy="0"/>
+        </a:xfrm>
+      </p:grpSpPr>
+      <p:sp>
+        <p:nvSpPr>
+          <p:cNvPr id="2" name="Title 1"/>
+          <p:cNvSpPr>
+            <a:spLocks noGrp="1"/>
+          </p:cNvSpPr>
+          <p:nvPr>
+            <p:ph type="title"/>
+          </p:nvPr>
+        </p:nvSpPr>
+        <p:spPr>
+          <a:xfrm>
+            <a:off x="457200" y="274638"/>
+            <a:ext cx="8305800" cy="792162"/>
+          </a:xfrm>
+        </p:spPr>
+        <p:txBody>
+          <a:bodyPr>
+            <a:normAutofit/>
+          </a:bodyPr>
+          <a:lstStyle/>
+          <a:p>
+            <a:pPr algn="l"/>
+            <a:r>
+              <a:rPr lang="en-US" dirty="0" smtClean="0">
+                <a:solidFill>
+                  <a:schemeClr val="accent1">
+                    <a:lumMod val="75000"/>
+                  </a:schemeClr>
+                </a:solidFill>
+              </a:rPr>
+              <a:t>Class Inheritance</a:t>
+            </a:r>
+            <a:endParaRPr lang="en-US" dirty="0">
+              <a:solidFill>
+                <a:schemeClr val="accent1">
+                  <a:lumMod val="75000"/>
+                </a:schemeClr>
+              </a:solidFill>
+            </a:endParaRPr>
+          </a:p>
+        </p:txBody>
+      </p:sp>
+      <p:cxnSp>
+        <p:nvCxnSpPr>
+          <p:cNvPr id="5" name="Straight Connector 4"/>
+          <p:cNvCxnSpPr/>
+          <p:nvPr/>
+        </p:nvCxnSpPr>
+        <p:spPr>
+          <a:xfrm>
+            <a:off x="0" y="990600"/>
+            <a:ext cx="9144000" cy="0"/>
+          </a:xfrm>
+          <a:prstGeom prst="line">
+            <a:avLst/>
+          </a:prstGeom>
+          <a:ln w="19050"/>
+        </p:spPr>
+        <p:style>
+          <a:lnRef idx="1">
+            <a:schemeClr val="accent1"/>
+          </a:lnRef>
+          <a:fillRef idx="0">
+            <a:schemeClr val="accent1"/>
+          </a:fillRef>
+          <a:effectRef idx="0">
+            <a:schemeClr val="accent1"/>
+          </a:effectRef>
+          <a:fontRef idx="minor">
+            <a:schemeClr val="tx1"/>
+          </a:fontRef>
+        </p:style>
+      </p:cxnSp>
+      <p:sp>
+        <p:nvSpPr>
+          <p:cNvPr id="18" name="TextBox 17"/>
+          <p:cNvSpPr txBox="1"/>
+          <p:nvPr/>
+        </p:nvSpPr>
+        <p:spPr>
+          <a:xfrm>
+            <a:off x="152400" y="1164134"/>
+            <a:ext cx="8067850" cy="2893100"/>
+          </a:xfrm>
+          <a:prstGeom prst="rect">
+            <a:avLst/>
+          </a:prstGeom>
+          <a:noFill/>
+        </p:spPr>
+        <p:txBody>
+          <a:bodyPr wrap="none" rtlCol="0">
+            <a:spAutoFit/>
+          </a:bodyPr>
+          <a:lstStyle/>
+          <a:p>
+            <a:pPr marL="285750" indent="-285750">
+              <a:buFont typeface="Arial" panose="020B0604020202020204" pitchFamily="34" charset="0"/>
+              <a:buChar char="•"/>
+            </a:pPr>
+            <a:r>
+              <a:rPr lang="en-US" sz="2400" b="1" dirty="0" smtClean="0">
+                <a:solidFill>
+                  <a:schemeClr val="accent5">
+                    <a:lumMod val="75000"/>
+                  </a:schemeClr>
+                </a:solidFill>
+              </a:rPr>
+              <a:t>Define</a:t>
+            </a:r>
+            <a:r>
+              <a:rPr lang="en-US" sz="2400" b="1" dirty="0" smtClean="0">
+                <a:solidFill>
+                  <a:schemeClr val="accent1">
+                    <a:lumMod val="75000"/>
+                  </a:schemeClr>
+                </a:solidFill>
+              </a:rPr>
+              <a:t>s </a:t>
+            </a:r>
+            <a:r>
+              <a:rPr lang="en-US" sz="2400" b="1" dirty="0" smtClean="0">
+                <a:solidFill>
+                  <a:schemeClr val="accent5">
+                    <a:lumMod val="75000"/>
+                  </a:schemeClr>
+                </a:solidFill>
+              </a:rPr>
+              <a:t>a new class that extends a base (superclass).</a:t>
+            </a:r>
+          </a:p>
+          <a:p>
+            <a:endParaRPr lang="en-US" sz="2400" b="1" dirty="0" smtClean="0">
+              <a:solidFill>
+                <a:schemeClr val="accent5">
+                  <a:lumMod val="75000"/>
+                </a:schemeClr>
+              </a:solidFill>
+            </a:endParaRPr>
+          </a:p>
+          <a:p>
+            <a:pPr marL="285750" indent="-285750">
+              <a:buFont typeface="Arial" panose="020B0604020202020204" pitchFamily="34" charset="0"/>
+              <a:buChar char="•"/>
+            </a:pPr>
+            <a:r>
+              <a:rPr lang="en-US" sz="2400" b="1" dirty="0" smtClean="0">
+                <a:solidFill>
+                  <a:schemeClr val="accent5">
+                    <a:lumMod val="75000"/>
+                  </a:schemeClr>
+                </a:solidFill>
+              </a:rPr>
+              <a:t>The new class (subclass) inherits the methods and member </a:t>
+            </a:r>
+            <a:br>
+              <a:rPr lang="en-US" sz="2400" b="1" dirty="0" smtClean="0">
+                <a:solidFill>
+                  <a:schemeClr val="accent5">
+                    <a:lumMod val="75000"/>
+                  </a:schemeClr>
+                </a:solidFill>
+              </a:rPr>
+            </a:br>
+            <a:r>
+              <a:rPr lang="en-US" sz="2400" b="1" dirty="0" smtClean="0">
+                <a:solidFill>
+                  <a:schemeClr val="accent5">
+                    <a:lumMod val="75000"/>
+                  </a:schemeClr>
+                </a:solidFill>
+              </a:rPr>
+              <a:t>variables of the base (superclass).</a:t>
+            </a:r>
+          </a:p>
+          <a:p>
+            <a:endParaRPr lang="en-US" sz="2400" b="1" dirty="0">
+              <a:solidFill>
+                <a:schemeClr val="accent5">
+                  <a:lumMod val="75000"/>
+                </a:schemeClr>
+              </a:solidFill>
+            </a:endParaRPr>
+          </a:p>
+          <a:p>
+            <a:r>
+              <a:rPr lang="en-US" sz="2400" b="1" dirty="0" smtClean="0">
+                <a:solidFill>
+                  <a:schemeClr val="accent5">
+                    <a:lumMod val="75000"/>
+                  </a:schemeClr>
+                </a:solidFill>
+              </a:rPr>
+              <a:t>		</a:t>
+            </a:r>
+            <a:r>
+              <a:rPr lang="en-US" sz="1400" b="1" dirty="0" smtClean="0">
+                <a:solidFill>
+                  <a:schemeClr val="accent5">
+                    <a:lumMod val="75000"/>
+                  </a:schemeClr>
+                </a:solidFill>
+              </a:rPr>
+              <a:t>class </a:t>
+            </a:r>
+            <a:r>
+              <a:rPr lang="en-US" sz="1400" b="1" dirty="0" err="1"/>
+              <a:t>BinaryTree</a:t>
+            </a:r>
+            <a:r>
+              <a:rPr lang="en-US" sz="1400" b="1" dirty="0" smtClean="0"/>
+              <a:t>( Node ):</a:t>
+            </a:r>
+          </a:p>
+          <a:p>
+            <a:endParaRPr lang="en-US" sz="1400" b="1" dirty="0"/>
+          </a:p>
+          <a:p>
+            <a:pPr marL="285750" indent="-285750">
+              <a:buFont typeface="Arial" panose="020B0604020202020204" pitchFamily="34" charset="0"/>
+              <a:buChar char="•"/>
+            </a:pPr>
+            <a:r>
+              <a:rPr lang="en-US" sz="2400" b="1" dirty="0" smtClean="0">
+                <a:solidFill>
+                  <a:schemeClr val="accent1">
+                    <a:lumMod val="75000"/>
+                  </a:schemeClr>
+                </a:solidFill>
+              </a:rPr>
+              <a:t>Invoking the base (superclass) constructor</a:t>
+            </a:r>
+            <a:endParaRPr lang="en-US" sz="2400" b="1" dirty="0">
+              <a:solidFill>
+                <a:schemeClr val="accent1">
+                  <a:lumMod val="75000"/>
+                </a:schemeClr>
+              </a:solidFill>
+            </a:endParaRPr>
+          </a:p>
+        </p:txBody>
+      </p:sp>
+      <p:sp>
+        <p:nvSpPr>
+          <p:cNvPr id="19" name="TextBox 18"/>
+          <p:cNvSpPr txBox="1"/>
+          <p:nvPr/>
+        </p:nvSpPr>
+        <p:spPr>
+          <a:xfrm>
+            <a:off x="1371600" y="2743200"/>
+            <a:ext cx="1704441" cy="276999"/>
+          </a:xfrm>
+          <a:prstGeom prst="rect">
+            <a:avLst/>
+          </a:prstGeom>
+          <a:noFill/>
+        </p:spPr>
+        <p:txBody>
+          <a:bodyPr wrap="none" rtlCol="0">
+            <a:spAutoFit/>
+          </a:bodyPr>
+          <a:lstStyle/>
+          <a:p>
+            <a:r>
+              <a:rPr lang="en-US" sz="1200" dirty="0" smtClean="0">
+                <a:solidFill>
+                  <a:srgbClr val="00B050"/>
+                </a:solidFill>
+              </a:rPr>
+              <a:t>Derived (subclass) name</a:t>
+            </a:r>
+            <a:endParaRPr lang="en-US" sz="1200" dirty="0">
+              <a:solidFill>
+                <a:srgbClr val="00B050"/>
+              </a:solidFill>
+            </a:endParaRPr>
+          </a:p>
+        </p:txBody>
+      </p:sp>
+      <p:sp>
+        <p:nvSpPr>
+          <p:cNvPr id="21" name="TextBox 20"/>
+          <p:cNvSpPr txBox="1"/>
+          <p:nvPr/>
+        </p:nvSpPr>
+        <p:spPr>
+          <a:xfrm>
+            <a:off x="3733800" y="2743199"/>
+            <a:ext cx="2277675" cy="276999"/>
+          </a:xfrm>
+          <a:prstGeom prst="rect">
+            <a:avLst/>
+          </a:prstGeom>
+          <a:noFill/>
+        </p:spPr>
+        <p:txBody>
+          <a:bodyPr wrap="none" rtlCol="0">
+            <a:spAutoFit/>
+          </a:bodyPr>
+          <a:lstStyle/>
+          <a:p>
+            <a:r>
+              <a:rPr lang="en-US" sz="1200" dirty="0" smtClean="0">
+                <a:solidFill>
+                  <a:srgbClr val="00B050"/>
+                </a:solidFill>
+              </a:rPr>
+              <a:t>Base (superclass) that is inherited</a:t>
+            </a:r>
+            <a:endParaRPr lang="en-US" sz="1200" dirty="0">
+              <a:solidFill>
+                <a:srgbClr val="00B050"/>
+              </a:solidFill>
+            </a:endParaRPr>
+          </a:p>
+        </p:txBody>
+      </p:sp>
+      <p:cxnSp>
+        <p:nvCxnSpPr>
+          <p:cNvPr id="6" name="Curved Connector 5"/>
+          <p:cNvCxnSpPr/>
+          <p:nvPr/>
+        </p:nvCxnSpPr>
+        <p:spPr>
+          <a:xfrm rot="16200000" flipH="1">
+            <a:off x="2590800" y="3048000"/>
+            <a:ext cx="228600" cy="76200"/>
+          </a:xfrm>
+          <a:prstGeom prst="curvedConnector3">
+            <a:avLst/>
+          </a:prstGeom>
+          <a:ln>
+            <a:solidFill>
+              <a:srgbClr val="00B050"/>
+            </a:solidFill>
+            <a:tailEnd type="arrow"/>
+          </a:ln>
+        </p:spPr>
+        <p:style>
+          <a:lnRef idx="1">
+            <a:schemeClr val="accent1"/>
+          </a:lnRef>
+          <a:fillRef idx="0">
+            <a:schemeClr val="accent1"/>
+          </a:fillRef>
+          <a:effectRef idx="0">
+            <a:schemeClr val="accent1"/>
+          </a:effectRef>
+          <a:fontRef idx="minor">
+            <a:schemeClr val="tx1"/>
+          </a:fontRef>
+        </p:style>
+      </p:cxnSp>
+      <p:cxnSp>
+        <p:nvCxnSpPr>
+          <p:cNvPr id="22" name="Curved Connector 21"/>
+          <p:cNvCxnSpPr>
+            <a:stCxn id="21" idx="1"/>
+          </p:cNvCxnSpPr>
+          <p:nvPr/>
+        </p:nvCxnSpPr>
+        <p:spPr>
+          <a:xfrm rot="10800000" flipV="1">
+            <a:off x="3581400" y="2881699"/>
+            <a:ext cx="152400" cy="318700"/>
+          </a:xfrm>
+          <a:prstGeom prst="curvedConnector2">
+            <a:avLst/>
+          </a:prstGeom>
+          <a:ln>
+            <a:solidFill>
+              <a:srgbClr val="00B050"/>
+            </a:solidFill>
+            <a:tailEnd type="arrow"/>
+          </a:ln>
+        </p:spPr>
+        <p:style>
+          <a:lnRef idx="1">
+            <a:schemeClr val="accent1"/>
+          </a:lnRef>
+          <a:fillRef idx="0">
+            <a:schemeClr val="accent1"/>
+          </a:fillRef>
+          <a:effectRef idx="0">
+            <a:schemeClr val="accent1"/>
+          </a:effectRef>
+          <a:fontRef idx="minor">
+            <a:schemeClr val="tx1"/>
+          </a:fontRef>
+        </p:style>
+      </p:cxnSp>
+      <p:sp>
+        <p:nvSpPr>
+          <p:cNvPr id="11" name="Rectangle 10"/>
+          <p:cNvSpPr/>
+          <p:nvPr/>
+        </p:nvSpPr>
+        <p:spPr>
+          <a:xfrm>
+            <a:off x="1524000" y="4267200"/>
+            <a:ext cx="7010400" cy="1200329"/>
+          </a:xfrm>
+          <a:prstGeom prst="rect">
+            <a:avLst/>
+          </a:prstGeom>
+        </p:spPr>
+        <p:txBody>
+          <a:bodyPr wrap="square">
+            <a:spAutoFit/>
+          </a:bodyPr>
+          <a:lstStyle/>
+          <a:p>
+            <a:r>
+              <a:rPr lang="en-US" dirty="0" smtClean="0">
+                <a:solidFill>
+                  <a:srgbClr val="0070C0"/>
+                </a:solidFill>
+              </a:rPr>
+              <a:t>class</a:t>
+            </a:r>
+            <a:r>
+              <a:rPr lang="en-US" dirty="0" smtClean="0"/>
+              <a:t> </a:t>
+            </a:r>
+            <a:r>
+              <a:rPr lang="en-US" dirty="0" err="1" smtClean="0"/>
+              <a:t>BinaryTree</a:t>
+            </a:r>
+            <a:r>
+              <a:rPr lang="en-US" dirty="0" smtClean="0"/>
+              <a:t>( Node ):</a:t>
+            </a:r>
+          </a:p>
+          <a:p>
+            <a:r>
+              <a:rPr lang="en-US" dirty="0" smtClean="0"/>
+              <a:t>	# </a:t>
+            </a:r>
+            <a:r>
+              <a:rPr lang="en-US" dirty="0"/>
+              <a:t>Constructor: set the node data and left/right subtrees to null</a:t>
+            </a:r>
+          </a:p>
+          <a:p>
+            <a:r>
+              <a:rPr lang="en-US" dirty="0" smtClean="0"/>
+              <a:t>	</a:t>
+            </a:r>
+            <a:r>
+              <a:rPr lang="en-US" dirty="0" err="1" smtClean="0">
+                <a:solidFill>
+                  <a:srgbClr val="0070C0"/>
+                </a:solidFill>
+              </a:rPr>
+              <a:t>def</a:t>
+            </a:r>
+            <a:r>
+              <a:rPr lang="en-US" dirty="0" smtClean="0">
+                <a:solidFill>
+                  <a:srgbClr val="0070C0"/>
+                </a:solidFill>
+              </a:rPr>
+              <a:t> </a:t>
+            </a:r>
+            <a:r>
+              <a:rPr lang="en-US" dirty="0">
+                <a:solidFill>
+                  <a:srgbClr val="0070C0"/>
+                </a:solidFill>
+              </a:rPr>
+              <a:t>__</a:t>
+            </a:r>
+            <a:r>
+              <a:rPr lang="en-US" dirty="0" err="1">
+                <a:solidFill>
+                  <a:srgbClr val="0070C0"/>
+                </a:solidFill>
+              </a:rPr>
+              <a:t>init</a:t>
+            </a:r>
+            <a:r>
+              <a:rPr lang="en-US" dirty="0">
+                <a:solidFill>
+                  <a:srgbClr val="0070C0"/>
+                </a:solidFill>
+              </a:rPr>
+              <a:t>__</a:t>
+            </a:r>
+            <a:r>
+              <a:rPr lang="en-US" dirty="0"/>
+              <a:t>( self, key ):</a:t>
+            </a:r>
+          </a:p>
+          <a:p>
+            <a:r>
+              <a:rPr lang="en-US" dirty="0"/>
+              <a:t>	</a:t>
+            </a:r>
+            <a:r>
+              <a:rPr lang="en-US" dirty="0" smtClean="0"/>
+              <a:t>	</a:t>
+            </a:r>
+            <a:r>
+              <a:rPr lang="en-US" dirty="0" smtClean="0">
+                <a:solidFill>
+                  <a:schemeClr val="accent5">
+                    <a:lumMod val="75000"/>
+                  </a:schemeClr>
+                </a:solidFill>
+              </a:rPr>
+              <a:t>super</a:t>
+            </a:r>
+            <a:r>
+              <a:rPr lang="en-US" dirty="0" smtClean="0"/>
+              <a:t>()</a:t>
+            </a:r>
+            <a:r>
+              <a:rPr lang="en-US" dirty="0" smtClean="0">
+                <a:solidFill>
+                  <a:srgbClr val="0070C0"/>
+                </a:solidFill>
+              </a:rPr>
+              <a:t>.__</a:t>
+            </a:r>
+            <a:r>
+              <a:rPr lang="en-US" dirty="0" err="1">
+                <a:solidFill>
+                  <a:srgbClr val="0070C0"/>
+                </a:solidFill>
+              </a:rPr>
+              <a:t>init</a:t>
+            </a:r>
+            <a:r>
+              <a:rPr lang="en-US" dirty="0">
+                <a:solidFill>
+                  <a:srgbClr val="0070C0"/>
+                </a:solidFill>
+              </a:rPr>
+              <a:t>__</a:t>
+            </a:r>
+            <a:r>
+              <a:rPr lang="en-US" dirty="0"/>
+              <a:t>( self, key )</a:t>
+            </a:r>
+          </a:p>
+        </p:txBody>
+      </p:sp>
+      <p:sp>
+        <p:nvSpPr>
+          <p:cNvPr id="26" name="TextBox 25"/>
+          <p:cNvSpPr txBox="1"/>
+          <p:nvPr/>
+        </p:nvSpPr>
+        <p:spPr>
+          <a:xfrm>
+            <a:off x="142336" y="4867364"/>
+            <a:ext cx="2070247" cy="276999"/>
+          </a:xfrm>
+          <a:prstGeom prst="rect">
+            <a:avLst/>
+          </a:prstGeom>
+          <a:noFill/>
+        </p:spPr>
+        <p:txBody>
+          <a:bodyPr wrap="none" rtlCol="0">
+            <a:spAutoFit/>
+          </a:bodyPr>
+          <a:lstStyle/>
+          <a:p>
+            <a:r>
+              <a:rPr lang="en-US" sz="1200" dirty="0" smtClean="0">
+                <a:solidFill>
+                  <a:srgbClr val="FF0000"/>
+                </a:solidFill>
+              </a:rPr>
+              <a:t>Derived (subclass) constructor</a:t>
+            </a:r>
+            <a:endParaRPr lang="en-US" sz="1200" dirty="0">
+              <a:solidFill>
+                <a:srgbClr val="FF0000"/>
+              </a:solidFill>
+            </a:endParaRPr>
+          </a:p>
+        </p:txBody>
+      </p:sp>
+      <p:sp>
+        <p:nvSpPr>
+          <p:cNvPr id="27" name="TextBox 26"/>
+          <p:cNvSpPr txBox="1"/>
+          <p:nvPr/>
+        </p:nvSpPr>
+        <p:spPr>
+          <a:xfrm>
+            <a:off x="153573" y="5144363"/>
+            <a:ext cx="2448491" cy="276999"/>
+          </a:xfrm>
+          <a:prstGeom prst="rect">
+            <a:avLst/>
+          </a:prstGeom>
+          <a:noFill/>
+        </p:spPr>
+        <p:txBody>
+          <a:bodyPr wrap="none" rtlCol="0">
+            <a:spAutoFit/>
+          </a:bodyPr>
+          <a:lstStyle/>
+          <a:p>
+            <a:r>
+              <a:rPr lang="en-US" sz="1200" dirty="0" smtClean="0">
+                <a:solidFill>
+                  <a:srgbClr val="FF0000"/>
+                </a:solidFill>
+              </a:rPr>
+              <a:t>Invoke base (superclass) constructor</a:t>
+            </a:r>
+            <a:endParaRPr lang="en-US" sz="1200" dirty="0">
+              <a:solidFill>
+                <a:srgbClr val="FF0000"/>
+              </a:solidFill>
+            </a:endParaRPr>
+          </a:p>
+        </p:txBody>
+      </p:sp>
+      <p:sp>
+        <p:nvSpPr>
+          <p:cNvPr id="28" name="Right Arrow 27"/>
+          <p:cNvSpPr/>
+          <p:nvPr/>
+        </p:nvSpPr>
+        <p:spPr>
+          <a:xfrm>
+            <a:off x="2223820" y="4936613"/>
+            <a:ext cx="235706" cy="138499"/>
+          </a:xfrm>
+          <a:prstGeom prst="rightArrow">
+            <a:avLst/>
+          </a:prstGeom>
+          <a:solidFill>
+            <a:srgbClr val="FF0000"/>
+          </a:solidFill>
+          <a:ln>
+            <a:solidFill>
+              <a:srgbClr val="FF0000"/>
+            </a:solidFill>
+          </a:ln>
+        </p:spPr>
+        <p:style>
+          <a:lnRef idx="2">
+            <a:schemeClr val="accent1">
+              <a:shade val="50000"/>
+            </a:schemeClr>
+          </a:lnRef>
+          <a:fillRef idx="1">
+            <a:schemeClr val="accent1"/>
+          </a:fillRef>
+          <a:effectRef idx="0">
+            <a:schemeClr val="accent1"/>
+          </a:effectRef>
+          <a:fontRef idx="minor">
+            <a:schemeClr val="lt1"/>
+          </a:fontRef>
+        </p:style>
+        <p:txBody>
+          <a:bodyPr rtlCol="0" anchor="ctr"/>
+          <a:lstStyle/>
+          <a:p>
+            <a:pPr algn="ctr"/>
+            <a:endParaRPr lang="en-US"/>
+          </a:p>
+        </p:txBody>
+      </p:sp>
+      <p:sp>
+        <p:nvSpPr>
+          <p:cNvPr id="29" name="Right Arrow 28"/>
+          <p:cNvSpPr/>
+          <p:nvPr/>
+        </p:nvSpPr>
+        <p:spPr>
+          <a:xfrm>
+            <a:off x="2587247" y="5213612"/>
+            <a:ext cx="235706" cy="138499"/>
+          </a:xfrm>
+          <a:prstGeom prst="rightArrow">
+            <a:avLst/>
+          </a:prstGeom>
+          <a:solidFill>
+            <a:srgbClr val="FF0000"/>
+          </a:solidFill>
+          <a:ln>
+            <a:solidFill>
+              <a:srgbClr val="FF0000"/>
+            </a:solidFill>
+          </a:ln>
+        </p:spPr>
+        <p:style>
+          <a:lnRef idx="2">
+            <a:schemeClr val="accent1">
+              <a:shade val="50000"/>
+            </a:schemeClr>
+          </a:lnRef>
+          <a:fillRef idx="1">
+            <a:schemeClr val="accent1"/>
+          </a:fillRef>
+          <a:effectRef idx="0">
+            <a:schemeClr val="accent1"/>
+          </a:effectRef>
+          <a:fontRef idx="minor">
+            <a:schemeClr val="lt1"/>
+          </a:fontRef>
+        </p:style>
+        <p:txBody>
+          <a:bodyPr rtlCol="0" anchor="ctr"/>
+          <a:lstStyle/>
+          <a:p>
+            <a:pPr algn="ctr"/>
+            <a:endParaRPr lang="en-US"/>
+          </a:p>
+        </p:txBody>
+      </p:sp>
+      <p:sp>
+        <p:nvSpPr>
+          <p:cNvPr id="4" name="TextBox 3"/>
+          <p:cNvSpPr txBox="1"/>
+          <p:nvPr/>
+        </p:nvSpPr>
+        <p:spPr>
+          <a:xfrm>
+            <a:off x="568117" y="5794075"/>
+            <a:ext cx="7966283" cy="830997"/>
+          </a:xfrm>
+          <a:prstGeom prst="rect">
+            <a:avLst/>
+          </a:prstGeom>
+          <a:noFill/>
+          <a:ln w="12700">
+            <a:solidFill>
+              <a:schemeClr val="tx1"/>
+            </a:solidFill>
+            <a:prstDash val="dash"/>
+          </a:ln>
+        </p:spPr>
+        <p:txBody>
+          <a:bodyPr wrap="none" rtlCol="0">
+            <a:spAutoFit/>
+          </a:bodyPr>
+          <a:lstStyle/>
+          <a:p>
+            <a:r>
+              <a:rPr lang="en-US" sz="1200" b="1" i="1" dirty="0"/>
+              <a:t>Good Practice</a:t>
+            </a:r>
+            <a:r>
+              <a:rPr lang="en-US" sz="1200" dirty="0"/>
+              <a:t>: it's generally considered good practice to have non-inheriting classes explicitly inherit from the "object" </a:t>
+            </a:r>
+            <a:r>
+              <a:rPr lang="en-US" sz="1200" dirty="0" smtClean="0"/>
+              <a:t>class.</a:t>
+            </a:r>
+          </a:p>
+          <a:p>
+            <a:endParaRPr lang="en-US" sz="1200" dirty="0"/>
+          </a:p>
+          <a:p>
+            <a:r>
+              <a:rPr lang="en-US" sz="1200" b="1" i="1" dirty="0"/>
+              <a:t> </a:t>
+            </a:r>
+            <a:r>
+              <a:rPr lang="en-US" sz="1200" b="1" i="1" dirty="0" smtClean="0"/>
+              <a:t>Example: </a:t>
+            </a:r>
+            <a:r>
+              <a:rPr lang="en-US" sz="1200" dirty="0" smtClean="0">
+                <a:solidFill>
+                  <a:srgbClr val="00B050"/>
+                </a:solidFill>
+              </a:rPr>
+              <a:t>class </a:t>
+            </a:r>
+            <a:r>
+              <a:rPr lang="en-US" sz="1200" dirty="0">
+                <a:solidFill>
+                  <a:srgbClr val="00B050"/>
+                </a:solidFill>
+              </a:rPr>
+              <a:t>Node</a:t>
+            </a:r>
+            <a:r>
+              <a:rPr lang="en-US" sz="1200" dirty="0" smtClean="0">
+                <a:solidFill>
+                  <a:srgbClr val="00B050"/>
+                </a:solidFill>
+              </a:rPr>
+              <a:t>: </a:t>
+            </a:r>
+            <a:r>
+              <a:rPr lang="en-US" sz="1200" dirty="0" smtClean="0"/>
+              <a:t>would become </a:t>
+            </a:r>
+            <a:r>
+              <a:rPr lang="en-US" sz="1200" dirty="0" smtClean="0">
+                <a:solidFill>
+                  <a:srgbClr val="00B050"/>
+                </a:solidFill>
+              </a:rPr>
+              <a:t>class Node(object):</a:t>
+            </a:r>
+            <a:r>
+              <a:rPr lang="en-US" sz="1200" dirty="0">
+                <a:solidFill>
+                  <a:srgbClr val="00B050"/>
+                </a:solidFill>
+              </a:rPr>
+              <a:t/>
+            </a:r>
+            <a:br>
+              <a:rPr lang="en-US" sz="1200" dirty="0">
+                <a:solidFill>
+                  <a:srgbClr val="00B050"/>
+                </a:solidFill>
+              </a:rPr>
+            </a:br>
+            <a:endParaRPr lang="en-US" sz="1200" dirty="0">
+              <a:solidFill>
+                <a:srgbClr val="00B050"/>
+              </a:solidFill>
+            </a:endParaRPr>
+          </a:p>
+        </p:txBody>
+      </p:sp>
+    </p:spTree>
+    <p:extLst>
+      <p:ext uri="{BB962C8B-B14F-4D97-AF65-F5344CB8AC3E}">
+        <p14:creationId xmlns:p14="http://schemas.microsoft.com/office/powerpoint/2010/main" val="1569458606"/>
       </p:ext>
     </p:extLst>
   </p:cSld>
@@ -7174,7 +8034,7 @@
                   </a:schemeClr>
                 </a:solidFill>
               </a:rPr>
-              <a:t>Method Overloading using Default Parameter</a:t>
+              <a:t>Getter/Setter using Property Decorator</a:t>
             </a:r>
             <a:endParaRPr lang="en-US" sz="3600" dirty="0">
               <a:solidFill>
@@ -7226,7 +8086,7 @@
         <p:spPr>
           <a:xfrm>
             <a:off x="152400" y="1164134"/>
-            <a:ext cx="8458534" cy="1938992"/>
+            <a:ext cx="8439105" cy="1569660"/>
           </a:xfrm>
           <a:prstGeom prst="rect">
             <a:avLst/>
@@ -7251,9 +8111,21 @@
                   </a:schemeClr>
                 </a:solidFill>
               </a:rPr>
-              <a:t>A default parameter to a function is where a default value is </a:t>
-            </a:r>
-            <a:br>
+              <a:t>A decorator is a @property statement added before a function</a:t>
+            </a:r>
+          </a:p>
+          <a:p>
+            <a:r>
+              <a:rPr lang="en-US" sz="2400" b="1" dirty="0">
+                <a:solidFill>
+                  <a:schemeClr val="accent5">
+                    <a:lumMod val="75000"/>
+                  </a:schemeClr>
+                </a:solidFill>
+              </a:rPr>
+              <a:t> </a:t>
+            </a:r>
+            <a:r>
               <a:rPr lang="en-US" sz="2400" b="1" dirty="0" smtClean="0">
                 <a:solidFill>
                   <a:schemeClr val="accent5">
@@ -7261,41 +8133,8 @@
                   </a:schemeClr>
                 </a:solidFill>
               </a:rPr>
-            </a:br>
-            <a:r>
-              <a:rPr lang="en-US" sz="2400" b="1" dirty="0" smtClean="0">
-                <a:solidFill>
-                  <a:schemeClr val="accent5">
-                    <a:lumMod val="75000"/>
-                  </a:schemeClr>
-                </a:solidFill>
-              </a:rPr>
-              <a:t>specified in the function definition, when the function is called</a:t>
-            </a:r>
-          </a:p>
-          <a:p>
-            <a:r>
-              <a:rPr lang="en-US" sz="2400" b="1" dirty="0">
-                <a:solidFill>
-                  <a:schemeClr val="accent5">
-                    <a:lumMod val="75000"/>
-                  </a:schemeClr>
-                </a:solidFill>
-              </a:rPr>
-              <a:t> </a:t>
-            </a:r>
-            <a:r>
-              <a:rPr lang="en-US" sz="2400" b="1" dirty="0" smtClean="0">
-                <a:solidFill>
-                  <a:schemeClr val="accent5">
-                    <a:lumMod val="75000"/>
-                  </a:schemeClr>
-                </a:solidFill>
-              </a:rPr>
-              <a:t>   without the parameter.</a:t>
-            </a:r>
-          </a:p>
-          <a:p>
+              <a:t>   definition that changes a method into a property.</a:t>
+            </a:r>
             <a:endParaRPr lang="en-US" sz="2400" b="1" dirty="0" smtClean="0">
               <a:solidFill>
                 <a:schemeClr val="accent5">
@@ -7305,6 +8144,15 @@
             </a:endParaRPr>
           </a:p>
           <a:p>
+            <a:endParaRPr lang="en-US" sz="2400" b="1" dirty="0" smtClean="0">
+              <a:solidFill>
+                <a:schemeClr val="accent5">
+                  <a:lumMod val="75000"/>
+                </a:schemeClr>
+              </a:solidFill>
+            </a:endParaRPr>
+          </a:p>
+          <a:p>
             <a:pPr marL="285750" indent="-285750">
               <a:buFont typeface="Arial" panose="020B0604020202020204" pitchFamily="34" charset="0"/>
               <a:buChar char="•"/>
@@ -7317,8 +8165,15 @@
                   </a:schemeClr>
                 </a:solidFill>
               </a:rPr>
-              <a:t>Example: Setter and Getter</a:t>
-            </a:r>
+              <a:t>Getter/Setter</a:t>
+            </a:r>
+            <a:endParaRPr lang="en-US" sz="2400" b="1" dirty="0" smtClean="0">
+              <a:solidFill>
+                <a:schemeClr val="accent5">
+                  <a:lumMod val="75000"/>
+                </a:schemeClr>
+              </a:solidFill>
+            </a:endParaRPr>
           </a:p>
         </p:txBody>
       </p:sp>
@@ -7330,8 +8185,8 @@
         </p:nvSpPr>
         <p:spPr>
           <a:xfrm>
-            <a:off x="3200606" y="3581400"/>
-            <a:ext cx="3298595" cy="1569660"/>
+            <a:off x="3168066" y="2907456"/>
+            <a:ext cx="3298595" cy="3046988"/>
           </a:xfrm>
           <a:prstGeom prst="rect">
             <a:avLst/>
@@ -7347,13 +8202,55 @@
             <a:r>
               <a:rPr lang="en-US" sz="1600" dirty="0" smtClean="0">
                 <a:solidFill>
-                  <a:srgbClr val="00B050"/>
-                </a:solidFill>
-              </a:rPr>
-              <a:t># Set of Get Next</a:t>
-            </a:r>
-          </a:p>
-          <a:p>
+                  <a:srgbClr val="0070C0"/>
+                </a:solidFill>
+              </a:rPr>
+              <a:t>Class </a:t>
+            </a:r>
+            <a:r>
+              <a:rPr lang="en-US" sz="1600" dirty="0" smtClean="0"/>
+              <a:t>Node:</a:t>
+            </a:r>
+            <a:r>
+              <a:rPr lang="en-US" sz="1600" dirty="0" smtClean="0">
+                <a:solidFill>
+                  <a:srgbClr val="0070C0"/>
+                </a:solidFill>
+              </a:rPr>
+              <a:t/>
+            </a:r>
+            <a:br>
+              <a:rPr lang="en-US" sz="1600" dirty="0" smtClean="0">
+                <a:solidFill>
+                  <a:srgbClr val="0070C0"/>
+                </a:solidFill>
+              </a:rPr>
+            </a:br>
+            <a:r>
+              <a:rPr lang="en-US" sz="1600" dirty="0" smtClean="0">
+                <a:solidFill>
+                  <a:srgbClr val="0070C0"/>
+                </a:solidFill>
+              </a:rPr>
+              <a:t>	@property</a:t>
+            </a:r>
+            <a:endParaRPr lang="en-US" sz="1600" dirty="0" smtClean="0">
+              <a:solidFill>
+                <a:srgbClr val="0070C0"/>
+              </a:solidFill>
+            </a:endParaRPr>
+          </a:p>
+          <a:p>
+            <a:r>
+              <a:rPr lang="en-US" sz="1600" dirty="0" smtClean="0">
+                <a:solidFill>
+                  <a:schemeClr val="accent5">
+                    <a:lumMod val="75000"/>
+                  </a:schemeClr>
+                </a:solidFill>
+              </a:rPr>
+              <a:t>	</a:t>
+            </a:r>
             <a:r>
               <a:rPr lang="en-US" sz="1600" dirty="0" err="1" smtClean="0">
                 <a:solidFill>
@@ -7376,22 +8273,9 @@
             </a:r>
             <a:r>
               <a:rPr lang="en-US" sz="1600" dirty="0" smtClean="0"/>
-              <a:t>Next( self, next = </a:t>
-            </a:r>
-            <a:r>
-              <a:rPr lang="en-US" sz="1600" dirty="0" smtClean="0">
-                <a:solidFill>
-                  <a:schemeClr val="accent5">
-                    <a:lumMod val="75000"/>
-                  </a:schemeClr>
-                </a:solidFill>
-              </a:rPr>
-              <a:t>None</a:t>
-            </a:r>
-            <a:r>
-              <a:rPr lang="en-US" sz="1600" dirty="0" smtClean="0"/>
-              <a:t> )</a:t>
-            </a:r>
+              <a:t>next(self):</a:t>
+            </a:r>
+            <a:endParaRPr lang="en-US" sz="1600" dirty="0"/>
           </a:p>
           <a:p>
             <a:r>
@@ -7399,40 +8283,6 @@
               <a:t>	</a:t>
             </a:r>
             <a:r>
-              <a:rPr lang="en-US" sz="1600" dirty="0" smtClean="0">
-                <a:solidFill>
-                  <a:schemeClr val="accent5">
-                    <a:lumMod val="75000"/>
-                  </a:schemeClr>
-                </a:solidFill>
-              </a:rPr>
-              <a:t>if </a:t>
-            </a:r>
-            <a:r>
-              <a:rPr lang="en-US" sz="1600" dirty="0" smtClean="0"/>
-              <a:t>next </a:t>
-            </a:r>
-            <a:r>
-              <a:rPr lang="en-US" sz="1600" dirty="0" smtClean="0">
-                <a:solidFill>
-                  <a:schemeClr val="accent5">
-                    <a:lumMod val="75000"/>
-                  </a:schemeClr>
-                </a:solidFill>
-              </a:rPr>
-              <a:t>is None</a:t>
-            </a:r>
-            <a:r>
-              <a:rPr lang="en-US" sz="1600" dirty="0" smtClean="0"/>
-              <a:t>:</a:t>
-            </a:r>
-          </a:p>
-          <a:p>
-            <a:r>
-              <a:rPr lang="en-US" sz="1600" dirty="0"/>
-              <a:t>	</a:t>
-            </a:r>
-            <a:r>
               <a:rPr lang="en-US" sz="1600" dirty="0" smtClean="0"/>
               <a:t>	</a:t>
             </a:r>
@@ -7457,9 +8307,86 @@
             <a:endParaRPr lang="en-US" sz="1600" dirty="0" smtClean="0"/>
           </a:p>
           <a:p>
-            <a:r>
-              <a:rPr lang="en-US" sz="1600" dirty="0"/>
+            <a:endParaRPr lang="en-US" sz="1600" dirty="0" smtClean="0"/>
+          </a:p>
+          <a:p>
+            <a:r>
+              <a:rPr lang="en-US" sz="1600" dirty="0" smtClean="0">
+                <a:solidFill>
+                  <a:srgbClr val="0070C0"/>
+                </a:solidFill>
+              </a:rPr>
+              <a:t>	@</a:t>
+            </a:r>
+            <a:r>
+              <a:rPr lang="en-US" sz="1600" dirty="0" err="1" smtClean="0"/>
+              <a:t>next.</a:t>
+            </a:r>
+            <a:r>
+              <a:rPr lang="en-US" sz="1600" dirty="0" err="1" smtClean="0">
+                <a:solidFill>
+                  <a:srgbClr val="0070C0"/>
+                </a:solidFill>
+              </a:rPr>
+              <a:t>setter</a:t>
+            </a:r>
+            <a:r>
+              <a:rPr lang="en-US" sz="1600" dirty="0" smtClean="0">
+                <a:solidFill>
+                  <a:srgbClr val="0070C0"/>
+                </a:solidFill>
+              </a:rPr>
+              <a:t/>
+            </a:r>
+            <a:br>
+              <a:rPr lang="en-US" sz="1600" dirty="0" smtClean="0">
+                <a:solidFill>
+                  <a:srgbClr val="0070C0"/>
+                </a:solidFill>
+              </a:rPr>
+            </a:br>
+            <a:r>
+              <a:rPr lang="en-US" sz="1600" dirty="0" smtClean="0">
+                <a:solidFill>
+                  <a:srgbClr val="0070C0"/>
+                </a:solidFill>
+              </a:rPr>
               <a:t>	</a:t>
+            </a:r>
+            <a:r>
+              <a:rPr lang="en-US" sz="1600" dirty="0" err="1" smtClean="0">
+                <a:solidFill>
+                  <a:srgbClr val="0070C0"/>
+                </a:solidFill>
+              </a:rPr>
+              <a:t>def</a:t>
+            </a:r>
+            <a:r>
+              <a:rPr lang="en-US" sz="1600" dirty="0" smtClean="0">
+                <a:solidFill>
+                  <a:srgbClr val="0070C0"/>
+                </a:solidFill>
+              </a:rPr>
+              <a:t> </a:t>
+            </a:r>
+            <a:r>
+              <a:rPr lang="en-US" sz="1600" dirty="0" smtClean="0"/>
+              <a:t>next(</a:t>
+            </a:r>
+            <a:r>
+              <a:rPr lang="en-US" sz="1600" dirty="0" err="1" smtClean="0"/>
+              <a:t>self,next</a:t>
+            </a:r>
+            <a:r>
+              <a:rPr lang="en-US" sz="1600" dirty="0" smtClean="0"/>
+              <a:t>):</a:t>
+            </a:r>
+            <a:br>
+              <a:rPr lang="en-US" sz="1600" dirty="0" smtClean="0"/>
+            </a:br>
+            <a:r>
+              <a:rPr lang="en-US" sz="1600" dirty="0" smtClean="0"/>
+              <a:t>		</a:t>
             </a:r>
             <a:r>
               <a:rPr lang="en-US" sz="1600" dirty="0" err="1" smtClean="0"/>
@@ -7471,6 +8398,46 @@
             </a:r>
           </a:p>
           <a:p>
+            <a:endParaRPr lang="en-US" sz="1600" dirty="0"/>
+          </a:p>
+          <a:p>
+            <a:r>
+              <a:rPr lang="en-US" sz="1600" dirty="0" smtClean="0"/>
+              <a:t>node = Node()</a:t>
+            </a:r>
+          </a:p>
+          <a:p>
+            <a:r>
+              <a:rPr lang="en-US" sz="1600" dirty="0" err="1" smtClean="0"/>
+              <a:t>node.next</a:t>
+            </a:r>
+            <a:r>
+              <a:rPr lang="en-US" sz="1600" dirty="0" smtClean="0"/>
+              <a:t> = </a:t>
+            </a:r>
+            <a:r>
+              <a:rPr lang="en-US" sz="1600" dirty="0" smtClean="0">
+                <a:solidFill>
+                  <a:srgbClr val="0070C0"/>
+                </a:solidFill>
+              </a:rPr>
+              <a:t>new</a:t>
+            </a:r>
+            <a:r>
+              <a:rPr lang="en-US" sz="1600" dirty="0" smtClean="0"/>
+              <a:t> Node()</a:t>
+            </a:r>
+            <a:br>
+              <a:rPr lang="en-US" sz="1600" dirty="0" smtClean="0"/>
+            </a:br>
+            <a:r>
+              <a:rPr lang="en-US" sz="1600" dirty="0" smtClean="0"/>
+              <a:t>next = </a:t>
+            </a:r>
+            <a:r>
+              <a:rPr lang="en-US" sz="1600" dirty="0" err="1" smtClean="0"/>
+              <a:t>node.next</a:t>
+            </a:r>
             <a:endParaRPr lang="en-US" sz="1600" dirty="0" smtClean="0"/>
           </a:p>
         </p:txBody>
@@ -7483,8 +8450,8 @@
         </p:nvSpPr>
         <p:spPr>
           <a:xfrm>
-            <a:off x="4678706" y="3233476"/>
-            <a:ext cx="1249573" cy="276999"/>
+            <a:off x="4412893" y="2735655"/>
+            <a:ext cx="808939" cy="276999"/>
           </a:xfrm>
           <a:prstGeom prst="rect">
             <a:avLst/>
@@ -7503,15 +8470,7 @@
                   <a:srgbClr val="FF0000"/>
                 </a:solidFill>
               </a:rPr>
-              <a:t>Default </a:t>
-            </a:r>
-            <a:r>
-              <a:rPr lang="en-US" sz="1200" dirty="0" err="1" smtClean="0">
-                <a:solidFill>
-                  <a:srgbClr val="FF0000"/>
-                </a:solidFill>
-              </a:rPr>
-              <a:t>Paramter</a:t>
+              <a:t>Decorator</a:t>
             </a:r>
             <a:endParaRPr lang="en-US" sz="1200" dirty="0">
               <a:solidFill>
@@ -7529,7 +8488,7 @@
         </p:nvSpPr>
         <p:spPr>
           <a:xfrm>
-            <a:off x="2705984" y="4227731"/>
+            <a:off x="3739896" y="3236634"/>
             <a:ext cx="235706" cy="138499"/>
           </a:xfrm>
           <a:prstGeom prst="rightArrow">
@@ -7577,7 +8536,7 @@
         </p:nvSpPr>
         <p:spPr>
           <a:xfrm>
-            <a:off x="5196786" y="3581400"/>
+            <a:off x="4710656" y="3021756"/>
             <a:ext cx="106707" cy="228600"/>
           </a:xfrm>
           <a:prstGeom prst="downArrow">
@@ -7625,8 +8584,8 @@
         </p:nvSpPr>
         <p:spPr>
           <a:xfrm>
-            <a:off x="2282502" y="4655149"/>
-            <a:ext cx="409856" cy="276999"/>
+            <a:off x="3343666" y="4188953"/>
+            <a:ext cx="382605" cy="276999"/>
           </a:xfrm>
           <a:prstGeom prst="rect">
             <a:avLst/>
@@ -7645,7 +8604,7 @@
                   <a:srgbClr val="FF0000"/>
                 </a:solidFill>
               </a:rPr>
-              <a:t>Get</a:t>
+              <a:t>Set</a:t>
             </a:r>
             <a:endParaRPr lang="en-US" sz="1200" dirty="0">
               <a:solidFill>
@@ -7663,7 +8622,7 @@
         </p:nvSpPr>
         <p:spPr>
           <a:xfrm>
-            <a:off x="2695481" y="4724400"/>
+            <a:off x="3756645" y="4258204"/>
             <a:ext cx="235706" cy="138499"/>
           </a:xfrm>
           <a:prstGeom prst="rightArrow">
@@ -7711,8 +8670,8 @@
         </p:nvSpPr>
         <p:spPr>
           <a:xfrm>
-            <a:off x="2296128" y="4158480"/>
-            <a:ext cx="382605" cy="276999"/>
+            <a:off x="3330040" y="3167383"/>
+            <a:ext cx="409856" cy="276999"/>
           </a:xfrm>
           <a:prstGeom prst="rect">
             <a:avLst/>
@@ -7731,7 +8690,179 @@
                   <a:srgbClr val="FF0000"/>
                 </a:solidFill>
               </a:rPr>
-              <a:t>Set</a:t>
+              <a:t>Get</a:t>
+            </a:r>
+            <a:endParaRPr lang="en-US" sz="1200" dirty="0">
+              <a:solidFill>
+                <a:srgbClr val="FF0000"/>
+              </a:solidFill>
+            </a:endParaRPr>
+          </a:p>
+        </p:txBody>
+      </p:sp>
+      <p:sp>
+        <p:nvSpPr>
+          <p:cNvPr id="13" name="Right Arrow 12"/>
+          <p:cNvSpPr/>
+          <p:nvPr/>
+        </p:nvSpPr>
+        <p:spPr>
+          <a:xfrm>
+            <a:off x="2819400" y="5479450"/>
+            <a:ext cx="235706" cy="138499"/>
+          </a:xfrm>
+          <a:prstGeom prst="rightArrow">
+            <a:avLst/>
+          </a:prstGeom>
+          <a:solidFill>
+            <a:srgbClr val="FF0000"/>
+          </a:solidFill>
+          <a:ln>
+            <a:solidFill>
+              <a:srgbClr val="FF0000"/>
+            </a:solidFill>
+          </a:ln>
+        </p:spPr>
+        <p:style>
+          <a:lnRef idx="2">
+            <a:schemeClr val="accent1">
+              <a:shade val="50000"/>
+            </a:schemeClr>
+          </a:lnRef>
+          <a:fillRef idx="1">
+            <a:schemeClr val="accent1"/>
+          </a:fillRef>
+          <a:effectRef idx="0">
+            <a:schemeClr val="accent1"/>
+          </a:effectRef>
+          <a:fontRef idx="minor">
+            <a:schemeClr val="lt1"/>
+          </a:fontRef>
+        </p:style>
+        <p:txBody>
+          <a:bodyPr rtlCol="0" anchor="ctr"/>
+          <a:lstStyle/>
+          <a:p>
+            <a:pPr algn="ctr"/>
+            <a:endParaRPr lang="en-US"/>
+          </a:p>
+        </p:txBody>
+      </p:sp>
+      <p:sp>
+        <p:nvSpPr>
+          <p:cNvPr id="14" name="TextBox 13"/>
+          <p:cNvSpPr txBox="1"/>
+          <p:nvPr/>
+        </p:nvSpPr>
+        <p:spPr>
+          <a:xfrm>
+            <a:off x="609600" y="5410199"/>
+            <a:ext cx="2195922" cy="276999"/>
+          </a:xfrm>
+          <a:prstGeom prst="rect">
+            <a:avLst/>
+          </a:prstGeom>
+          <a:noFill/>
+        </p:spPr>
+        <p:txBody>
+          <a:bodyPr wrap="none" rtlCol="0">
+            <a:spAutoFit/>
+          </a:bodyPr>
+          <a:lstStyle/>
+          <a:p>
+            <a:r>
+              <a:rPr lang="en-US" sz="1200" dirty="0" smtClean="0">
+                <a:solidFill>
+                  <a:srgbClr val="FF0000"/>
+                </a:solidFill>
+              </a:rPr>
+              <a:t>Setter used as property – no ()’s</a:t>
+            </a:r>
+            <a:endParaRPr lang="en-US" sz="1200" dirty="0">
+              <a:solidFill>
+                <a:srgbClr val="FF0000"/>
+              </a:solidFill>
+            </a:endParaRPr>
+          </a:p>
+        </p:txBody>
+      </p:sp>
+      <p:sp>
+        <p:nvSpPr>
+          <p:cNvPr id="15" name="Right Arrow 14"/>
+          <p:cNvSpPr/>
+          <p:nvPr/>
+        </p:nvSpPr>
+        <p:spPr>
+          <a:xfrm rot="10800000">
+            <a:off x="5218914" y="5697015"/>
+            <a:ext cx="235706" cy="138499"/>
+          </a:xfrm>
+          <a:prstGeom prst="rightArrow">
+            <a:avLst/>
+          </a:prstGeom>
+          <a:solidFill>
+            <a:srgbClr val="FF0000"/>
+          </a:solidFill>
+          <a:ln>
+            <a:solidFill>
+              <a:srgbClr val="FF0000"/>
+            </a:solidFill>
+          </a:ln>
+        </p:spPr>
+        <p:style>
+          <a:lnRef idx="2">
+            <a:schemeClr val="accent1">
+              <a:shade val="50000"/>
+            </a:schemeClr>
+          </a:lnRef>
+          <a:fillRef idx="1">
+            <a:schemeClr val="accent1"/>
+          </a:fillRef>
+          <a:effectRef idx="0">
+            <a:schemeClr val="accent1"/>
+          </a:effectRef>
+          <a:fontRef idx="minor">
+            <a:schemeClr val="lt1"/>
+          </a:fontRef>
+        </p:style>
+        <p:txBody>
+          <a:bodyPr rtlCol="0" anchor="ctr"/>
+          <a:lstStyle/>
+          <a:p>
+            <a:pPr algn="ctr"/>
+            <a:endParaRPr lang="en-US"/>
+          </a:p>
+        </p:txBody>
+      </p:sp>
+      <p:sp>
+        <p:nvSpPr>
+          <p:cNvPr id="16" name="TextBox 15"/>
+          <p:cNvSpPr txBox="1"/>
+          <p:nvPr/>
+        </p:nvSpPr>
+        <p:spPr>
+          <a:xfrm>
+            <a:off x="5454620" y="5630634"/>
+            <a:ext cx="2195922" cy="276999"/>
+          </a:xfrm>
+          <a:prstGeom prst="rect">
+            <a:avLst/>
+          </a:prstGeom>
+          <a:noFill/>
+        </p:spPr>
+        <p:txBody>
+          <a:bodyPr wrap="none" rtlCol="0">
+            <a:spAutoFit/>
+          </a:bodyPr>
+          <a:lstStyle/>
+          <a:p>
+            <a:r>
+              <a:rPr lang="en-US" sz="1200" dirty="0" smtClean="0">
+                <a:solidFill>
+                  <a:srgbClr val="FF0000"/>
+                </a:solidFill>
+              </a:rPr>
+              <a:t>Getter used as property – no ()’s</a:t>
             </a:r>
             <a:endParaRPr lang="en-US" sz="1200" dirty="0">
               <a:solidFill>
@@ -7790,8 +8921,8 @@
         </p:nvSpPr>
         <p:spPr>
           <a:xfrm>
-            <a:off x="457200" y="274638"/>
-            <a:ext cx="8305800" cy="792162"/>
+            <a:off x="152400" y="274638"/>
+            <a:ext cx="8991600" cy="792162"/>
           </a:xfrm>
         </p:spPr>
         <p:txBody>
@@ -7802,16 +8933,16 @@
           <a:p>
             <a:pPr algn="l"/>
             <a:r>
-              <a:rPr lang="en-US" dirty="0" smtClean="0">
+              <a:rPr lang="en-US" sz="3600" dirty="0" smtClean="0">
                 <a:solidFill>
                   <a:schemeClr val="accent1">
                     <a:lumMod val="75000"/>
                   </a:schemeClr>
                 </a:solidFill>
               </a:rPr>
-              <a:t>Operator Overloading</a:t>
-            </a:r>
-            <a:endParaRPr lang="en-US" dirty="0">
+              <a:t>Method Overloading using Default Parameter</a:t>
+            </a:r>
+            <a:endParaRPr lang="en-US" sz="3600" dirty="0">
               <a:solidFill>
                 <a:schemeClr val="accent1">
                   <a:lumMod val="75000"/>
@@ -7861,7 +8992,7 @@
         <p:spPr>
           <a:xfrm>
             <a:off x="152400" y="1164134"/>
-            <a:ext cx="9295493" cy="5139869"/>
+            <a:ext cx="8458534" cy="1938992"/>
           </a:xfrm>
           <a:prstGeom prst="rect">
             <a:avLst/>
@@ -7881,14 +9012,14 @@
             <a:r>
               <a:rPr lang="en-US" sz="2400" b="1" dirty="0" smtClean="0">
                 <a:solidFill>
-                  <a:schemeClr val="accent6">
-                    <a:lumMod val="75000"/>
-                  </a:schemeClr>
-                </a:solidFill>
-              </a:rPr>
-              <a:t>Built-in operators</a:t>
-            </a:r>
-            <a:r>
+                  <a:schemeClr val="accent5">
+                    <a:lumMod val="75000"/>
+                  </a:schemeClr>
+                </a:solidFill>
+              </a:rPr>
+              <a:t>A default parameter to a function is where a default value is </a:t>
+            </a:r>
+            <a:br>
               <a:rPr lang="en-US" sz="2400" b="1" dirty="0" smtClean="0">
                 <a:solidFill>
                   <a:schemeClr val="accent5">
@@ -7896,17 +9027,28 @@
                   </a:schemeClr>
                 </a:solidFill>
               </a:rPr>
-              <a:t> (+, -, </a:t>
-            </a:r>
-            <a:r>
-              <a:rPr lang="en-US" sz="2400" b="1" dirty="0" err="1" smtClean="0">
+            </a:br>
+            <a:r>
+              <a:rPr lang="en-US" sz="2400" b="1" dirty="0" smtClean="0">
                 <a:solidFill>
                   <a:schemeClr val="accent5">
                     <a:lumMod val="75000"/>
                   </a:schemeClr>
                 </a:solidFill>
               </a:rPr>
-              <a:t>str</a:t>
+              <a:t>specified in the function definition, when the function is called</a:t>
+            </a:r>
+          </a:p>
+          <a:p>
+            <a:r>
+              <a:rPr lang="en-US" sz="2400" b="1" dirty="0">
+                <a:solidFill>
+                  <a:schemeClr val="accent5">
+                    <a:lumMod val="75000"/>
+                  </a:schemeClr>
+                </a:solidFill>
+              </a:rPr>
+              <a:t> </a:t>
             </a:r>
             <a:r>
               <a:rPr lang="en-US" sz="2400" b="1" dirty="0" smtClean="0">
@@ -7916,76 +9058,10 @@
                   </a:schemeClr>
                 </a:solidFill>
               </a:rPr>
-              <a:t>(), </a:t>
-            </a:r>
-            <a:r>
-              <a:rPr lang="en-US" sz="2400" b="1" dirty="0" err="1" smtClean="0">
-                <a:solidFill>
-                  <a:schemeClr val="accent5">
-                    <a:lumMod val="75000"/>
-                  </a:schemeClr>
-                </a:solidFill>
-              </a:rPr>
-              <a:t>int</a:t>
-            </a:r>
-            <a:r>
-              <a:rPr lang="en-US" sz="2400" b="1" dirty="0" smtClean="0">
-                <a:solidFill>
-                  <a:schemeClr val="accent5">
-                    <a:lumMod val="75000"/>
-                  </a:schemeClr>
-                </a:solidFill>
-              </a:rPr>
-              <a:t>(), … ) can be </a:t>
-            </a:r>
-            <a:r>
-              <a:rPr lang="en-US" sz="2400" b="1" dirty="0" smtClean="0">
-                <a:solidFill>
-                  <a:schemeClr val="accent6">
-                    <a:lumMod val="75000"/>
-                  </a:schemeClr>
-                </a:solidFill>
-              </a:rPr>
-              <a:t>overloaded</a:t>
-            </a:r>
-            <a:r>
-              <a:rPr lang="en-US" sz="2400" b="1" dirty="0" smtClean="0">
-                <a:solidFill>
-                  <a:schemeClr val="accent5">
-                    <a:lumMod val="75000"/>
-                  </a:schemeClr>
-                </a:solidFill>
-              </a:rPr>
-              <a:t> for a</a:t>
-            </a:r>
-          </a:p>
-          <a:p>
-            <a:r>
-              <a:rPr lang="en-US" sz="2400" b="1" dirty="0">
-                <a:solidFill>
-                  <a:schemeClr val="accent5">
-                    <a:lumMod val="75000"/>
-                  </a:schemeClr>
-                </a:solidFill>
-              </a:rPr>
-              <a:t> </a:t>
-            </a:r>
-            <a:r>
-              <a:rPr lang="en-US" sz="2400" b="1" dirty="0" smtClean="0">
-                <a:solidFill>
-                  <a:schemeClr val="accent5">
-                    <a:lumMod val="75000"/>
-                  </a:schemeClr>
-                </a:solidFill>
-              </a:rPr>
-              <a:t>   class object in Python.</a:t>
-            </a:r>
-          </a:p>
-          <a:p>
-            <a:pPr marL="285750" indent="-285750">
-              <a:buFont typeface="Arial" panose="020B0604020202020204" pitchFamily="34" charset="0"/>
-              <a:buChar char="•"/>
-            </a:pPr>
+              <a:t>   without the parameter.</a:t>
+            </a:r>
+          </a:p>
+          <a:p>
             <a:endParaRPr lang="en-US" sz="2400" b="1" dirty="0" smtClean="0">
               <a:solidFill>
                 <a:schemeClr val="accent5">
@@ -8007,429 +9083,425 @@
                   </a:schemeClr>
                 </a:solidFill>
               </a:rPr>
-              <a:t>Each class has a </a:t>
-            </a:r>
-            <a:r>
-              <a:rPr lang="en-US" sz="2400" b="1" dirty="0" smtClean="0">
-                <a:solidFill>
-                  <a:schemeClr val="accent6">
-                    <a:lumMod val="75000"/>
-                  </a:schemeClr>
-                </a:solidFill>
-              </a:rPr>
-              <a:t>default implementation </a:t>
-            </a:r>
-            <a:r>
-              <a:rPr lang="en-US" sz="2400" b="1" dirty="0" smtClean="0">
+              <a:t>Example: Setter and Getter</a:t>
+            </a:r>
+          </a:p>
+        </p:txBody>
+      </p:sp>
+      <p:sp>
+        <p:nvSpPr>
+          <p:cNvPr id="3" name="TextBox 2"/>
+          <p:cNvSpPr txBox="1"/>
+          <p:nvPr/>
+        </p:nvSpPr>
+        <p:spPr>
+          <a:xfrm>
+            <a:off x="3200606" y="3581400"/>
+            <a:ext cx="3298595" cy="1569660"/>
+          </a:xfrm>
+          <a:prstGeom prst="rect">
+            <a:avLst/>
+          </a:prstGeom>
+          <a:noFill/>
+        </p:spPr>
+        <p:txBody>
+          <a:bodyPr wrap="none" rtlCol="0">
+            <a:spAutoFit/>
+          </a:bodyPr>
+          <a:lstStyle/>
+          <a:p>
+            <a:r>
+              <a:rPr lang="en-US" sz="1600" dirty="0" smtClean="0">
+                <a:solidFill>
+                  <a:srgbClr val="00B050"/>
+                </a:solidFill>
+              </a:rPr>
+              <a:t># Set of Get Next</a:t>
+            </a:r>
+          </a:p>
+          <a:p>
+            <a:r>
+              <a:rPr lang="en-US" sz="1600" dirty="0" err="1" smtClean="0">
                 <a:solidFill>
                   <a:schemeClr val="accent5">
                     <a:lumMod val="75000"/>
                   </a:schemeClr>
                 </a:solidFill>
               </a:rPr>
-              <a:t>for built-in operators.</a:t>
-            </a:r>
-          </a:p>
-          <a:p>
-            <a:r>
-              <a:rPr lang="en-US" sz="2400" b="1" dirty="0" smtClean="0">
+              <a:t>def</a:t>
+            </a:r>
+            <a:r>
+              <a:rPr lang="en-US" sz="1600" dirty="0" smtClean="0">
                 <a:solidFill>
                   <a:schemeClr val="accent5">
                     <a:lumMod val="75000"/>
                   </a:schemeClr>
                 </a:solidFill>
               </a:rPr>
-              <a:t>    the default implementations (</a:t>
-            </a:r>
-            <a:r>
-              <a:rPr lang="en-US" sz="2400" b="1" u="sng" dirty="0" smtClean="0">
-                <a:solidFill>
-                  <a:schemeClr val="accent6">
-                    <a:lumMod val="75000"/>
-                  </a:schemeClr>
-                </a:solidFill>
-              </a:rPr>
-              <a:t>magic methods</a:t>
-            </a:r>
-            <a:r>
-              <a:rPr lang="en-US" sz="2400" b="1" dirty="0" smtClean="0">
+              <a:t> </a:t>
+            </a:r>
+            <a:r>
+              <a:rPr lang="en-US" sz="1600" dirty="0" smtClean="0"/>
+              <a:t>Next( self, next = </a:t>
+            </a:r>
+            <a:r>
+              <a:rPr lang="en-US" sz="1600" dirty="0" smtClean="0">
                 <a:solidFill>
                   <a:schemeClr val="accent5">
                     <a:lumMod val="75000"/>
                   </a:schemeClr>
                 </a:solidFill>
               </a:rPr>
-              <a:t>) can be </a:t>
-            </a:r>
-            <a:r>
-              <a:rPr lang="en-US" sz="2400" b="1" dirty="0" smtClean="0">
-                <a:solidFill>
-                  <a:schemeClr val="accent6">
-                    <a:lumMod val="75000"/>
-                  </a:schemeClr>
-                </a:solidFill>
-              </a:rPr>
-              <a:t>overridden</a:t>
-            </a:r>
-            <a:r>
-              <a:rPr lang="en-US" sz="2400" b="1" dirty="0" smtClean="0">
+              <a:t>None</a:t>
+            </a:r>
+            <a:r>
+              <a:rPr lang="en-US" sz="1600" dirty="0" smtClean="0"/>
+              <a:t> )</a:t>
+            </a:r>
+          </a:p>
+          <a:p>
+            <a:r>
+              <a:rPr lang="en-US" sz="1600" dirty="0"/>
+              <a:t>	</a:t>
+            </a:r>
+            <a:r>
+              <a:rPr lang="en-US" sz="1600" dirty="0" smtClean="0">
                 <a:solidFill>
                   <a:schemeClr val="accent5">
                     <a:lumMod val="75000"/>
                   </a:schemeClr>
                 </a:solidFill>
               </a:rPr>
-              <a:t> to </a:t>
-            </a:r>
-            <a:br>
-              <a:rPr lang="en-US" sz="2400" b="1" dirty="0" smtClean="0">
+              <a:t>if </a:t>
+            </a:r>
+            <a:r>
+              <a:rPr lang="en-US" sz="1600" dirty="0" smtClean="0"/>
+              <a:t>next </a:t>
+            </a:r>
+            <a:r>
+              <a:rPr lang="en-US" sz="1600" dirty="0" smtClean="0">
                 <a:solidFill>
                   <a:schemeClr val="accent5">
                     <a:lumMod val="75000"/>
                   </a:schemeClr>
                 </a:solidFill>
               </a:rPr>
-            </a:br>
-            <a:r>
-              <a:rPr lang="en-US" sz="2400" b="1" dirty="0" smtClean="0">
+              <a:t>is None</a:t>
+            </a:r>
+            <a:r>
+              <a:rPr lang="en-US" sz="1600" dirty="0" smtClean="0"/>
+              <a:t>:</a:t>
+            </a:r>
+          </a:p>
+          <a:p>
+            <a:r>
+              <a:rPr lang="en-US" sz="1600" dirty="0"/>
+              <a:t>	</a:t>
+            </a:r>
+            <a:r>
+              <a:rPr lang="en-US" sz="1600" dirty="0" smtClean="0"/>
+              <a:t>	</a:t>
+            </a:r>
+            <a:r>
+              <a:rPr lang="en-US" sz="1600" dirty="0" smtClean="0">
                 <a:solidFill>
                   <a:schemeClr val="accent5">
                     <a:lumMod val="75000"/>
                   </a:schemeClr>
                 </a:solidFill>
               </a:rPr>
-              <a:t>    implement operator overloading.</a:t>
-            </a:r>
-          </a:p>
-          <a:p>
-            <a:pPr marL="285750" indent="-285750">
-              <a:buFont typeface="Arial" panose="020B0604020202020204" pitchFamily="34" charset="0"/>
-              <a:buChar char="•"/>
-            </a:pPr>
-            <a:endParaRPr lang="en-US" sz="2400" b="1" dirty="0" smtClean="0">
+              <a:t>return</a:t>
+            </a:r>
+            <a:r>
+              <a:rPr lang="en-US" sz="1600" dirty="0" smtClean="0"/>
+              <a:t> </a:t>
+            </a:r>
+            <a:r>
+              <a:rPr lang="en-US" sz="1600" dirty="0" err="1" smtClean="0"/>
+              <a:t>self.next</a:t>
+            </a:r>
+            <a:endParaRPr lang="en-US" sz="1600" dirty="0" smtClean="0"/>
+          </a:p>
+          <a:p>
+            <a:r>
+              <a:rPr lang="en-US" sz="1600" dirty="0"/>
+              <a:t>	</a:t>
+            </a:r>
+            <a:r>
+              <a:rPr lang="en-US" sz="1600" dirty="0" err="1" smtClean="0"/>
+              <a:t>self.next</a:t>
+            </a:r>
+            <a:r>
+              <a:rPr lang="en-US" sz="1600" dirty="0" smtClean="0"/>
+              <a:t> = next</a:t>
+            </a:r>
+          </a:p>
+          <a:p>
+            <a:endParaRPr lang="en-US" sz="1600" dirty="0" smtClean="0"/>
+          </a:p>
+        </p:txBody>
+      </p:sp>
+      <p:sp>
+        <p:nvSpPr>
+          <p:cNvPr id="4" name="TextBox 3"/>
+          <p:cNvSpPr txBox="1"/>
+          <p:nvPr/>
+        </p:nvSpPr>
+        <p:spPr>
+          <a:xfrm>
+            <a:off x="4678706" y="3233476"/>
+            <a:ext cx="1249573" cy="276999"/>
+          </a:xfrm>
+          <a:prstGeom prst="rect">
+            <a:avLst/>
+          </a:prstGeom>
+          <a:noFill/>
+        </p:spPr>
+        <p:txBody>
+          <a:bodyPr wrap="none" rtlCol="0">
+            <a:spAutoFit/>
+          </a:bodyPr>
+          <a:lstStyle/>
+          <a:p>
+            <a:r>
+              <a:rPr lang="en-US" sz="1200" dirty="0" smtClean="0">
+                <a:solidFill>
+                  <a:srgbClr val="FF0000"/>
+                </a:solidFill>
+              </a:rPr>
+              <a:t>Default </a:t>
+            </a:r>
+            <a:r>
+              <a:rPr lang="en-US" sz="1200" dirty="0" err="1" smtClean="0">
+                <a:solidFill>
+                  <a:srgbClr val="FF0000"/>
+                </a:solidFill>
+              </a:rPr>
+              <a:t>Paramter</a:t>
+            </a:r>
+            <a:endParaRPr lang="en-US" sz="1200" dirty="0">
               <a:solidFill>
-                <a:schemeClr val="accent5">
-                  <a:lumMod val="75000"/>
-                </a:schemeClr>
+                <a:srgbClr val="FF0000"/>
               </a:solidFill>
             </a:endParaRPr>
           </a:p>
-          <a:p>
-            <a:pPr marL="285750" indent="-285750">
-              <a:buFont typeface="Arial" panose="020B0604020202020204" pitchFamily="34" charset="0"/>
-              <a:buChar char="•"/>
-            </a:pPr>
-            <a:r>
-              <a:rPr lang="en-US" sz="2400" b="1" dirty="0" smtClean="0">
-                <a:solidFill>
-                  <a:schemeClr val="accent5">
-                    <a:lumMod val="75000"/>
-                  </a:schemeClr>
-                </a:solidFill>
-              </a:rPr>
-              <a:t>Built-in operators are designated using the double dash </a:t>
-            </a:r>
-            <a:r>
-              <a:rPr lang="en-US" sz="2400" b="1" dirty="0" smtClean="0">
-                <a:solidFill>
-                  <a:schemeClr val="accent6">
-                    <a:lumMod val="75000"/>
-                  </a:schemeClr>
-                </a:solidFill>
-              </a:rPr>
-              <a:t>__name__</a:t>
-            </a:r>
-          </a:p>
-          <a:p>
-            <a:r>
-              <a:rPr lang="en-US" sz="2400" b="1" dirty="0" smtClean="0">
-                <a:solidFill>
-                  <a:schemeClr val="accent5">
-                    <a:lumMod val="75000"/>
-                  </a:schemeClr>
-                </a:solidFill>
-              </a:rPr>
-              <a:t>    convention. Below are some of these magic methods:</a:t>
-            </a:r>
-            <a:endParaRPr lang="en-US" sz="1600" b="1" dirty="0" smtClean="0">
+        </p:txBody>
+      </p:sp>
+      <p:sp>
+        <p:nvSpPr>
+          <p:cNvPr id="6" name="Right Arrow 5"/>
+          <p:cNvSpPr/>
+          <p:nvPr/>
+        </p:nvSpPr>
+        <p:spPr>
+          <a:xfrm>
+            <a:off x="2705984" y="4227731"/>
+            <a:ext cx="235706" cy="138499"/>
+          </a:xfrm>
+          <a:prstGeom prst="rightArrow">
+            <a:avLst/>
+          </a:prstGeom>
+          <a:solidFill>
+            <a:srgbClr val="FF0000"/>
+          </a:solidFill>
+          <a:ln>
+            <a:solidFill>
+              <a:srgbClr val="FF0000"/>
+            </a:solidFill>
+          </a:ln>
+        </p:spPr>
+        <p:style>
+          <a:lnRef idx="2">
+            <a:schemeClr val="accent1">
+              <a:shade val="50000"/>
+            </a:schemeClr>
+          </a:lnRef>
+          <a:fillRef idx="1">
+            <a:schemeClr val="accent1"/>
+          </a:fillRef>
+          <a:effectRef idx="0">
+            <a:schemeClr val="accent1"/>
+          </a:effectRef>
+          <a:fontRef idx="minor">
+            <a:schemeClr val="lt1"/>
+          </a:fontRef>
+        </p:style>
+        <p:txBody>
+          <a:bodyPr rtlCol="0" anchor="ctr"/>
+          <a:lstStyle/>
+          <a:p>
+            <a:pPr algn="ctr"/>
+            <a:endParaRPr lang="en-US"/>
+          </a:p>
+        </p:txBody>
+      </p:sp>
+      <p:sp>
+        <p:nvSpPr>
+          <p:cNvPr id="7" name="Down Arrow 6"/>
+          <p:cNvSpPr/>
+          <p:nvPr/>
+        </p:nvSpPr>
+        <p:spPr>
+          <a:xfrm>
+            <a:off x="5196786" y="3581400"/>
+            <a:ext cx="106707" cy="228600"/>
+          </a:xfrm>
+          <a:prstGeom prst="downArrow">
+            <a:avLst/>
+          </a:prstGeom>
+          <a:solidFill>
+            <a:srgbClr val="FF0000"/>
+          </a:solidFill>
+          <a:ln>
+            <a:solidFill>
+              <a:srgbClr val="FF0000"/>
+            </a:solidFill>
+          </a:ln>
+        </p:spPr>
+        <p:style>
+          <a:lnRef idx="2">
+            <a:schemeClr val="accent1">
+              <a:shade val="50000"/>
+            </a:schemeClr>
+          </a:lnRef>
+          <a:fillRef idx="1">
+            <a:schemeClr val="accent1"/>
+          </a:fillRef>
+          <a:effectRef idx="0">
+            <a:schemeClr val="accent1"/>
+          </a:effectRef>
+          <a:fontRef idx="minor">
+            <a:schemeClr val="lt1"/>
+          </a:fontRef>
+        </p:style>
+        <p:txBody>
+          <a:bodyPr rtlCol="0" anchor="ctr"/>
+          <a:lstStyle/>
+          <a:p>
+            <a:pPr algn="ctr"/>
+            <a:endParaRPr lang="en-US"/>
+          </a:p>
+        </p:txBody>
+      </p:sp>
+      <p:sp>
+        <p:nvSpPr>
+          <p:cNvPr id="9" name="TextBox 8"/>
+          <p:cNvSpPr txBox="1"/>
+          <p:nvPr/>
+        </p:nvSpPr>
+        <p:spPr>
+          <a:xfrm>
+            <a:off x="2282502" y="4655149"/>
+            <a:ext cx="409856" cy="276999"/>
+          </a:xfrm>
+          <a:prstGeom prst="rect">
+            <a:avLst/>
+          </a:prstGeom>
+          <a:noFill/>
+        </p:spPr>
+        <p:txBody>
+          <a:bodyPr wrap="none" rtlCol="0">
+            <a:spAutoFit/>
+          </a:bodyPr>
+          <a:lstStyle/>
+          <a:p>
+            <a:r>
+              <a:rPr lang="en-US" sz="1200" dirty="0" smtClean="0">
+                <a:solidFill>
+                  <a:srgbClr val="FF0000"/>
+                </a:solidFill>
+              </a:rPr>
+              <a:t>Get</a:t>
+            </a:r>
+            <a:endParaRPr lang="en-US" sz="1200" dirty="0">
               <a:solidFill>
-                <a:schemeClr val="accent5">
-                  <a:lumMod val="75000"/>
-                </a:schemeClr>
+                <a:srgbClr val="FF0000"/>
               </a:solidFill>
             </a:endParaRPr>
           </a:p>
-          <a:p>
-            <a:endParaRPr lang="en-US" sz="1600" b="1" dirty="0" smtClean="0">
+        </p:txBody>
+      </p:sp>
+      <p:sp>
+        <p:nvSpPr>
+          <p:cNvPr id="10" name="Right Arrow 9"/>
+          <p:cNvSpPr/>
+          <p:nvPr/>
+        </p:nvSpPr>
+        <p:spPr>
+          <a:xfrm>
+            <a:off x="2695481" y="4724400"/>
+            <a:ext cx="235706" cy="138499"/>
+          </a:xfrm>
+          <a:prstGeom prst="rightArrow">
+            <a:avLst/>
+          </a:prstGeom>
+          <a:solidFill>
+            <a:srgbClr val="FF0000"/>
+          </a:solidFill>
+          <a:ln>
+            <a:solidFill>
+              <a:srgbClr val="FF0000"/>
+            </a:solidFill>
+          </a:ln>
+        </p:spPr>
+        <p:style>
+          <a:lnRef idx="2">
+            <a:schemeClr val="accent1">
+              <a:shade val="50000"/>
+            </a:schemeClr>
+          </a:lnRef>
+          <a:fillRef idx="1">
+            <a:schemeClr val="accent1"/>
+          </a:fillRef>
+          <a:effectRef idx="0">
+            <a:schemeClr val="accent1"/>
+          </a:effectRef>
+          <a:fontRef idx="minor">
+            <a:schemeClr val="lt1"/>
+          </a:fontRef>
+        </p:style>
+        <p:txBody>
+          <a:bodyPr rtlCol="0" anchor="ctr"/>
+          <a:lstStyle/>
+          <a:p>
+            <a:pPr algn="ctr"/>
+            <a:endParaRPr lang="en-US"/>
+          </a:p>
+        </p:txBody>
+      </p:sp>
+      <p:sp>
+        <p:nvSpPr>
+          <p:cNvPr id="12" name="TextBox 11"/>
+          <p:cNvSpPr txBox="1"/>
+          <p:nvPr/>
+        </p:nvSpPr>
+        <p:spPr>
+          <a:xfrm>
+            <a:off x="2296128" y="4158480"/>
+            <a:ext cx="382605" cy="276999"/>
+          </a:xfrm>
+          <a:prstGeom prst="rect">
+            <a:avLst/>
+          </a:prstGeom>
+          <a:noFill/>
+        </p:spPr>
+        <p:txBody>
+          <a:bodyPr wrap="none" rtlCol="0">
+            <a:spAutoFit/>
+          </a:bodyPr>
+          <a:lstStyle/>
+          <a:p>
+            <a:r>
+              <a:rPr lang="en-US" sz="1200" dirty="0" smtClean="0">
+                <a:solidFill>
+                  <a:srgbClr val="FF0000"/>
+                </a:solidFill>
+              </a:rPr>
+              <a:t>Set</a:t>
+            </a:r>
+            <a:endParaRPr lang="en-US" sz="1200" dirty="0">
               <a:solidFill>
-                <a:schemeClr val="accent5">
-                  <a:lumMod val="75000"/>
-                </a:schemeClr>
-              </a:solidFill>
-            </a:endParaRPr>
-          </a:p>
-          <a:p>
-            <a:pPr lvl="1"/>
-            <a:r>
-              <a:rPr lang="en-US" sz="1600" b="1" dirty="0" smtClean="0">
-                <a:solidFill>
-                  <a:schemeClr val="accent6">
-                    <a:lumMod val="50000"/>
-                  </a:schemeClr>
-                </a:solidFill>
-              </a:rPr>
-              <a:t>__</a:t>
-            </a:r>
-            <a:r>
-              <a:rPr lang="en-US" sz="1600" b="1" dirty="0" err="1" smtClean="0">
-                <a:solidFill>
-                  <a:schemeClr val="accent6">
-                    <a:lumMod val="50000"/>
-                  </a:schemeClr>
-                </a:solidFill>
-              </a:rPr>
-              <a:t>str</a:t>
-            </a:r>
-            <a:r>
-              <a:rPr lang="en-US" sz="1600" b="1" dirty="0" smtClean="0">
-                <a:solidFill>
-                  <a:schemeClr val="accent6">
-                    <a:lumMod val="50000"/>
-                  </a:schemeClr>
-                </a:solidFill>
-              </a:rPr>
-              <a:t>__	string conversion		__add__		+ operator</a:t>
-            </a:r>
-          </a:p>
-          <a:p>
-            <a:pPr lvl="1"/>
-            <a:r>
-              <a:rPr lang="en-US" sz="1600" b="1" dirty="0" smtClean="0">
-                <a:solidFill>
-                  <a:schemeClr val="accent6">
-                    <a:lumMod val="50000"/>
-                  </a:schemeClr>
-                </a:solidFill>
-              </a:rPr>
-              <a:t>__</a:t>
-            </a:r>
-            <a:r>
-              <a:rPr lang="en-US" sz="1600" b="1" dirty="0" err="1" smtClean="0">
-                <a:solidFill>
-                  <a:schemeClr val="accent6">
-                    <a:lumMod val="50000"/>
-                  </a:schemeClr>
-                </a:solidFill>
-              </a:rPr>
-              <a:t>int</a:t>
-            </a:r>
-            <a:r>
-              <a:rPr lang="en-US" sz="1600" b="1" dirty="0" smtClean="0">
-                <a:solidFill>
-                  <a:schemeClr val="accent6">
-                    <a:lumMod val="50000"/>
-                  </a:schemeClr>
-                </a:solidFill>
-              </a:rPr>
-              <a:t>__	integer conversion		__sub__		- operator</a:t>
-            </a:r>
-          </a:p>
-          <a:p>
-            <a:pPr lvl="1"/>
-            <a:r>
-              <a:rPr lang="en-US" sz="1600" b="1" dirty="0" smtClean="0">
-                <a:solidFill>
-                  <a:schemeClr val="accent6">
-                    <a:lumMod val="50000"/>
-                  </a:schemeClr>
-                </a:solidFill>
-              </a:rPr>
-              <a:t>__</a:t>
-            </a:r>
-            <a:r>
-              <a:rPr lang="en-US" sz="1600" b="1" dirty="0" err="1" smtClean="0">
-                <a:solidFill>
-                  <a:schemeClr val="accent6">
-                    <a:lumMod val="50000"/>
-                  </a:schemeClr>
-                </a:solidFill>
-              </a:rPr>
-              <a:t>eq</a:t>
-            </a:r>
-            <a:r>
-              <a:rPr lang="en-US" sz="1600" b="1" dirty="0" smtClean="0">
-                <a:solidFill>
-                  <a:schemeClr val="accent6">
-                    <a:lumMod val="50000"/>
-                  </a:schemeClr>
-                </a:solidFill>
-              </a:rPr>
-              <a:t>__	== operator		__</a:t>
-            </a:r>
-            <a:r>
-              <a:rPr lang="en-US" sz="1600" b="1" dirty="0" err="1" smtClean="0">
-                <a:solidFill>
-                  <a:schemeClr val="accent6">
-                    <a:lumMod val="50000"/>
-                  </a:schemeClr>
-                </a:solidFill>
-              </a:rPr>
-              <a:t>mul</a:t>
-            </a:r>
-            <a:r>
-              <a:rPr lang="en-US" sz="1600" b="1" dirty="0" smtClean="0">
-                <a:solidFill>
-                  <a:schemeClr val="accent6">
-                    <a:lumMod val="50000"/>
-                  </a:schemeClr>
-                </a:solidFill>
-              </a:rPr>
-              <a:t>__		* operator</a:t>
-            </a:r>
-          </a:p>
-          <a:p>
-            <a:pPr lvl="1"/>
-            <a:r>
-              <a:rPr lang="en-US" sz="1600" b="1" dirty="0" smtClean="0">
-                <a:solidFill>
-                  <a:schemeClr val="accent6">
-                    <a:lumMod val="50000"/>
-                  </a:schemeClr>
-                </a:solidFill>
-              </a:rPr>
-              <a:t>__ne__	!= operator		__</a:t>
-            </a:r>
-            <a:r>
-              <a:rPr lang="en-US" sz="1600" b="1" dirty="0" err="1" smtClean="0">
-                <a:solidFill>
-                  <a:schemeClr val="accent6">
-                    <a:lumMod val="50000"/>
-                  </a:schemeClr>
-                </a:solidFill>
-              </a:rPr>
-              <a:t>divmod</a:t>
-            </a:r>
-            <a:r>
-              <a:rPr lang="en-US" sz="1600" b="1" dirty="0" smtClean="0">
-                <a:solidFill>
-                  <a:schemeClr val="accent6">
-                    <a:lumMod val="50000"/>
-                  </a:schemeClr>
-                </a:solidFill>
-              </a:rPr>
-              <a:t>__	/ and % operator</a:t>
-            </a:r>
-          </a:p>
-          <a:p>
-            <a:pPr lvl="1"/>
-            <a:r>
-              <a:rPr lang="en-US" sz="1600" b="1" dirty="0" smtClean="0">
-                <a:solidFill>
-                  <a:schemeClr val="accent6">
-                    <a:lumMod val="50000"/>
-                  </a:schemeClr>
-                </a:solidFill>
-              </a:rPr>
-              <a:t>__</a:t>
-            </a:r>
-            <a:r>
-              <a:rPr lang="en-US" sz="1600" b="1" dirty="0" err="1" smtClean="0">
-                <a:solidFill>
-                  <a:schemeClr val="accent6">
-                    <a:lumMod val="50000"/>
-                  </a:schemeClr>
-                </a:solidFill>
-              </a:rPr>
-              <a:t>lt</a:t>
-            </a:r>
-            <a:r>
-              <a:rPr lang="en-US" sz="1600" b="1" dirty="0" smtClean="0">
-                <a:solidFill>
-                  <a:schemeClr val="accent6">
-                    <a:lumMod val="50000"/>
-                  </a:schemeClr>
-                </a:solidFill>
-              </a:rPr>
-              <a:t>__	&lt; operator			__</a:t>
-            </a:r>
-            <a:r>
-              <a:rPr lang="en-US" sz="1600" b="1" dirty="0" err="1" smtClean="0">
-                <a:solidFill>
-                  <a:schemeClr val="accent6">
-                    <a:lumMod val="50000"/>
-                  </a:schemeClr>
-                </a:solidFill>
-              </a:rPr>
-              <a:t>len</a:t>
-            </a:r>
-            <a:r>
-              <a:rPr lang="en-US" sz="1600" b="1" dirty="0" smtClean="0">
-                <a:solidFill>
-                  <a:schemeClr val="accent6">
-                    <a:lumMod val="50000"/>
-                  </a:schemeClr>
-                </a:solidFill>
-              </a:rPr>
-              <a:t>__		</a:t>
-            </a:r>
-            <a:r>
-              <a:rPr lang="en-US" sz="1600" b="1" dirty="0" err="1" smtClean="0">
-                <a:solidFill>
-                  <a:schemeClr val="accent6">
-                    <a:lumMod val="50000"/>
-                  </a:schemeClr>
-                </a:solidFill>
-              </a:rPr>
-              <a:t>len</a:t>
-            </a:r>
-            <a:r>
-              <a:rPr lang="en-US" sz="1600" b="1" dirty="0" smtClean="0">
-                <a:solidFill>
-                  <a:schemeClr val="accent6">
-                    <a:lumMod val="50000"/>
-                  </a:schemeClr>
-                </a:solidFill>
-              </a:rPr>
-              <a:t>() operator</a:t>
-            </a:r>
-          </a:p>
-          <a:p>
-            <a:pPr lvl="1"/>
-            <a:r>
-              <a:rPr lang="en-US" sz="1600" b="1" dirty="0" smtClean="0">
-                <a:solidFill>
-                  <a:schemeClr val="accent6">
-                    <a:lumMod val="50000"/>
-                  </a:schemeClr>
-                </a:solidFill>
-              </a:rPr>
-              <a:t>__le__	&lt;= operator		__</a:t>
-            </a:r>
-            <a:r>
-              <a:rPr lang="en-US" sz="1600" b="1" dirty="0" err="1" smtClean="0">
-                <a:solidFill>
-                  <a:schemeClr val="accent6">
-                    <a:lumMod val="50000"/>
-                  </a:schemeClr>
-                </a:solidFill>
-              </a:rPr>
-              <a:t>getitem</a:t>
-            </a:r>
-            <a:r>
-              <a:rPr lang="en-US" sz="1600" b="1" dirty="0" smtClean="0">
-                <a:solidFill>
-                  <a:schemeClr val="accent6">
-                    <a:lumMod val="50000"/>
-                  </a:schemeClr>
-                </a:solidFill>
-              </a:rPr>
-              <a:t>__	[] index operator</a:t>
-            </a:r>
-            <a:endParaRPr lang="en-US" sz="2400" b="1" dirty="0" smtClean="0">
-              <a:solidFill>
-                <a:schemeClr val="accent6">
-                  <a:lumMod val="50000"/>
-                </a:schemeClr>
+                <a:srgbClr val="FF0000"/>
               </a:solidFill>
             </a:endParaRPr>
           </a:p>
@@ -8438,7 +9510,7 @@
     </p:spTree>
     <p:extLst>
       <p:ext uri="{BB962C8B-B14F-4D97-AF65-F5344CB8AC3E}">
-        <p14:creationId xmlns:p14="http://schemas.microsoft.com/office/powerpoint/2010/main" val="2701362201"/>
+        <p14:creationId xmlns:p14="http://schemas.microsoft.com/office/powerpoint/2010/main" val="570597491"/>
       </p:ext>
     </p:extLst>
   </p:cSld>
@@ -8555,7 +9627,7 @@
         <p:spPr>
           <a:xfrm>
             <a:off x="152400" y="1164134"/>
-            <a:ext cx="1643399" cy="461665"/>
+            <a:ext cx="9295493" cy="5139869"/>
           </a:xfrm>
           <a:prstGeom prst="rect">
             <a:avLst/>
@@ -8575,14 +9647,112 @@
             <a:r>
               <a:rPr lang="en-US" sz="2400" b="1" dirty="0" smtClean="0">
                 <a:solidFill>
+                  <a:schemeClr val="accent6">
+                    <a:lumMod val="75000"/>
+                  </a:schemeClr>
+                </a:solidFill>
+              </a:rPr>
+              <a:t>Built-in operators</a:t>
+            </a:r>
+            <a:r>
+              <a:rPr lang="en-US" sz="2400" b="1" dirty="0" smtClean="0">
+                <a:solidFill>
                   <a:schemeClr val="accent5">
                     <a:lumMod val="75000"/>
                   </a:schemeClr>
                 </a:solidFill>
               </a:rPr>
-              <a:t>Example:</a:t>
-            </a:r>
-            <a:endParaRPr lang="en-US" dirty="0" smtClean="0">
+              <a:t> (+, -, </a:t>
+            </a:r>
+            <a:r>
+              <a:rPr lang="en-US" sz="2400" b="1" dirty="0" err="1" smtClean="0">
+                <a:solidFill>
+                  <a:schemeClr val="accent5">
+                    <a:lumMod val="75000"/>
+                  </a:schemeClr>
+                </a:solidFill>
+              </a:rPr>
+              <a:t>str</a:t>
+            </a:r>
+            <a:r>
+              <a:rPr lang="en-US" sz="2400" b="1" dirty="0" smtClean="0">
+                <a:solidFill>
+                  <a:schemeClr val="accent5">
+                    <a:lumMod val="75000"/>
+                  </a:schemeClr>
+                </a:solidFill>
+              </a:rPr>
+              <a:t>(), </a:t>
+            </a:r>
+            <a:r>
+              <a:rPr lang="en-US" sz="2400" b="1" dirty="0" err="1" smtClean="0">
+                <a:solidFill>
+                  <a:schemeClr val="accent5">
+                    <a:lumMod val="75000"/>
+                  </a:schemeClr>
+                </a:solidFill>
+              </a:rPr>
+              <a:t>int</a:t>
+            </a:r>
+            <a:r>
+              <a:rPr lang="en-US" sz="2400" b="1" dirty="0" smtClean="0">
+                <a:solidFill>
+                  <a:schemeClr val="accent5">
+                    <a:lumMod val="75000"/>
+                  </a:schemeClr>
+                </a:solidFill>
+              </a:rPr>
+              <a:t>(), … ) can be </a:t>
+            </a:r>
+            <a:r>
+              <a:rPr lang="en-US" sz="2400" b="1" dirty="0" smtClean="0">
+                <a:solidFill>
+                  <a:schemeClr val="accent6">
+                    <a:lumMod val="75000"/>
+                  </a:schemeClr>
+                </a:solidFill>
+              </a:rPr>
+              <a:t>overloaded</a:t>
+            </a:r>
+            <a:r>
+              <a:rPr lang="en-US" sz="2400" b="1" dirty="0" smtClean="0">
+                <a:solidFill>
+                  <a:schemeClr val="accent5">
+                    <a:lumMod val="75000"/>
+                  </a:schemeClr>
+                </a:solidFill>
+              </a:rPr>
+              <a:t> for a</a:t>
+            </a:r>
+          </a:p>
+          <a:p>
+            <a:r>
+              <a:rPr lang="en-US" sz="2400" b="1" dirty="0">
+                <a:solidFill>
+                  <a:schemeClr val="accent5">
+                    <a:lumMod val="75000"/>
+                  </a:schemeClr>
+                </a:solidFill>
+              </a:rPr>
+              <a:t> </a:t>
+            </a:r>
+            <a:r>
+              <a:rPr lang="en-US" sz="2400" b="1" dirty="0" smtClean="0">
+                <a:solidFill>
+                  <a:schemeClr val="accent5">
+                    <a:lumMod val="75000"/>
+                  </a:schemeClr>
+                </a:solidFill>
+              </a:rPr>
+              <a:t>   class object in Python.</a:t>
+            </a:r>
+          </a:p>
+          <a:p>
+            <a:pPr marL="285750" indent="-285750">
+              <a:buFont typeface="Arial" panose="020B0604020202020204" pitchFamily="34" charset="0"/>
+              <a:buChar char="•"/>
+            </a:pPr>
+            <a:endParaRPr lang="en-US" sz="2400" b="1" dirty="0" smtClean="0">
               <a:solidFill>
                 <a:schemeClr val="accent5">
                   <a:lumMod val="75000"/>
@@ -8590,503 +9760,442 @@
               </a:solidFill>
             </a:endParaRPr>
           </a:p>
-        </p:txBody>
-      </p:sp>
-      <p:sp>
-        <p:nvSpPr>
-          <p:cNvPr id="3" name="TextBox 2"/>
-          <p:cNvSpPr txBox="1"/>
-          <p:nvPr/>
-        </p:nvSpPr>
-        <p:spPr>
-          <a:xfrm>
-            <a:off x="1371600" y="1981200"/>
-            <a:ext cx="5140061" cy="2862322"/>
-          </a:xfrm>
-          <a:prstGeom prst="rect">
-            <a:avLst/>
-          </a:prstGeom>
-          <a:noFill/>
-        </p:spPr>
-        <p:txBody>
-          <a:bodyPr wrap="none" rtlCol="0">
-            <a:spAutoFit/>
-          </a:bodyPr>
-          <a:lstStyle/>
-          <a:p>
-            <a:r>
-              <a:rPr lang="en-US" b="1" dirty="0">
+          <a:p>
+            <a:pPr marL="285750" indent="-285750">
+              <a:buFont typeface="Arial" panose="020B0604020202020204" pitchFamily="34" charset="0"/>
+              <a:buChar char="•"/>
+            </a:pPr>
+            <a:r>
+              <a:rPr lang="en-US" sz="2400" b="1" dirty="0" smtClean="0">
                 <a:solidFill>
                   <a:schemeClr val="accent5">
                     <a:lumMod val="75000"/>
                   </a:schemeClr>
                 </a:solidFill>
               </a:rPr>
-              <a:t>c</a:t>
-            </a:r>
-            <a:r>
-              <a:rPr lang="en-US" b="1" dirty="0" smtClean="0">
+              <a:t>Each class has a </a:t>
+            </a:r>
+            <a:r>
+              <a:rPr lang="en-US" sz="2400" b="1" dirty="0" smtClean="0">
+                <a:solidFill>
+                  <a:schemeClr val="accent6">
+                    <a:lumMod val="75000"/>
+                  </a:schemeClr>
+                </a:solidFill>
+              </a:rPr>
+              <a:t>default implementation </a:t>
+            </a:r>
+            <a:r>
+              <a:rPr lang="en-US" sz="2400" b="1" dirty="0" smtClean="0">
                 <a:solidFill>
                   <a:schemeClr val="accent5">
                     <a:lumMod val="75000"/>
                   </a:schemeClr>
                 </a:solidFill>
               </a:rPr>
-              <a:t>lass</a:t>
-            </a:r>
-            <a:r>
-              <a:rPr lang="en-US" dirty="0" smtClean="0"/>
-              <a:t> Node(object):</a:t>
-            </a:r>
-          </a:p>
-          <a:p>
-            <a:r>
-              <a:rPr lang="en-US" dirty="0"/>
-              <a:t>	</a:t>
-            </a:r>
-            <a:r>
-              <a:rPr lang="en-US" b="1" dirty="0" err="1" smtClean="0">
+              <a:t>for built-in operators.</a:t>
+            </a:r>
+          </a:p>
+          <a:p>
+            <a:r>
+              <a:rPr lang="en-US" sz="2400" b="1" dirty="0" smtClean="0">
                 <a:solidFill>
                   <a:schemeClr val="accent5">
                     <a:lumMod val="75000"/>
                   </a:schemeClr>
                 </a:solidFill>
               </a:rPr>
-              <a:t>def</a:t>
-            </a:r>
-            <a:r>
-              <a:rPr lang="en-US" dirty="0" smtClean="0"/>
-              <a:t> __</a:t>
-            </a:r>
-            <a:r>
-              <a:rPr lang="en-US" dirty="0" err="1" smtClean="0"/>
-              <a:t>init</a:t>
-            </a:r>
-            <a:r>
-              <a:rPr lang="en-US" dirty="0" smtClean="0"/>
-              <a:t>__(self, name):</a:t>
-            </a:r>
-          </a:p>
-          <a:p>
-            <a:r>
-              <a:rPr lang="en-US" dirty="0"/>
-              <a:t>	</a:t>
-            </a:r>
-            <a:r>
-              <a:rPr lang="en-US" dirty="0" smtClean="0"/>
-              <a:t>	self.name = name</a:t>
-            </a:r>
-          </a:p>
-          <a:p>
-            <a:r>
-              <a:rPr lang="en-US" dirty="0"/>
-              <a:t>	</a:t>
-            </a:r>
-            <a:r>
-              <a:rPr lang="en-US" b="1" dirty="0" err="1" smtClean="0">
+              <a:t>    the default implementations (</a:t>
+            </a:r>
+            <a:r>
+              <a:rPr lang="en-US" sz="2400" b="1" u="sng" dirty="0" smtClean="0">
+                <a:solidFill>
+                  <a:schemeClr val="accent6">
+                    <a:lumMod val="75000"/>
+                  </a:schemeClr>
+                </a:solidFill>
+              </a:rPr>
+              <a:t>magic methods</a:t>
+            </a:r>
+            <a:r>
+              <a:rPr lang="en-US" sz="2400" b="1" dirty="0" smtClean="0">
                 <a:solidFill>
                   <a:schemeClr val="accent5">
                     <a:lumMod val="75000"/>
                   </a:schemeClr>
                 </a:solidFill>
               </a:rPr>
-              <a:t>def</a:t>
-            </a:r>
-            <a:r>
-              <a:rPr lang="en-US" b="1" dirty="0" smtClean="0">
+              <a:t>) can be </a:t>
+            </a:r>
+            <a:r>
+              <a:rPr lang="en-US" sz="2400" b="1" dirty="0" smtClean="0">
+                <a:solidFill>
+                  <a:schemeClr val="accent6">
+                    <a:lumMod val="75000"/>
+                  </a:schemeClr>
+                </a:solidFill>
+              </a:rPr>
+              <a:t>overridden</a:t>
+            </a:r>
+            <a:r>
+              <a:rPr lang="en-US" sz="2400" b="1" dirty="0" smtClean="0">
                 <a:solidFill>
                   <a:schemeClr val="accent5">
                     <a:lumMod val="75000"/>
                   </a:schemeClr>
                 </a:solidFill>
               </a:rPr>
-              <a:t> </a:t>
-            </a:r>
-            <a:r>
-              <a:rPr lang="en-US" dirty="0" smtClean="0"/>
-              <a:t>__</a:t>
-            </a:r>
-            <a:r>
-              <a:rPr lang="en-US" dirty="0" err="1" smtClean="0"/>
-              <a:t>str</a:t>
-            </a:r>
-            <a:r>
-              <a:rPr lang="en-US" dirty="0" smtClean="0"/>
-              <a:t>__( self ):</a:t>
-            </a:r>
-          </a:p>
-          <a:p>
-            <a:r>
-              <a:rPr lang="en-US" dirty="0"/>
-              <a:t>	</a:t>
-            </a:r>
-            <a:r>
-              <a:rPr lang="en-US" dirty="0" smtClean="0"/>
-              <a:t>	</a:t>
-            </a:r>
-            <a:r>
-              <a:rPr lang="en-US" b="1" dirty="0" smtClean="0">
+              <a:t> to </a:t>
+            </a:r>
+            <a:br>
+              <a:rPr lang="en-US" sz="2400" b="1" dirty="0" smtClean="0">
                 <a:solidFill>
                   <a:schemeClr val="accent5">
                     <a:lumMod val="75000"/>
                   </a:schemeClr>
                 </a:solidFill>
               </a:rPr>
-              <a:t>return</a:t>
-            </a:r>
-            <a:r>
-              <a:rPr lang="en-US" dirty="0" smtClean="0"/>
-              <a:t> name</a:t>
-            </a:r>
-          </a:p>
-          <a:p>
-            <a:r>
-              <a:rPr lang="en-US" dirty="0"/>
-              <a:t>	</a:t>
-            </a:r>
-            <a:r>
-              <a:rPr lang="en-US" b="1" dirty="0" err="1" smtClean="0">
+            </a:br>
+            <a:r>
+              <a:rPr lang="en-US" sz="2400" b="1" dirty="0" smtClean="0">
                 <a:solidFill>
                   <a:schemeClr val="accent5">
                     <a:lumMod val="75000"/>
                   </a:schemeClr>
                 </a:solidFill>
               </a:rPr>
-              <a:t>def</a:t>
-            </a:r>
-            <a:r>
-              <a:rPr lang="en-US" dirty="0" smtClean="0"/>
-              <a:t>__</a:t>
-            </a:r>
-            <a:r>
-              <a:rPr lang="en-US" dirty="0" err="1" smtClean="0"/>
-              <a:t>eq</a:t>
-            </a:r>
-            <a:r>
-              <a:rPr lang="en-US" dirty="0" smtClean="0"/>
-              <a:t>__( self, other ):</a:t>
-            </a:r>
-          </a:p>
-          <a:p>
-            <a:r>
-              <a:rPr lang="en-US" dirty="0"/>
-              <a:t>	</a:t>
-            </a:r>
-            <a:r>
-              <a:rPr lang="en-US" dirty="0" smtClean="0"/>
-              <a:t>	</a:t>
-            </a:r>
-            <a:r>
-              <a:rPr lang="en-US" b="1" dirty="0" smtClean="0">
-                <a:solidFill>
-                  <a:schemeClr val="accent5">
-                    <a:lumMod val="75000"/>
-                  </a:schemeClr>
-                </a:solidFill>
-              </a:rPr>
-              <a:t>return</a:t>
-            </a:r>
-            <a:r>
-              <a:rPr lang="en-US" dirty="0" smtClean="0"/>
-              <a:t> (self.name == other.name)</a:t>
-            </a:r>
-          </a:p>
-          <a:p>
-            <a:endParaRPr lang="en-US" dirty="0"/>
-          </a:p>
-          <a:p>
-            <a:r>
-              <a:rPr lang="en-US" dirty="0" smtClean="0"/>
-              <a:t>node = Node( ‘</a:t>
-            </a:r>
-            <a:r>
-              <a:rPr lang="en-US" dirty="0" err="1" smtClean="0"/>
-              <a:t>foobar</a:t>
-            </a:r>
-            <a:r>
-              <a:rPr lang="en-US" dirty="0" smtClean="0"/>
-              <a:t>’) </a:t>
-            </a:r>
-          </a:p>
-          <a:p>
-            <a:r>
-              <a:rPr lang="en-US" dirty="0" smtClean="0"/>
-              <a:t>print (</a:t>
-            </a:r>
-            <a:r>
-              <a:rPr lang="en-US" dirty="0" err="1" smtClean="0"/>
-              <a:t>str</a:t>
-            </a:r>
-            <a:r>
-              <a:rPr lang="en-US" dirty="0" smtClean="0"/>
-              <a:t>( node ) )		</a:t>
-            </a:r>
-            <a:r>
-              <a:rPr lang="en-US" dirty="0" smtClean="0">
-                <a:solidFill>
-                  <a:srgbClr val="00B050"/>
-                </a:solidFill>
-              </a:rPr>
-              <a:t># will print </a:t>
-            </a:r>
-            <a:r>
-              <a:rPr lang="en-US" dirty="0" err="1" smtClean="0">
-                <a:solidFill>
-                  <a:srgbClr val="00B050"/>
-                </a:solidFill>
-              </a:rPr>
-              <a:t>foobar</a:t>
-            </a:r>
-            <a:endParaRPr lang="en-US" dirty="0">
+              <a:t>    implement operator overloading.</a:t>
+            </a:r>
+          </a:p>
+          <a:p>
+            <a:pPr marL="285750" indent="-285750">
+              <a:buFont typeface="Arial" panose="020B0604020202020204" pitchFamily="34" charset="0"/>
+              <a:buChar char="•"/>
+            </a:pPr>
+            <a:endParaRPr lang="en-US" sz="2400" b="1" dirty="0" smtClean="0">
               <a:solidFill>
-                <a:srgbClr val="00B050"/>
+                <a:schemeClr val="accent5">
+                  <a:lumMod val="75000"/>
+                </a:schemeClr>
               </a:solidFill>
             </a:endParaRPr>
           </a:p>
-        </p:txBody>
-      </p:sp>
-      <p:sp>
-        <p:nvSpPr>
-          <p:cNvPr id="6" name="Right Arrow 5"/>
-          <p:cNvSpPr/>
-          <p:nvPr/>
-        </p:nvSpPr>
-        <p:spPr>
-          <a:xfrm rot="10800000">
-            <a:off x="6096000" y="2971800"/>
-            <a:ext cx="235706" cy="138499"/>
-          </a:xfrm>
-          <a:prstGeom prst="rightArrow">
-            <a:avLst/>
-          </a:prstGeom>
-          <a:solidFill>
-            <a:srgbClr val="FF0000"/>
-          </a:solidFill>
-          <a:ln>
-            <a:solidFill>
-              <a:srgbClr val="FF0000"/>
-            </a:solidFill>
-          </a:ln>
-        </p:spPr>
-        <p:style>
-          <a:lnRef idx="2">
-            <a:schemeClr val="accent1">
-              <a:shade val="50000"/>
-            </a:schemeClr>
-          </a:lnRef>
-          <a:fillRef idx="1">
-            <a:schemeClr val="accent1"/>
-          </a:fillRef>
-          <a:effectRef idx="0">
-            <a:schemeClr val="accent1"/>
-          </a:effectRef>
-          <a:fontRef idx="minor">
-            <a:schemeClr val="lt1"/>
-          </a:fontRef>
-        </p:style>
-        <p:txBody>
-          <a:bodyPr rtlCol="0" anchor="ctr"/>
-          <a:lstStyle/>
-          <a:p>
-            <a:pPr algn="ctr"/>
-            <a:endParaRPr lang="en-US"/>
-          </a:p>
-        </p:txBody>
-      </p:sp>
-      <p:sp>
-        <p:nvSpPr>
-          <p:cNvPr id="7" name="TextBox 6"/>
-          <p:cNvSpPr txBox="1"/>
-          <p:nvPr/>
-        </p:nvSpPr>
-        <p:spPr>
-          <a:xfrm>
-            <a:off x="6429369" y="2878584"/>
-            <a:ext cx="1827808" cy="276999"/>
-          </a:xfrm>
-          <a:prstGeom prst="rect">
-            <a:avLst/>
-          </a:prstGeom>
-          <a:noFill/>
-        </p:spPr>
-        <p:txBody>
-          <a:bodyPr wrap="none" rtlCol="0">
-            <a:spAutoFit/>
-          </a:bodyPr>
-          <a:lstStyle/>
-          <a:p>
-            <a:r>
-              <a:rPr lang="en-US" sz="1200" dirty="0" smtClean="0">
-                <a:solidFill>
-                  <a:srgbClr val="FF0000"/>
-                </a:solidFill>
-              </a:rPr>
-              <a:t>Override string conversion</a:t>
-            </a:r>
-            <a:endParaRPr lang="en-US" sz="1200" dirty="0">
+          <a:p>
+            <a:pPr marL="285750" indent="-285750">
+              <a:buFont typeface="Arial" panose="020B0604020202020204" pitchFamily="34" charset="0"/>
+              <a:buChar char="•"/>
+            </a:pPr>
+            <a:r>
+              <a:rPr lang="en-US" sz="2400" b="1" dirty="0" smtClean="0">
+                <a:solidFill>
+                  <a:schemeClr val="accent5">
+                    <a:lumMod val="75000"/>
+                  </a:schemeClr>
+                </a:solidFill>
+              </a:rPr>
+              <a:t>Built-in operators are designated using the double dash </a:t>
+            </a:r>
+            <a:r>
+              <a:rPr lang="en-US" sz="2400" b="1" dirty="0" smtClean="0">
+                <a:solidFill>
+                  <a:schemeClr val="accent6">
+                    <a:lumMod val="75000"/>
+                  </a:schemeClr>
+                </a:solidFill>
+              </a:rPr>
+              <a:t>__name__</a:t>
+            </a:r>
+          </a:p>
+          <a:p>
+            <a:r>
+              <a:rPr lang="en-US" sz="2400" b="1" dirty="0" smtClean="0">
+                <a:solidFill>
+                  <a:schemeClr val="accent5">
+                    <a:lumMod val="75000"/>
+                  </a:schemeClr>
+                </a:solidFill>
+              </a:rPr>
+              <a:t>    convention. Below are some of these magic methods:</a:t>
+            </a:r>
+            <a:endParaRPr lang="en-US" sz="1600" b="1" dirty="0" smtClean="0">
               <a:solidFill>
-                <a:srgbClr val="FF0000"/>
+                <a:schemeClr val="accent5">
+                  <a:lumMod val="75000"/>
+                </a:schemeClr>
               </a:solidFill>
             </a:endParaRPr>
           </a:p>
-        </p:txBody>
-      </p:sp>
-      <p:sp>
-        <p:nvSpPr>
-          <p:cNvPr id="8" name="TextBox 7"/>
-          <p:cNvSpPr txBox="1"/>
-          <p:nvPr/>
-        </p:nvSpPr>
-        <p:spPr>
-          <a:xfrm>
-            <a:off x="6409241" y="3312049"/>
-            <a:ext cx="1881092" cy="276999"/>
-          </a:xfrm>
-          <a:prstGeom prst="rect">
-            <a:avLst/>
-          </a:prstGeom>
-          <a:noFill/>
-        </p:spPr>
-        <p:txBody>
-          <a:bodyPr wrap="none" rtlCol="0">
-            <a:spAutoFit/>
-          </a:bodyPr>
-          <a:lstStyle/>
-          <a:p>
-            <a:r>
-              <a:rPr lang="en-US" sz="1200" dirty="0" smtClean="0">
-                <a:solidFill>
-                  <a:srgbClr val="FF0000"/>
-                </a:solidFill>
-              </a:rPr>
-              <a:t>Override equal comparison</a:t>
-            </a:r>
-            <a:endParaRPr lang="en-US" sz="1200" dirty="0">
+          <a:p>
+            <a:endParaRPr lang="en-US" sz="1600" b="1" dirty="0" smtClean="0">
               <a:solidFill>
-                <a:srgbClr val="FF0000"/>
+                <a:schemeClr val="accent5">
+                  <a:lumMod val="75000"/>
+                </a:schemeClr>
               </a:solidFill>
             </a:endParaRPr>
           </a:p>
-        </p:txBody>
-      </p:sp>
-      <p:sp>
-        <p:nvSpPr>
-          <p:cNvPr id="9" name="Right Arrow 8"/>
-          <p:cNvSpPr/>
-          <p:nvPr/>
-        </p:nvSpPr>
-        <p:spPr>
-          <a:xfrm rot="10800000">
-            <a:off x="6113170" y="3381298"/>
-            <a:ext cx="235706" cy="138499"/>
-          </a:xfrm>
-          <a:prstGeom prst="rightArrow">
-            <a:avLst/>
-          </a:prstGeom>
-          <a:solidFill>
-            <a:srgbClr val="FF0000"/>
-          </a:solidFill>
-          <a:ln>
-            <a:solidFill>
-              <a:srgbClr val="FF0000"/>
-            </a:solidFill>
-          </a:ln>
-        </p:spPr>
-        <p:style>
-          <a:lnRef idx="2">
-            <a:schemeClr val="accent1">
-              <a:shade val="50000"/>
-            </a:schemeClr>
-          </a:lnRef>
-          <a:fillRef idx="1">
-            <a:schemeClr val="accent1"/>
-          </a:fillRef>
-          <a:effectRef idx="0">
-            <a:schemeClr val="accent1"/>
-          </a:effectRef>
-          <a:fontRef idx="minor">
-            <a:schemeClr val="lt1"/>
-          </a:fontRef>
-        </p:style>
-        <p:txBody>
-          <a:bodyPr rtlCol="0" anchor="ctr"/>
-          <a:lstStyle/>
-          <a:p>
-            <a:pPr algn="ctr"/>
-            <a:endParaRPr lang="en-US"/>
-          </a:p>
-        </p:txBody>
-      </p:sp>
-      <p:sp>
-        <p:nvSpPr>
-          <p:cNvPr id="10" name="TextBox 9"/>
-          <p:cNvSpPr txBox="1"/>
-          <p:nvPr/>
-        </p:nvSpPr>
-        <p:spPr>
-          <a:xfrm>
-            <a:off x="914400" y="5785447"/>
-            <a:ext cx="6570966" cy="646331"/>
-          </a:xfrm>
-          <a:prstGeom prst="rect">
-            <a:avLst/>
-          </a:prstGeom>
-          <a:noFill/>
-          <a:ln w="12700">
-            <a:solidFill>
-              <a:schemeClr val="tx1"/>
-            </a:solidFill>
-            <a:prstDash val="dash"/>
-          </a:ln>
-        </p:spPr>
-        <p:txBody>
-          <a:bodyPr wrap="none" rtlCol="0">
-            <a:spAutoFit/>
-          </a:bodyPr>
-          <a:lstStyle/>
-          <a:p>
-            <a:r>
-              <a:rPr lang="en-US" sz="1200" b="1" i="1" dirty="0" smtClean="0"/>
-              <a:t>A full list of magic (special) methods that can be overwritten is available on the python.org website:</a:t>
-            </a:r>
-          </a:p>
-          <a:p>
-            <a:endParaRPr lang="en-US" sz="1200" b="1" i="1" dirty="0">
+          <a:p>
+            <a:pPr lvl="1"/>
+            <a:r>
+              <a:rPr lang="en-US" sz="1600" b="1" dirty="0" smtClean="0">
+                <a:solidFill>
+                  <a:schemeClr val="accent6">
+                    <a:lumMod val="50000"/>
+                  </a:schemeClr>
+                </a:solidFill>
+              </a:rPr>
+              <a:t>__</a:t>
+            </a:r>
+            <a:r>
+              <a:rPr lang="en-US" sz="1600" b="1" dirty="0" err="1" smtClean="0">
+                <a:solidFill>
+                  <a:schemeClr val="accent6">
+                    <a:lumMod val="50000"/>
+                  </a:schemeClr>
+                </a:solidFill>
+              </a:rPr>
+              <a:t>str</a:t>
+            </a:r>
+            <a:r>
+              <a:rPr lang="en-US" sz="1600" b="1" dirty="0" smtClean="0">
+                <a:solidFill>
+                  <a:schemeClr val="accent6">
+                    <a:lumMod val="50000"/>
+                  </a:schemeClr>
+                </a:solidFill>
+              </a:rPr>
+              <a:t>__	string conversion		__add__		+ operator</a:t>
+            </a:r>
+          </a:p>
+          <a:p>
+            <a:pPr lvl="1"/>
+            <a:r>
+              <a:rPr lang="en-US" sz="1600" b="1" dirty="0" smtClean="0">
+                <a:solidFill>
+                  <a:schemeClr val="accent6">
+                    <a:lumMod val="50000"/>
+                  </a:schemeClr>
+                </a:solidFill>
+              </a:rPr>
+              <a:t>__</a:t>
+            </a:r>
+            <a:r>
+              <a:rPr lang="en-US" sz="1600" b="1" dirty="0" err="1" smtClean="0">
+                <a:solidFill>
+                  <a:schemeClr val="accent6">
+                    <a:lumMod val="50000"/>
+                  </a:schemeClr>
+                </a:solidFill>
+              </a:rPr>
+              <a:t>int</a:t>
+            </a:r>
+            <a:r>
+              <a:rPr lang="en-US" sz="1600" b="1" dirty="0" smtClean="0">
+                <a:solidFill>
+                  <a:schemeClr val="accent6">
+                    <a:lumMod val="50000"/>
+                  </a:schemeClr>
+                </a:solidFill>
+              </a:rPr>
+              <a:t>__	integer conversion		__sub__		- operator</a:t>
+            </a:r>
+          </a:p>
+          <a:p>
+            <a:pPr lvl="1"/>
+            <a:r>
+              <a:rPr lang="en-US" sz="1600" b="1" dirty="0" smtClean="0">
+                <a:solidFill>
+                  <a:schemeClr val="accent6">
+                    <a:lumMod val="50000"/>
+                  </a:schemeClr>
+                </a:solidFill>
+              </a:rPr>
+              <a:t>__</a:t>
+            </a:r>
+            <a:r>
+              <a:rPr lang="en-US" sz="1600" b="1" dirty="0" err="1" smtClean="0">
+                <a:solidFill>
+                  <a:schemeClr val="accent6">
+                    <a:lumMod val="50000"/>
+                  </a:schemeClr>
+                </a:solidFill>
+              </a:rPr>
+              <a:t>eq</a:t>
+            </a:r>
+            <a:r>
+              <a:rPr lang="en-US" sz="1600" b="1" dirty="0" smtClean="0">
+                <a:solidFill>
+                  <a:schemeClr val="accent6">
+                    <a:lumMod val="50000"/>
+                  </a:schemeClr>
+                </a:solidFill>
+              </a:rPr>
+              <a:t>__	== operator		__</a:t>
+            </a:r>
+            <a:r>
+              <a:rPr lang="en-US" sz="1600" b="1" dirty="0" err="1" smtClean="0">
+                <a:solidFill>
+                  <a:schemeClr val="accent6">
+                    <a:lumMod val="50000"/>
+                  </a:schemeClr>
+                </a:solidFill>
+              </a:rPr>
+              <a:t>mul</a:t>
+            </a:r>
+            <a:r>
+              <a:rPr lang="en-US" sz="1600" b="1" dirty="0" smtClean="0">
+                <a:solidFill>
+                  <a:schemeClr val="accent6">
+                    <a:lumMod val="50000"/>
+                  </a:schemeClr>
+                </a:solidFill>
+              </a:rPr>
+              <a:t>__		* operator</a:t>
+            </a:r>
+          </a:p>
+          <a:p>
+            <a:pPr lvl="1"/>
+            <a:r>
+              <a:rPr lang="en-US" sz="1600" b="1" dirty="0" smtClean="0">
+                <a:solidFill>
+                  <a:schemeClr val="accent6">
+                    <a:lumMod val="50000"/>
+                  </a:schemeClr>
+                </a:solidFill>
+              </a:rPr>
+              <a:t>__ne__	!= operator		__</a:t>
+            </a:r>
+            <a:r>
+              <a:rPr lang="en-US" sz="1600" b="1" dirty="0" err="1" smtClean="0">
+                <a:solidFill>
+                  <a:schemeClr val="accent6">
+                    <a:lumMod val="50000"/>
+                  </a:schemeClr>
+                </a:solidFill>
+              </a:rPr>
+              <a:t>divmod</a:t>
+            </a:r>
+            <a:r>
+              <a:rPr lang="en-US" sz="1600" b="1" dirty="0" smtClean="0">
+                <a:solidFill>
+                  <a:schemeClr val="accent6">
+                    <a:lumMod val="50000"/>
+                  </a:schemeClr>
+                </a:solidFill>
+              </a:rPr>
+              <a:t>__	/ and % operator</a:t>
+            </a:r>
+          </a:p>
+          <a:p>
+            <a:pPr lvl="1"/>
+            <a:r>
+              <a:rPr lang="en-US" sz="1600" b="1" dirty="0" smtClean="0">
+                <a:solidFill>
+                  <a:schemeClr val="accent6">
+                    <a:lumMod val="50000"/>
+                  </a:schemeClr>
+                </a:solidFill>
+              </a:rPr>
+              <a:t>__</a:t>
+            </a:r>
+            <a:r>
+              <a:rPr lang="en-US" sz="1600" b="1" dirty="0" err="1" smtClean="0">
+                <a:solidFill>
+                  <a:schemeClr val="accent6">
+                    <a:lumMod val="50000"/>
+                  </a:schemeClr>
+                </a:solidFill>
+              </a:rPr>
+              <a:t>lt</a:t>
+            </a:r>
+            <a:r>
+              <a:rPr lang="en-US" sz="1600" b="1" dirty="0" smtClean="0">
+                <a:solidFill>
+                  <a:schemeClr val="accent6">
+                    <a:lumMod val="50000"/>
+                  </a:schemeClr>
+                </a:solidFill>
+              </a:rPr>
+              <a:t>__	&lt; operator			__</a:t>
+            </a:r>
+            <a:r>
+              <a:rPr lang="en-US" sz="1600" b="1" dirty="0" err="1" smtClean="0">
+                <a:solidFill>
+                  <a:schemeClr val="accent6">
+                    <a:lumMod val="50000"/>
+                  </a:schemeClr>
+                </a:solidFill>
+              </a:rPr>
+              <a:t>len</a:t>
+            </a:r>
+            <a:r>
+              <a:rPr lang="en-US" sz="1600" b="1" dirty="0" smtClean="0">
+                <a:solidFill>
+                  <a:schemeClr val="accent6">
+                    <a:lumMod val="50000"/>
+                  </a:schemeClr>
+                </a:solidFill>
+              </a:rPr>
+              <a:t>__		</a:t>
+            </a:r>
+            <a:r>
+              <a:rPr lang="en-US" sz="1600" b="1" dirty="0" err="1" smtClean="0">
+                <a:solidFill>
+                  <a:schemeClr val="accent6">
+                    <a:lumMod val="50000"/>
+                  </a:schemeClr>
+                </a:solidFill>
+              </a:rPr>
+              <a:t>len</a:t>
+            </a:r>
+            <a:r>
+              <a:rPr lang="en-US" sz="1600" b="1" dirty="0" smtClean="0">
+                <a:solidFill>
+                  <a:schemeClr val="accent6">
+                    <a:lumMod val="50000"/>
+                  </a:schemeClr>
+                </a:solidFill>
+              </a:rPr>
+              <a:t>() operator</a:t>
+            </a:r>
+          </a:p>
+          <a:p>
+            <a:pPr lvl="1"/>
+            <a:r>
+              <a:rPr lang="en-US" sz="1600" b="1" dirty="0" smtClean="0">
+                <a:solidFill>
+                  <a:schemeClr val="accent6">
+                    <a:lumMod val="50000"/>
+                  </a:schemeClr>
+                </a:solidFill>
+              </a:rPr>
+              <a:t>__le__	&lt;= operator		__</a:t>
+            </a:r>
+            <a:r>
+              <a:rPr lang="en-US" sz="1600" b="1" dirty="0" err="1" smtClean="0">
+                <a:solidFill>
+                  <a:schemeClr val="accent6">
+                    <a:lumMod val="50000"/>
+                  </a:schemeClr>
+                </a:solidFill>
+              </a:rPr>
+              <a:t>getitem</a:t>
+            </a:r>
+            <a:r>
+              <a:rPr lang="en-US" sz="1600" b="1" dirty="0" smtClean="0">
+                <a:solidFill>
+                  <a:schemeClr val="accent6">
+                    <a:lumMod val="50000"/>
+                  </a:schemeClr>
+                </a:solidFill>
+              </a:rPr>
+              <a:t>__	[] index operator</a:t>
+            </a:r>
+            <a:endParaRPr lang="en-US" sz="2400" b="1" dirty="0" smtClean="0">
               <a:solidFill>
-                <a:srgbClr val="00B050"/>
-              </a:solidFill>
-            </a:endParaRPr>
-          </a:p>
-          <a:p>
-            <a:r>
-              <a:rPr lang="en-US" sz="1200" dirty="0">
-                <a:solidFill>
-                  <a:srgbClr val="00B050"/>
-                </a:solidFill>
-                <a:hlinkClick r:id="rId2"/>
-              </a:rPr>
-              <a:t>https://</a:t>
-            </a:r>
-            <a:r>
-              <a:rPr lang="en-US" sz="1200" dirty="0" smtClean="0">
-                <a:solidFill>
-                  <a:srgbClr val="00B050"/>
-                </a:solidFill>
-                <a:hlinkClick r:id="rId2"/>
-              </a:rPr>
-              <a:t>docs.python.org/3/reference/datamodel.html#special-method-names</a:t>
-            </a:r>
-            <a:r>
-              <a:rPr lang="en-US" sz="1200" dirty="0" smtClean="0">
-                <a:solidFill>
-                  <a:srgbClr val="00B050"/>
-                </a:solidFill>
-              </a:rPr>
-              <a:t> </a:t>
-            </a:r>
-            <a:endParaRPr lang="en-US" sz="1200" dirty="0">
-              <a:solidFill>
-                <a:srgbClr val="00B050"/>
+                <a:schemeClr val="accent6">
+                  <a:lumMod val="50000"/>
+                </a:schemeClr>
               </a:solidFill>
             </a:endParaRPr>
           </a:p>
@@ -9095,7 +10204,7 @@
     </p:spTree>
     <p:extLst>
       <p:ext uri="{BB962C8B-B14F-4D97-AF65-F5344CB8AC3E}">
-        <p14:creationId xmlns:p14="http://schemas.microsoft.com/office/powerpoint/2010/main" val="3054380107"/>
+        <p14:creationId xmlns:p14="http://schemas.microsoft.com/office/powerpoint/2010/main" val="2701362201"/>
       </p:ext>
     </p:extLst>
   </p:cSld>
@@ -9160,7 +10269,7 @@
                   </a:schemeClr>
                 </a:solidFill>
               </a:rPr>
-              <a:t>Class Inheritance</a:t>
+              <a:t>Operator Overloading</a:t>
             </a:r>
             <a:endParaRPr lang="en-US" dirty="0">
               <a:solidFill>
@@ -9205,14 +10314,14 @@
       </p:cxnSp>
       <p:sp>
         <p:nvSpPr>
-          <p:cNvPr id="18" name="TextBox 17"/>
+          <p:cNvPr id="36" name="TextBox 35"/>
           <p:cNvSpPr txBox="1"/>
           <p:nvPr/>
         </p:nvSpPr>
         <p:spPr>
           <a:xfrm>
             <a:off x="152400" y="1164134"/>
-            <a:ext cx="8067850" cy="2893100"/>
+            <a:ext cx="1643399" cy="461665"/>
           </a:xfrm>
           <a:prstGeom prst="rect">
             <a:avLst/>
@@ -9237,31 +10346,9 @@
                   </a:schemeClr>
                 </a:solidFill>
               </a:rPr>
-              <a:t>Define</a:t>
-            </a:r>
-            <a:r>
-              <a:rPr lang="en-US" sz="2400" b="1" dirty="0" smtClean="0">
-                <a:solidFill>
-                  <a:schemeClr val="accent1">
-                    <a:lumMod val="75000"/>
-                  </a:schemeClr>
-                </a:solidFill>
-              </a:rPr>
-              <a:t>s </a:t>
-            </a:r>
-            <a:r>
-              <a:rPr lang="en-US" sz="2400" b="1" dirty="0" smtClean="0">
-                <a:solidFill>
-                  <a:schemeClr val="accent5">
-                    <a:lumMod val="75000"/>
-                  </a:schemeClr>
-                </a:solidFill>
-              </a:rPr>
-              <a:t>a new class that extends a base (superclass).</a:t>
-            </a:r>
-          </a:p>
-          <a:p>
-            <a:endParaRPr lang="en-US" sz="2400" b="1" dirty="0" smtClean="0">
+              <a:t>Example:</a:t>
+            </a:r>
+            <a:endParaRPr lang="en-US" dirty="0" smtClean="0">
               <a:solidFill>
                 <a:schemeClr val="accent5">
                   <a:lumMod val="75000"/>
@@ -9269,118 +10356,18 @@
               </a:solidFill>
             </a:endParaRPr>
           </a:p>
-          <a:p>
-            <a:pPr marL="285750" indent="-285750">
-              <a:buFont typeface="Arial" panose="020B0604020202020204" pitchFamily="34" charset="0"/>
-              <a:buChar char="•"/>
-            </a:pPr>
-            <a:r>
-              <a:rPr lang="en-US" sz="2400" b="1" dirty="0" smtClean="0">
-                <a:solidFill>
-                  <a:schemeClr val="accent5">
-                    <a:lumMod val="75000"/>
-                  </a:schemeClr>
-                </a:solidFill>
-              </a:rPr>
-              <a:t>The new class (subclass) inherits the methods and member </a:t>
-            </a:r>
-            <a:br>
-              <a:rPr lang="en-US" sz="2400" b="1" dirty="0" smtClean="0">
-                <a:solidFill>
-                  <a:schemeClr val="accent5">
-                    <a:lumMod val="75000"/>
-                  </a:schemeClr>
-                </a:solidFill>
-              </a:rPr>
-            </a:br>
-            <a:r>
-              <a:rPr lang="en-US" sz="2400" b="1" dirty="0" smtClean="0">
-                <a:solidFill>
-                  <a:schemeClr val="accent5">
-                    <a:lumMod val="75000"/>
-                  </a:schemeClr>
-                </a:solidFill>
-              </a:rPr>
-              <a:t>variables of the base (superclass).</a:t>
-            </a:r>
-          </a:p>
-          <a:p>
-            <a:endParaRPr lang="en-US" sz="2400" b="1" dirty="0">
-              <a:solidFill>
-                <a:schemeClr val="accent5">
-                  <a:lumMod val="75000"/>
-                </a:schemeClr>
-              </a:solidFill>
-            </a:endParaRPr>
-          </a:p>
-          <a:p>
-            <a:r>
-              <a:rPr lang="en-US" sz="2400" b="1" dirty="0" smtClean="0">
-                <a:solidFill>
-                  <a:schemeClr val="accent5">
-                    <a:lumMod val="75000"/>
-                  </a:schemeClr>
-                </a:solidFill>
-              </a:rPr>
-              <a:t>		</a:t>
-            </a:r>
-            <a:r>
-              <a:rPr lang="en-US" sz="1400" b="1" dirty="0" smtClean="0">
-                <a:solidFill>
-                  <a:schemeClr val="accent5">
-                    <a:lumMod val="75000"/>
-                  </a:schemeClr>
-                </a:solidFill>
-              </a:rPr>
-              <a:t>class </a:t>
-            </a:r>
-            <a:r>
-              <a:rPr lang="en-US" sz="1400" b="1" dirty="0" err="1"/>
-              <a:t>BinaryTree</a:t>
-            </a:r>
-            <a:r>
-              <a:rPr lang="en-US" sz="1400" b="1" dirty="0" smtClean="0"/>
-              <a:t>( Node ):</a:t>
-            </a:r>
-          </a:p>
-          <a:p>
-            <a:endParaRPr lang="en-US" sz="1400" b="1" dirty="0"/>
-          </a:p>
-          <a:p>
-            <a:pPr marL="285750" indent="-285750">
-              <a:buFont typeface="Arial" panose="020B0604020202020204" pitchFamily="34" charset="0"/>
-              <a:buChar char="•"/>
-            </a:pPr>
-            <a:r>
-              <a:rPr lang="en-US" sz="2400" b="1" dirty="0" smtClean="0">
-                <a:solidFill>
-                  <a:schemeClr val="accent1">
-                    <a:lumMod val="75000"/>
-                  </a:schemeClr>
-                </a:solidFill>
-              </a:rPr>
-              <a:t>Invoking the base (superclass) constructor</a:t>
-            </a:r>
-            <a:endParaRPr lang="en-US" sz="2400" b="1" dirty="0">
-              <a:solidFill>
-                <a:schemeClr val="accent1">
-                  <a:lumMod val="75000"/>
-                </a:schemeClr>
-              </a:solidFill>
-            </a:endParaRPr>
-          </a:p>
-        </p:txBody>
-      </p:sp>
-      <p:sp>
-        <p:nvSpPr>
-          <p:cNvPr id="19" name="TextBox 18"/>
+        </p:txBody>
+      </p:sp>
+      <p:sp>
+        <p:nvSpPr>
+          <p:cNvPr id="3" name="TextBox 2"/>
           <p:cNvSpPr txBox="1"/>
           <p:nvPr/>
         </p:nvSpPr>
         <p:spPr>
           <a:xfrm>
-            <a:off x="1371600" y="2743200"/>
-            <a:ext cx="1704441" cy="276999"/>
+            <a:off x="1371600" y="1981200"/>
+            <a:ext cx="5140061" cy="2862322"/>
           </a:xfrm>
           <a:prstGeom prst="rect">
             <a:avLst/>
@@ -9394,14 +10381,229 @@
           <a:lstStyle/>
           <a:p>
             <a:r>
-              <a:rPr lang="en-US" sz="1200" dirty="0" smtClean="0">
+              <a:rPr lang="en-US" b="1" dirty="0">
+                <a:solidFill>
+                  <a:schemeClr val="accent5">
+                    <a:lumMod val="75000"/>
+                  </a:schemeClr>
+                </a:solidFill>
+              </a:rPr>
+              <a:t>c</a:t>
+            </a:r>
+            <a:r>
+              <a:rPr lang="en-US" b="1" dirty="0" smtClean="0">
+                <a:solidFill>
+                  <a:schemeClr val="accent5">
+                    <a:lumMod val="75000"/>
+                  </a:schemeClr>
+                </a:solidFill>
+              </a:rPr>
+              <a:t>lass</a:t>
+            </a:r>
+            <a:r>
+              <a:rPr lang="en-US" dirty="0" smtClean="0"/>
+              <a:t> Node(object):</a:t>
+            </a:r>
+          </a:p>
+          <a:p>
+            <a:r>
+              <a:rPr lang="en-US" dirty="0"/>
+              <a:t>	</a:t>
+            </a:r>
+            <a:r>
+              <a:rPr lang="en-US" b="1" dirty="0" err="1" smtClean="0">
+                <a:solidFill>
+                  <a:schemeClr val="accent5">
+                    <a:lumMod val="75000"/>
+                  </a:schemeClr>
+                </a:solidFill>
+              </a:rPr>
+              <a:t>def</a:t>
+            </a:r>
+            <a:r>
+              <a:rPr lang="en-US" dirty="0" smtClean="0"/>
+              <a:t> __</a:t>
+            </a:r>
+            <a:r>
+              <a:rPr lang="en-US" dirty="0" err="1" smtClean="0"/>
+              <a:t>init</a:t>
+            </a:r>
+            <a:r>
+              <a:rPr lang="en-US" dirty="0" smtClean="0"/>
+              <a:t>__(self, name):</a:t>
+            </a:r>
+          </a:p>
+          <a:p>
+            <a:r>
+              <a:rPr lang="en-US" dirty="0"/>
+              <a:t>	</a:t>
+            </a:r>
+            <a:r>
+              <a:rPr lang="en-US" dirty="0" smtClean="0"/>
+              <a:t>	self.name = name</a:t>
+            </a:r>
+          </a:p>
+          <a:p>
+            <a:r>
+              <a:rPr lang="en-US" dirty="0"/>
+              <a:t>	</a:t>
+            </a:r>
+            <a:r>
+              <a:rPr lang="en-US" b="1" dirty="0" err="1" smtClean="0">
+                <a:solidFill>
+                  <a:schemeClr val="accent5">
+                    <a:lumMod val="75000"/>
+                  </a:schemeClr>
+                </a:solidFill>
+              </a:rPr>
+              <a:t>def</a:t>
+            </a:r>
+            <a:r>
+              <a:rPr lang="en-US" b="1" dirty="0" smtClean="0">
+                <a:solidFill>
+                  <a:schemeClr val="accent5">
+                    <a:lumMod val="75000"/>
+                  </a:schemeClr>
+                </a:solidFill>
+              </a:rPr>
+              <a:t> </a:t>
+            </a:r>
+            <a:r>
+              <a:rPr lang="en-US" dirty="0" smtClean="0"/>
+              <a:t>__</a:t>
+            </a:r>
+            <a:r>
+              <a:rPr lang="en-US" dirty="0" err="1" smtClean="0"/>
+              <a:t>str</a:t>
+            </a:r>
+            <a:r>
+              <a:rPr lang="en-US" dirty="0" smtClean="0"/>
+              <a:t>__( self ):</a:t>
+            </a:r>
+          </a:p>
+          <a:p>
+            <a:r>
+              <a:rPr lang="en-US" dirty="0"/>
+              <a:t>	</a:t>
+            </a:r>
+            <a:r>
+              <a:rPr lang="en-US" dirty="0" smtClean="0"/>
+              <a:t>	</a:t>
+            </a:r>
+            <a:r>
+              <a:rPr lang="en-US" b="1" dirty="0" smtClean="0">
+                <a:solidFill>
+                  <a:schemeClr val="accent5">
+                    <a:lumMod val="75000"/>
+                  </a:schemeClr>
+                </a:solidFill>
+              </a:rPr>
+              <a:t>return</a:t>
+            </a:r>
+            <a:r>
+              <a:rPr lang="en-US" dirty="0" smtClean="0"/>
+              <a:t> name</a:t>
+            </a:r>
+          </a:p>
+          <a:p>
+            <a:r>
+              <a:rPr lang="en-US" dirty="0"/>
+              <a:t>	</a:t>
+            </a:r>
+            <a:r>
+              <a:rPr lang="en-US" b="1" dirty="0" err="1" smtClean="0">
+                <a:solidFill>
+                  <a:schemeClr val="accent5">
+                    <a:lumMod val="75000"/>
+                  </a:schemeClr>
+                </a:solidFill>
+              </a:rPr>
+              <a:t>def</a:t>
+            </a:r>
+            <a:r>
+              <a:rPr lang="en-US" dirty="0" smtClean="0"/>
+              <a:t>__</a:t>
+            </a:r>
+            <a:r>
+              <a:rPr lang="en-US" dirty="0" err="1" smtClean="0"/>
+              <a:t>eq</a:t>
+            </a:r>
+            <a:r>
+              <a:rPr lang="en-US" dirty="0" smtClean="0"/>
+              <a:t>__( self, other ):</a:t>
+            </a:r>
+          </a:p>
+          <a:p>
+            <a:r>
+              <a:rPr lang="en-US" dirty="0"/>
+              <a:t>	</a:t>
+            </a:r>
+            <a:r>
+              <a:rPr lang="en-US" dirty="0" smtClean="0"/>
+              <a:t>	</a:t>
+            </a:r>
+            <a:r>
+              <a:rPr lang="en-US" b="1" dirty="0" smtClean="0">
+                <a:solidFill>
+                  <a:schemeClr val="accent5">
+                    <a:lumMod val="75000"/>
+                  </a:schemeClr>
+                </a:solidFill>
+              </a:rPr>
+              <a:t>return</a:t>
+            </a:r>
+            <a:r>
+              <a:rPr lang="en-US" dirty="0" smtClean="0"/>
+              <a:t> (self.name == other.name)</a:t>
+            </a:r>
+          </a:p>
+          <a:p>
+            <a:endParaRPr lang="en-US" dirty="0"/>
+          </a:p>
+          <a:p>
+            <a:r>
+              <a:rPr lang="en-US" dirty="0" smtClean="0"/>
+              <a:t>node = Node( ‘</a:t>
+            </a:r>
+            <a:r>
+              <a:rPr lang="en-US" dirty="0" err="1" smtClean="0"/>
+              <a:t>foobar</a:t>
+            </a:r>
+            <a:r>
+              <a:rPr lang="en-US" dirty="0" smtClean="0"/>
+              <a:t>’) </a:t>
+            </a:r>
+          </a:p>
+          <a:p>
+            <a:r>
+              <a:rPr lang="en-US" dirty="0" smtClean="0"/>
+              <a:t>print (</a:t>
+            </a:r>
+            <a:r>
+              <a:rPr lang="en-US" dirty="0" err="1" smtClean="0"/>
+              <a:t>str</a:t>
+            </a:r>
+            <a:r>
+              <a:rPr lang="en-US" dirty="0" smtClean="0"/>
+              <a:t>( node ) )		</a:t>
+            </a:r>
+            <a:r>
+              <a:rPr lang="en-US" dirty="0" smtClean="0">
                 <a:solidFill>
                   <a:srgbClr val="00B050"/>
                 </a:solidFill>
               </a:rPr>
-              <a:t>Derived (subclass) name</a:t>
-            </a:r>
-            <a:endParaRPr lang="en-US" sz="1200" dirty="0">
+              <a:t># will print </a:t>
+            </a:r>
+            <a:r>
+              <a:rPr lang="en-US" dirty="0" err="1" smtClean="0">
+                <a:solidFill>
+                  <a:srgbClr val="00B050"/>
+                </a:solidFill>
+              </a:rPr>
+              <a:t>foobar</a:t>
+            </a:r>
+            <a:endParaRPr lang="en-US" dirty="0">
               <a:solidFill>
                 <a:srgbClr val="00B050"/>
               </a:solidFill>
@@ -9411,357 +10613,13 @@
       </p:sp>
       <p:sp>
         <p:nvSpPr>
-          <p:cNvPr id="21" name="TextBox 20"/>
-          <p:cNvSpPr txBox="1"/>
-          <p:nvPr/>
-        </p:nvSpPr>
-        <p:spPr>
-          <a:xfrm>
-            <a:off x="3733800" y="2743199"/>
-            <a:ext cx="2277675" cy="276999"/>
-          </a:xfrm>
-          <a:prstGeom prst="rect">
-            <a:avLst/>
-          </a:prstGeom>
-          <a:noFill/>
-        </p:spPr>
-        <p:txBody>
-          <a:bodyPr wrap="none" rtlCol="0">
-            <a:spAutoFit/>
-          </a:bodyPr>
-          <a:lstStyle/>
-          <a:p>
-            <a:r>
-              <a:rPr lang="en-US" sz="1200" dirty="0" smtClean="0">
-                <a:solidFill>
-                  <a:srgbClr val="00B050"/>
-                </a:solidFill>
-              </a:rPr>
-              <a:t>Base (superclass) that is inherited</a:t>
-            </a:r>
-            <a:endParaRPr lang="en-US" sz="1200" dirty="0">
-              <a:solidFill>
-                <a:srgbClr val="00B050"/>
-              </a:solidFill>
-            </a:endParaRPr>
-          </a:p>
-        </p:txBody>
-      </p:sp>
-      <p:cxnSp>
-        <p:nvCxnSpPr>
-          <p:cNvPr id="6" name="Curved Connector 5"/>
-          <p:cNvCxnSpPr/>
-          <p:nvPr/>
-        </p:nvCxnSpPr>
-        <p:spPr>
-          <a:xfrm rot="16200000" flipH="1">
-            <a:off x="2590800" y="3048000"/>
-            <a:ext cx="228600" cy="76200"/>
-          </a:xfrm>
-          <a:prstGeom prst="curvedConnector3">
-            <a:avLst/>
-          </a:prstGeom>
-          <a:ln>
-            <a:solidFill>
-              <a:srgbClr val="00B050"/>
-            </a:solidFill>
-            <a:tailEnd type="arrow"/>
-          </a:ln>
-        </p:spPr>
-        <p:style>
-          <a:lnRef idx="1">
-            <a:schemeClr val="accent1"/>
-          </a:lnRef>
-          <a:fillRef idx="0">
-            <a:schemeClr val="accent1"/>
-          </a:fillRef>
-          <a:effectRef idx="0">
-            <a:schemeClr val="accent1"/>
-          </a:effectRef>
-          <a:fontRef idx="minor">
-            <a:schemeClr val="tx1"/>
-          </a:fontRef>
-        </p:style>
-      </p:cxnSp>
-      <p:cxnSp>
-        <p:nvCxnSpPr>
-          <p:cNvPr id="22" name="Curved Connector 21"/>
-          <p:cNvCxnSpPr>
-            <a:stCxn id="21" idx="1"/>
-          </p:cNvCxnSpPr>
-          <p:nvPr/>
-        </p:nvCxnSpPr>
-        <p:spPr>
-          <a:xfrm rot="10800000" flipV="1">
-            <a:off x="3581400" y="2881699"/>
-            <a:ext cx="152400" cy="318700"/>
-          </a:xfrm>
-          <a:prstGeom prst="curvedConnector2">
-            <a:avLst/>
-          </a:prstGeom>
-          <a:ln>
-            <a:solidFill>
-              <a:srgbClr val="00B050"/>
-            </a:solidFill>
-            <a:tailEnd type="arrow"/>
-          </a:ln>
-        </p:spPr>
-        <p:style>
-          <a:lnRef idx="1">
-            <a:schemeClr val="accent1"/>
-          </a:lnRef>
-          <a:fillRef idx="0">
-            <a:schemeClr val="accent1"/>
-          </a:fillRef>
-          <a:effectRef idx="0">
-            <a:schemeClr val="accent1"/>
-          </a:effectRef>
-          <a:fontRef idx="minor">
-            <a:schemeClr val="tx1"/>
-          </a:fontRef>
-        </p:style>
-      </p:cxnSp>
-      <p:sp>
-        <p:nvSpPr>
-          <p:cNvPr id="11" name="Rectangle 10"/>
+          <p:cNvPr id="6" name="Right Arrow 5"/>
           <p:cNvSpPr/>
           <p:nvPr/>
         </p:nvSpPr>
         <p:spPr>
-          <a:xfrm>
-            <a:off x="1524000" y="4267200"/>
-            <a:ext cx="7010400" cy="1200329"/>
-          </a:xfrm>
-          <a:prstGeom prst="rect">
-            <a:avLst/>
-          </a:prstGeom>
-        </p:spPr>
-        <p:txBody>
-          <a:bodyPr wrap="square">
-            <a:spAutoFit/>
-          </a:bodyPr>
-          <a:lstStyle/>
-          <a:p>
-            <a:r>
-              <a:rPr lang="en-US" dirty="0" smtClean="0">
-                <a:solidFill>
-                  <a:srgbClr val="0070C0"/>
-                </a:solidFill>
-              </a:rPr>
-              <a:t>class</a:t>
-            </a:r>
-            <a:r>
-              <a:rPr lang="en-US" dirty="0" smtClean="0"/>
-              <a:t> </a:t>
-            </a:r>
-            <a:r>
-              <a:rPr lang="en-US" dirty="0" err="1" smtClean="0"/>
-              <a:t>BinaryTree</a:t>
-            </a:r>
-            <a:r>
-              <a:rPr lang="en-US" dirty="0" smtClean="0"/>
-              <a:t>( Node ):</a:t>
-            </a:r>
-          </a:p>
-          <a:p>
-            <a:r>
-              <a:rPr lang="en-US" dirty="0" smtClean="0"/>
-              <a:t>	# </a:t>
-            </a:r>
-            <a:r>
-              <a:rPr lang="en-US" dirty="0"/>
-              <a:t>Constructor: set the node data and left/right subtrees to null</a:t>
-            </a:r>
-          </a:p>
-          <a:p>
-            <a:r>
-              <a:rPr lang="en-US" dirty="0" smtClean="0"/>
-              <a:t>	</a:t>
-            </a:r>
-            <a:r>
-              <a:rPr lang="en-US" dirty="0" err="1" smtClean="0">
-                <a:solidFill>
-                  <a:srgbClr val="0070C0"/>
-                </a:solidFill>
-              </a:rPr>
-              <a:t>def</a:t>
-            </a:r>
-            <a:r>
-              <a:rPr lang="en-US" dirty="0" smtClean="0">
-                <a:solidFill>
-                  <a:srgbClr val="0070C0"/>
-                </a:solidFill>
-              </a:rPr>
-              <a:t> </a:t>
-            </a:r>
-            <a:r>
-              <a:rPr lang="en-US" dirty="0">
-                <a:solidFill>
-                  <a:srgbClr val="0070C0"/>
-                </a:solidFill>
-              </a:rPr>
-              <a:t>__</a:t>
-            </a:r>
-            <a:r>
-              <a:rPr lang="en-US" dirty="0" err="1">
-                <a:solidFill>
-                  <a:srgbClr val="0070C0"/>
-                </a:solidFill>
-              </a:rPr>
-              <a:t>init</a:t>
-            </a:r>
-            <a:r>
-              <a:rPr lang="en-US" dirty="0">
-                <a:solidFill>
-                  <a:srgbClr val="0070C0"/>
-                </a:solidFill>
-              </a:rPr>
-              <a:t>__</a:t>
-            </a:r>
-            <a:r>
-              <a:rPr lang="en-US" dirty="0"/>
-              <a:t>( self, key ):</a:t>
-            </a:r>
-          </a:p>
-          <a:p>
-            <a:r>
-              <a:rPr lang="en-US" dirty="0"/>
-              <a:t>	</a:t>
-            </a:r>
-            <a:r>
-              <a:rPr lang="en-US" dirty="0" smtClean="0"/>
-              <a:t>	</a:t>
-            </a:r>
-            <a:r>
-              <a:rPr lang="en-US" dirty="0" smtClean="0">
-                <a:solidFill>
-                  <a:schemeClr val="accent5">
-                    <a:lumMod val="75000"/>
-                  </a:schemeClr>
-                </a:solidFill>
-              </a:rPr>
-              <a:t>super</a:t>
-            </a:r>
-            <a:r>
-              <a:rPr lang="en-US" dirty="0" smtClean="0"/>
-              <a:t>()</a:t>
-            </a:r>
-            <a:r>
-              <a:rPr lang="en-US" dirty="0" smtClean="0">
-                <a:solidFill>
-                  <a:srgbClr val="0070C0"/>
-                </a:solidFill>
-              </a:rPr>
-              <a:t>.__</a:t>
-            </a:r>
-            <a:r>
-              <a:rPr lang="en-US" dirty="0" err="1">
-                <a:solidFill>
-                  <a:srgbClr val="0070C0"/>
-                </a:solidFill>
-              </a:rPr>
-              <a:t>init</a:t>
-            </a:r>
-            <a:r>
-              <a:rPr lang="en-US" dirty="0">
-                <a:solidFill>
-                  <a:srgbClr val="0070C0"/>
-                </a:solidFill>
-              </a:rPr>
-              <a:t>__</a:t>
-            </a:r>
-            <a:r>
-              <a:rPr lang="en-US" dirty="0"/>
-              <a:t>( self, key )</a:t>
-            </a:r>
-          </a:p>
-        </p:txBody>
-      </p:sp>
-      <p:sp>
-        <p:nvSpPr>
-          <p:cNvPr id="26" name="TextBox 25"/>
-          <p:cNvSpPr txBox="1"/>
-          <p:nvPr/>
-        </p:nvSpPr>
-        <p:spPr>
-          <a:xfrm>
-            <a:off x="142336" y="4867364"/>
-            <a:ext cx="2070247" cy="276999"/>
-          </a:xfrm>
-          <a:prstGeom prst="rect">
-            <a:avLst/>
-          </a:prstGeom>
-          <a:noFill/>
-        </p:spPr>
-        <p:txBody>
-          <a:bodyPr wrap="none" rtlCol="0">
-            <a:spAutoFit/>
-          </a:bodyPr>
-          <a:lstStyle/>
-          <a:p>
-            <a:r>
-              <a:rPr lang="en-US" sz="1200" dirty="0" smtClean="0">
-                <a:solidFill>
-                  <a:srgbClr val="FF0000"/>
-                </a:solidFill>
-              </a:rPr>
-              <a:t>Derived (subclass) constructor</a:t>
-            </a:r>
-            <a:endParaRPr lang="en-US" sz="1200" dirty="0">
-              <a:solidFill>
-                <a:srgbClr val="FF0000"/>
-              </a:solidFill>
-            </a:endParaRPr>
-          </a:p>
-        </p:txBody>
-      </p:sp>
-      <p:sp>
-        <p:nvSpPr>
-          <p:cNvPr id="27" name="TextBox 26"/>
-          <p:cNvSpPr txBox="1"/>
-          <p:nvPr/>
-        </p:nvSpPr>
-        <p:spPr>
-          <a:xfrm>
-            <a:off x="153573" y="5144363"/>
-            <a:ext cx="2448491" cy="276999"/>
-          </a:xfrm>
-          <a:prstGeom prst="rect">
-            <a:avLst/>
-          </a:prstGeom>
-          <a:noFill/>
-        </p:spPr>
-        <p:txBody>
-          <a:bodyPr wrap="none" rtlCol="0">
-            <a:spAutoFit/>
-          </a:bodyPr>
-          <a:lstStyle/>
-          <a:p>
-            <a:r>
-              <a:rPr lang="en-US" sz="1200" dirty="0" smtClean="0">
-                <a:solidFill>
-                  <a:srgbClr val="FF0000"/>
-                </a:solidFill>
-              </a:rPr>
-              <a:t>Invoke base (superclass) constructor</a:t>
-            </a:r>
-            <a:endParaRPr lang="en-US" sz="1200" dirty="0">
-              <a:solidFill>
-                <a:srgbClr val="FF0000"/>
-              </a:solidFill>
-            </a:endParaRPr>
-          </a:p>
-        </p:txBody>
-      </p:sp>
-      <p:sp>
-        <p:nvSpPr>
-          <p:cNvPr id="28" name="Right Arrow 27"/>
-          <p:cNvSpPr/>
-          <p:nvPr/>
-        </p:nvSpPr>
-        <p:spPr>
-          <a:xfrm>
-            <a:off x="2223820" y="4936613"/>
+          <a:xfrm rot="10800000">
+            <a:off x="6096000" y="2971800"/>
             <a:ext cx="235706" cy="138499"/>
           </a:xfrm>
           <a:prstGeom prst="rightArrow">
@@ -9803,13 +10661,89 @@
       </p:sp>
       <p:sp>
         <p:nvSpPr>
-          <p:cNvPr id="29" name="Right Arrow 28"/>
+          <p:cNvPr id="7" name="TextBox 6"/>
+          <p:cNvSpPr txBox="1"/>
+          <p:nvPr/>
+        </p:nvSpPr>
+        <p:spPr>
+          <a:xfrm>
+            <a:off x="6429369" y="2878584"/>
+            <a:ext cx="1827808" cy="276999"/>
+          </a:xfrm>
+          <a:prstGeom prst="rect">
+            <a:avLst/>
+          </a:prstGeom>
+          <a:noFill/>
+        </p:spPr>
+        <p:txBody>
+          <a:bodyPr wrap="none" rtlCol="0">
+            <a:spAutoFit/>
+          </a:bodyPr>
+          <a:lstStyle/>
+          <a:p>
+            <a:r>
+              <a:rPr lang="en-US" sz="1200" dirty="0" smtClean="0">
+                <a:solidFill>
+                  <a:srgbClr val="FF0000"/>
+                </a:solidFill>
+              </a:rPr>
+              <a:t>Override string conversion</a:t>
+            </a:r>
+            <a:endParaRPr lang="en-US" sz="1200" dirty="0">
+              <a:solidFill>
+                <a:srgbClr val="FF0000"/>
+              </a:solidFill>
+            </a:endParaRPr>
+          </a:p>
+        </p:txBody>
+      </p:sp>
+      <p:sp>
+        <p:nvSpPr>
+          <p:cNvPr id="8" name="TextBox 7"/>
+          <p:cNvSpPr txBox="1"/>
+          <p:nvPr/>
+        </p:nvSpPr>
+        <p:spPr>
+          <a:xfrm>
+            <a:off x="6409241" y="3312049"/>
+            <a:ext cx="1881092" cy="276999"/>
+          </a:xfrm>
+          <a:prstGeom prst="rect">
+            <a:avLst/>
+          </a:prstGeom>
+          <a:noFill/>
+        </p:spPr>
+        <p:txBody>
+          <a:bodyPr wrap="none" rtlCol="0">
+            <a:spAutoFit/>
+          </a:bodyPr>
+          <a:lstStyle/>
+          <a:p>
+            <a:r>
+              <a:rPr lang="en-US" sz="1200" dirty="0" smtClean="0">
+                <a:solidFill>
+                  <a:srgbClr val="FF0000"/>
+                </a:solidFill>
+              </a:rPr>
+              <a:t>Override equal comparison</a:t>
+            </a:r>
+            <a:endParaRPr lang="en-US" sz="1200" dirty="0">
+              <a:solidFill>
+                <a:srgbClr val="FF0000"/>
+              </a:solidFill>
+            </a:endParaRPr>
+          </a:p>
+        </p:txBody>
+      </p:sp>
+      <p:sp>
+        <p:nvSpPr>
+          <p:cNvPr id="9" name="Right Arrow 8"/>
           <p:cNvSpPr/>
           <p:nvPr/>
         </p:nvSpPr>
         <p:spPr>
-          <a:xfrm>
-            <a:off x="2587247" y="5213612"/>
+          <a:xfrm rot="10800000">
+            <a:off x="6113170" y="3381298"/>
             <a:ext cx="235706" cy="138499"/>
           </a:xfrm>
           <a:prstGeom prst="rightArrow">
@@ -9851,14 +10785,14 @@
       </p:sp>
       <p:sp>
         <p:nvSpPr>
-          <p:cNvPr id="4" name="TextBox 3"/>
+          <p:cNvPr id="10" name="TextBox 9"/>
           <p:cNvSpPr txBox="1"/>
           <p:nvPr/>
         </p:nvSpPr>
         <p:spPr>
           <a:xfrm>
-            <a:off x="568117" y="5794075"/>
-            <a:ext cx="7966283" cy="830997"/>
+            <a:off x="914400" y="5785447"/>
+            <a:ext cx="6570966" cy="646331"/>
           </a:xfrm>
           <a:prstGeom prst="rect">
             <a:avLst/>
@@ -9878,81 +10812,44 @@
           <a:lstStyle/>
           <a:p>
             <a:r>
-              <a:rPr lang="en-US" sz="1200" b="1" i="1" dirty="0"/>
-              <a:t>Good Practice</a:t>
-            </a:r>
-            <a:r>
-              <a:rPr lang="en-US" sz="1200" dirty="0"/>
-              <a:t>: it's generally considered good practice to have non-inheriting classes explicitly inherit from the "object" </a:t>
-            </a:r>
-            <a:r>
-              <a:rPr lang="en-US" sz="1200" dirty="0" smtClean="0"/>
-              <a:t>class.</a:t>
-            </a:r>
-          </a:p>
-          <a:p>
-            <a:endParaRPr lang="en-US" sz="1200" dirty="0"/>
-          </a:p>
-          <a:p>
-            <a:r>
-              <a:rPr lang="en-US" sz="1200" b="1" i="1" dirty="0"/>
-              <a:t> </a:t>
-            </a:r>
-            <a:r>
               <a:rPr lang="en-US" sz="1200" b="1" i="1" dirty="0" smtClean="0"/>
-              <a:t>Example: </a:t>
+              <a:t>A full list of magic (special) methods that can be overwritten is available on the python.org website:</a:t>
+            </a:r>
+          </a:p>
+          <a:p>
+            <a:endParaRPr lang="en-US" sz="1200" b="1" i="1" dirty="0">
+              <a:solidFill>
+                <a:srgbClr val="00B050"/>
+              </a:solidFill>
+            </a:endParaRPr>
+          </a:p>
+          <a:p>
+            <a:r>
+              <a:rPr lang="en-US" sz="1200" dirty="0">
+                <a:solidFill>
+                  <a:srgbClr val="00B050"/>
+                </a:solidFill>
+                <a:hlinkClick r:id="rId2"/>
+              </a:rPr>
+              <a:t>https://</a:t>
             </a:r>
             <a:r>
               <a:rPr lang="en-US" sz="1200" dirty="0" smtClean="0">
                 <a:solidFill>
                   <a:srgbClr val="00B050"/>
                 </a:solidFill>
-              </a:rPr>
-              <a:t>class </a:t>
-            </a:r>
-            <a:r>
-              <a:rPr lang="en-US" sz="1200" dirty="0">
+                <a:hlinkClick r:id="rId2"/>
+              </a:rPr>
+              <a:t>docs.python.org/3/reference/datamodel.html#special-method-names</a:t>
+            </a:r>
+            <a:r>
+              <a:rPr lang="en-US" sz="1200" dirty="0" smtClean="0">
                 <a:solidFill>
                   <a:srgbClr val="00B050"/>
                 </a:solidFill>
               </a:rPr>
-              <a:t>Node</a:t>
-            </a:r>
-            <a:r>
-              <a:rPr lang="en-US" sz="1200" dirty="0" smtClean="0">
-                <a:solidFill>
-                  <a:srgbClr val="00B050"/>
-                </a:solidFill>
-              </a:rPr>
-              <a:t>: </a:t>
-            </a:r>
-            <a:r>
-              <a:rPr lang="en-US" sz="1200" dirty="0" smtClean="0"/>
-              <a:t>would become </a:t>
-            </a:r>
-            <a:r>
-              <a:rPr lang="en-US" sz="1200" dirty="0" smtClean="0">
-                <a:solidFill>
-                  <a:srgbClr val="00B050"/>
-                </a:solidFill>
-              </a:rPr>
-              <a:t>class Node(object):</a:t>
-            </a:r>
-            <a:r>
-              <a:rPr lang="en-US" sz="1200" dirty="0">
-                <a:solidFill>
-                  <a:srgbClr val="00B050"/>
-                </a:solidFill>
-              </a:rPr>
-              <a:t/>
-            </a:r>
-            <a:br>
-              <a:rPr lang="en-US" sz="1200" dirty="0">
-                <a:solidFill>
-                  <a:srgbClr val="00B050"/>
-                </a:solidFill>
-              </a:rPr>
-            </a:br>
+              <a:t> </a:t>
+            </a:r>
             <a:endParaRPr lang="en-US" sz="1200" dirty="0">
               <a:solidFill>
                 <a:srgbClr val="00B050"/>
@@ -9964,7 +10861,7 @@
     </p:spTree>
     <p:extLst>
       <p:ext uri="{BB962C8B-B14F-4D97-AF65-F5344CB8AC3E}">
-        <p14:creationId xmlns:p14="http://schemas.microsoft.com/office/powerpoint/2010/main" val="1569458606"/>
+        <p14:creationId xmlns:p14="http://schemas.microsoft.com/office/powerpoint/2010/main" val="3054380107"/>
       </p:ext>
     </p:extLst>
   </p:cSld>

--- a/Presentations/Python - OOP.pptx
+++ b/Presentations/Python - OOP.pptx
@@ -13,8 +13,8 @@
     <p:sldId id="284" r:id="rId4"/>
     <p:sldId id="285" r:id="rId5"/>
     <p:sldId id="283" r:id="rId6"/>
-    <p:sldId id="282" r:id="rId7"/>
-    <p:sldId id="290" r:id="rId8"/>
+    <p:sldId id="290" r:id="rId7"/>
+    <p:sldId id="282" r:id="rId8"/>
     <p:sldId id="288" r:id="rId9"/>
     <p:sldId id="289" r:id="rId10"/>
     <p:sldId id="286" r:id="rId11"/>
@@ -8034,7 +8034,7 @@
                   </a:schemeClr>
                 </a:solidFill>
               </a:rPr>
-              <a:t>Getter/Setter using Property Decorator</a:t>
+              <a:t>Method Overloading using Default Parameter</a:t>
             </a:r>
             <a:endParaRPr lang="en-US" sz="3600" dirty="0">
               <a:solidFill>
@@ -8086,7 +8086,7 @@
         <p:spPr>
           <a:xfrm>
             <a:off x="152400" y="1164134"/>
-            <a:ext cx="8439105" cy="1569660"/>
+            <a:ext cx="8458534" cy="1938992"/>
           </a:xfrm>
           <a:prstGeom prst="rect">
             <a:avLst/>
@@ -8111,7 +8111,26 @@
                   </a:schemeClr>
                 </a:solidFill>
               </a:rPr>
-              <a:t>A decorator is a @property statement added before a function</a:t>
+              <a:t>A default parameter to a function is where a default value is </a:t>
+            </a:r>
+            <a:br>
+              <a:rPr lang="en-US" sz="2400" b="1" dirty="0" smtClean="0">
+                <a:solidFill>
+                  <a:schemeClr val="accent5">
+                    <a:lumMod val="75000"/>
+                  </a:schemeClr>
+                </a:solidFill>
+              </a:rPr>
+            </a:br>
+            <a:r>
+              <a:rPr lang="en-US" sz="2400" b="1" dirty="0" smtClean="0">
+                <a:solidFill>
+                  <a:schemeClr val="accent5">
+                    <a:lumMod val="75000"/>
+                  </a:schemeClr>
+                </a:solidFill>
+              </a:rPr>
+              <a:t>specified in the function definition, when the function is called</a:t>
             </a:r>
           </a:p>
           <a:p>
@@ -8133,8 +8152,10 @@
                   </a:schemeClr>
                 </a:solidFill>
               </a:rPr>
-              <a:t>   definition that changes a method into a property.</a:t>
-            </a:r>
+              <a:t>   without the parameter.</a:t>
+            </a:r>
+          </a:p>
+          <a:p>
             <a:endParaRPr lang="en-US" sz="2400" b="1" dirty="0" smtClean="0">
               <a:solidFill>
                 <a:schemeClr val="accent5">
@@ -8144,15 +8165,6 @@
             </a:endParaRPr>
           </a:p>
           <a:p>
-            <a:endParaRPr lang="en-US" sz="2400" b="1" dirty="0" smtClean="0">
-              <a:solidFill>
-                <a:schemeClr val="accent5">
-                  <a:lumMod val="75000"/>
-                </a:schemeClr>
-              </a:solidFill>
-            </a:endParaRPr>
-          </a:p>
-          <a:p>
             <a:pPr marL="285750" indent="-285750">
               <a:buFont typeface="Arial" panose="020B0604020202020204" pitchFamily="34" charset="0"/>
               <a:buChar char="•"/>
@@ -8165,15 +8177,8 @@
                   </a:schemeClr>
                 </a:solidFill>
               </a:rPr>
-              <a:t>Getter/Setter</a:t>
-            </a:r>
-            <a:endParaRPr lang="en-US" sz="2400" b="1" dirty="0" smtClean="0">
-              <a:solidFill>
-                <a:schemeClr val="accent5">
-                  <a:lumMod val="75000"/>
-                </a:schemeClr>
-              </a:solidFill>
-            </a:endParaRPr>
+              <a:t>Example: Setter and Getter</a:t>
+            </a:r>
           </a:p>
         </p:txBody>
       </p:sp>
@@ -8185,8 +8190,8 @@
         </p:nvSpPr>
         <p:spPr>
           <a:xfrm>
-            <a:off x="3168066" y="2907456"/>
-            <a:ext cx="3298595" cy="3046988"/>
+            <a:off x="3200606" y="3581400"/>
+            <a:ext cx="3298595" cy="1569660"/>
           </a:xfrm>
           <a:prstGeom prst="rect">
             <a:avLst/>
@@ -8202,80 +8207,51 @@
             <a:r>
               <a:rPr lang="en-US" sz="1600" dirty="0" smtClean="0">
                 <a:solidFill>
-                  <a:srgbClr val="0070C0"/>
-                </a:solidFill>
-              </a:rPr>
-              <a:t>Class </a:t>
+                  <a:srgbClr val="00B050"/>
+                </a:solidFill>
+              </a:rPr>
+              <a:t># Set of Get Next</a:t>
+            </a:r>
+          </a:p>
+          <a:p>
+            <a:r>
+              <a:rPr lang="en-US" sz="1600" dirty="0" err="1" smtClean="0">
+                <a:solidFill>
+                  <a:schemeClr val="accent5">
+                    <a:lumMod val="75000"/>
+                  </a:schemeClr>
+                </a:solidFill>
+              </a:rPr>
+              <a:t>def</a:t>
+            </a:r>
+            <a:r>
+              <a:rPr lang="en-US" sz="1600" dirty="0" smtClean="0">
+                <a:solidFill>
+                  <a:schemeClr val="accent5">
+                    <a:lumMod val="75000"/>
+                  </a:schemeClr>
+                </a:solidFill>
+              </a:rPr>
+              <a:t> </a:t>
             </a:r>
             <a:r>
               <a:rPr lang="en-US" sz="1600" dirty="0" smtClean="0"/>
-              <a:t>Node:</a:t>
+              <a:t>Next( self, next = </a:t>
             </a:r>
             <a:r>
               <a:rPr lang="en-US" sz="1600" dirty="0" smtClean="0">
                 <a:solidFill>
-                  <a:srgbClr val="0070C0"/>
-                </a:solidFill>
-              </a:rPr>
-              <a:t/>
-            </a:r>
-            <a:br>
-              <a:rPr lang="en-US" sz="1600" dirty="0" smtClean="0">
-                <a:solidFill>
-                  <a:srgbClr val="0070C0"/>
-                </a:solidFill>
-              </a:rPr>
-            </a:br>
-            <a:r>
-              <a:rPr lang="en-US" sz="1600" dirty="0" smtClean="0">
-                <a:solidFill>
-                  <a:srgbClr val="0070C0"/>
-                </a:solidFill>
-              </a:rPr>
-              <a:t>	@property</a:t>
-            </a:r>
-            <a:endParaRPr lang="en-US" sz="1600" dirty="0" smtClean="0">
-              <a:solidFill>
-                <a:srgbClr val="0070C0"/>
-              </a:solidFill>
-            </a:endParaRPr>
-          </a:p>
-          <a:p>
-            <a:r>
-              <a:rPr lang="en-US" sz="1600" dirty="0" smtClean="0">
-                <a:solidFill>
                   <a:schemeClr val="accent5">
                     <a:lumMod val="75000"/>
                   </a:schemeClr>
                 </a:solidFill>
               </a:rPr>
-              <a:t>	</a:t>
-            </a:r>
-            <a:r>
-              <a:rPr lang="en-US" sz="1600" dirty="0" err="1" smtClean="0">
-                <a:solidFill>
-                  <a:schemeClr val="accent5">
-                    <a:lumMod val="75000"/>
-                  </a:schemeClr>
-                </a:solidFill>
-              </a:rPr>
-              <a:t>def</a:t>
-            </a:r>
-            <a:r>
-              <a:rPr lang="en-US" sz="1600" dirty="0" smtClean="0">
-                <a:solidFill>
-                  <a:schemeClr val="accent5">
-                    <a:lumMod val="75000"/>
-                  </a:schemeClr>
-                </a:solidFill>
-              </a:rPr>
-              <a:t> </a:t>
+              <a:t>None</a:t>
             </a:r>
             <a:r>
               <a:rPr lang="en-US" sz="1600" dirty="0" smtClean="0"/>
-              <a:t>next(self):</a:t>
-            </a:r>
-            <a:endParaRPr lang="en-US" sz="1600" dirty="0"/>
+              <a:t> )</a:t>
+            </a:r>
           </a:p>
           <a:p>
             <a:r>
@@ -8283,6 +8259,40 @@
               <a:t>	</a:t>
             </a:r>
             <a:r>
+              <a:rPr lang="en-US" sz="1600" dirty="0" smtClean="0">
+                <a:solidFill>
+                  <a:schemeClr val="accent5">
+                    <a:lumMod val="75000"/>
+                  </a:schemeClr>
+                </a:solidFill>
+              </a:rPr>
+              <a:t>if </a:t>
+            </a:r>
+            <a:r>
+              <a:rPr lang="en-US" sz="1600" dirty="0" smtClean="0"/>
+              <a:t>next </a:t>
+            </a:r>
+            <a:r>
+              <a:rPr lang="en-US" sz="1600" dirty="0" smtClean="0">
+                <a:solidFill>
+                  <a:schemeClr val="accent5">
+                    <a:lumMod val="75000"/>
+                  </a:schemeClr>
+                </a:solidFill>
+              </a:rPr>
+              <a:t>is None</a:t>
+            </a:r>
+            <a:r>
+              <a:rPr lang="en-US" sz="1600" dirty="0" smtClean="0"/>
+              <a:t>:</a:t>
+            </a:r>
+          </a:p>
+          <a:p>
+            <a:r>
+              <a:rPr lang="en-US" sz="1600" dirty="0"/>
+              <a:t>	</a:t>
+            </a:r>
+            <a:r>
               <a:rPr lang="en-US" sz="1600" dirty="0" smtClean="0"/>
               <a:t>	</a:t>
             </a:r>
@@ -8307,86 +8317,9 @@
             <a:endParaRPr lang="en-US" sz="1600" dirty="0" smtClean="0"/>
           </a:p>
           <a:p>
-            <a:endParaRPr lang="en-US" sz="1600" dirty="0" smtClean="0"/>
-          </a:p>
-          <a:p>
-            <a:r>
-              <a:rPr lang="en-US" sz="1600" dirty="0" smtClean="0">
-                <a:solidFill>
-                  <a:srgbClr val="0070C0"/>
-                </a:solidFill>
-              </a:rPr>
-              <a:t>	@</a:t>
-            </a:r>
-            <a:r>
-              <a:rPr lang="en-US" sz="1600" dirty="0" err="1" smtClean="0"/>
-              <a:t>next.</a:t>
-            </a:r>
-            <a:r>
-              <a:rPr lang="en-US" sz="1600" dirty="0" err="1" smtClean="0">
-                <a:solidFill>
-                  <a:srgbClr val="0070C0"/>
-                </a:solidFill>
-              </a:rPr>
-              <a:t>setter</a:t>
-            </a:r>
-            <a:r>
-              <a:rPr lang="en-US" sz="1600" dirty="0" smtClean="0">
-                <a:solidFill>
-                  <a:srgbClr val="0070C0"/>
-                </a:solidFill>
-              </a:rPr>
-              <a:t/>
-            </a:r>
-            <a:br>
-              <a:rPr lang="en-US" sz="1600" dirty="0" smtClean="0">
-                <a:solidFill>
-                  <a:srgbClr val="0070C0"/>
-                </a:solidFill>
-              </a:rPr>
-            </a:br>
-            <a:r>
-              <a:rPr lang="en-US" sz="1600" dirty="0" smtClean="0">
-                <a:solidFill>
-                  <a:srgbClr val="0070C0"/>
-                </a:solidFill>
-              </a:rPr>
+            <a:r>
+              <a:rPr lang="en-US" sz="1600" dirty="0"/>
               <a:t>	</a:t>
-            </a:r>
-            <a:r>
-              <a:rPr lang="en-US" sz="1600" dirty="0" err="1" smtClean="0">
-                <a:solidFill>
-                  <a:srgbClr val="0070C0"/>
-                </a:solidFill>
-              </a:rPr>
-              <a:t>def</a:t>
-            </a:r>
-            <a:r>
-              <a:rPr lang="en-US" sz="1600" dirty="0" smtClean="0">
-                <a:solidFill>
-                  <a:srgbClr val="0070C0"/>
-                </a:solidFill>
-              </a:rPr>
-              <a:t> </a:t>
-            </a:r>
-            <a:r>
-              <a:rPr lang="en-US" sz="1600" dirty="0" smtClean="0"/>
-              <a:t>next(</a:t>
-            </a:r>
-            <a:r>
-              <a:rPr lang="en-US" sz="1600" dirty="0" err="1" smtClean="0"/>
-              <a:t>self,next</a:t>
-            </a:r>
-            <a:r>
-              <a:rPr lang="en-US" sz="1600" dirty="0" smtClean="0"/>
-              <a:t>):</a:t>
-            </a:r>
-            <a:br>
-              <a:rPr lang="en-US" sz="1600" dirty="0" smtClean="0"/>
-            </a:br>
-            <a:r>
-              <a:rPr lang="en-US" sz="1600" dirty="0" smtClean="0"/>
-              <a:t>		</a:t>
             </a:r>
             <a:r>
               <a:rPr lang="en-US" sz="1600" dirty="0" err="1" smtClean="0"/>
@@ -8398,46 +8331,6 @@
             </a:r>
           </a:p>
           <a:p>
-            <a:endParaRPr lang="en-US" sz="1600" dirty="0"/>
-          </a:p>
-          <a:p>
-            <a:r>
-              <a:rPr lang="en-US" sz="1600" dirty="0" smtClean="0"/>
-              <a:t>node = Node()</a:t>
-            </a:r>
-          </a:p>
-          <a:p>
-            <a:r>
-              <a:rPr lang="en-US" sz="1600" dirty="0" err="1" smtClean="0"/>
-              <a:t>node.next</a:t>
-            </a:r>
-            <a:r>
-              <a:rPr lang="en-US" sz="1600" dirty="0" smtClean="0"/>
-              <a:t> = </a:t>
-            </a:r>
-            <a:r>
-              <a:rPr lang="en-US" sz="1600" dirty="0" smtClean="0">
-                <a:solidFill>
-                  <a:srgbClr val="0070C0"/>
-                </a:solidFill>
-              </a:rPr>
-              <a:t>new</a:t>
-            </a:r>
-            <a:r>
-              <a:rPr lang="en-US" sz="1600" dirty="0" smtClean="0"/>
-              <a:t> Node()</a:t>
-            </a:r>
-            <a:br>
-              <a:rPr lang="en-US" sz="1600" dirty="0" smtClean="0"/>
-            </a:br>
-            <a:r>
-              <a:rPr lang="en-US" sz="1600" dirty="0" smtClean="0"/>
-              <a:t>next = </a:t>
-            </a:r>
-            <a:r>
-              <a:rPr lang="en-US" sz="1600" dirty="0" err="1" smtClean="0"/>
-              <a:t>node.next</a:t>
-            </a:r>
             <a:endParaRPr lang="en-US" sz="1600" dirty="0" smtClean="0"/>
           </a:p>
         </p:txBody>
@@ -8450,8 +8343,8 @@
         </p:nvSpPr>
         <p:spPr>
           <a:xfrm>
-            <a:off x="4412893" y="2735655"/>
-            <a:ext cx="808939" cy="276999"/>
+            <a:off x="4678706" y="3233476"/>
+            <a:ext cx="1249573" cy="276999"/>
           </a:xfrm>
           <a:prstGeom prst="rect">
             <a:avLst/>
@@ -8470,7 +8363,15 @@
                   <a:srgbClr val="FF0000"/>
                 </a:solidFill>
               </a:rPr>
-              <a:t>Decorator</a:t>
+              <a:t>Default </a:t>
+            </a:r>
+            <a:r>
+              <a:rPr lang="en-US" sz="1200" dirty="0" err="1" smtClean="0">
+                <a:solidFill>
+                  <a:srgbClr val="FF0000"/>
+                </a:solidFill>
+              </a:rPr>
+              <a:t>Paramter</a:t>
             </a:r>
             <a:endParaRPr lang="en-US" sz="1200" dirty="0">
               <a:solidFill>
@@ -8488,7 +8389,7 @@
         </p:nvSpPr>
         <p:spPr>
           <a:xfrm>
-            <a:off x="3739896" y="3236634"/>
+            <a:off x="2705984" y="4227731"/>
             <a:ext cx="235706" cy="138499"/>
           </a:xfrm>
           <a:prstGeom prst="rightArrow">
@@ -8536,7 +8437,7 @@
         </p:nvSpPr>
         <p:spPr>
           <a:xfrm>
-            <a:off x="4710656" y="3021756"/>
+            <a:off x="5196786" y="3581400"/>
             <a:ext cx="106707" cy="228600"/>
           </a:xfrm>
           <a:prstGeom prst="downArrow">
@@ -8584,8 +8485,8 @@
         </p:nvSpPr>
         <p:spPr>
           <a:xfrm>
-            <a:off x="3343666" y="4188953"/>
-            <a:ext cx="382605" cy="276999"/>
+            <a:off x="2282502" y="4655149"/>
+            <a:ext cx="409856" cy="276999"/>
           </a:xfrm>
           <a:prstGeom prst="rect">
             <a:avLst/>
@@ -8604,7 +8505,7 @@
                   <a:srgbClr val="FF0000"/>
                 </a:solidFill>
               </a:rPr>
-              <a:t>Set</a:t>
+              <a:t>Get</a:t>
             </a:r>
             <a:endParaRPr lang="en-US" sz="1200" dirty="0">
               <a:solidFill>
@@ -8622,7 +8523,7 @@
         </p:nvSpPr>
         <p:spPr>
           <a:xfrm>
-            <a:off x="3756645" y="4258204"/>
+            <a:off x="2695481" y="4724400"/>
             <a:ext cx="235706" cy="138499"/>
           </a:xfrm>
           <a:prstGeom prst="rightArrow">
@@ -8670,8 +8571,8 @@
         </p:nvSpPr>
         <p:spPr>
           <a:xfrm>
-            <a:off x="3330040" y="3167383"/>
-            <a:ext cx="409856" cy="276999"/>
+            <a:off x="2296128" y="4158480"/>
+            <a:ext cx="382605" cy="276999"/>
           </a:xfrm>
           <a:prstGeom prst="rect">
             <a:avLst/>
@@ -8690,7 +8591,7 @@
                   <a:srgbClr val="FF0000"/>
                 </a:solidFill>
               </a:rPr>
-              <a:t>Get</a:t>
+              <a:t>Set</a:t>
             </a:r>
             <a:endParaRPr lang="en-US" sz="1200" dirty="0">
               <a:solidFill>
@@ -8700,182 +8601,10 @@
           </a:p>
         </p:txBody>
       </p:sp>
-      <p:sp>
-        <p:nvSpPr>
-          <p:cNvPr id="13" name="Right Arrow 12"/>
-          <p:cNvSpPr/>
-          <p:nvPr/>
-        </p:nvSpPr>
-        <p:spPr>
-          <a:xfrm>
-            <a:off x="2819400" y="5479450"/>
-            <a:ext cx="235706" cy="138499"/>
-          </a:xfrm>
-          <a:prstGeom prst="rightArrow">
-            <a:avLst/>
-          </a:prstGeom>
-          <a:solidFill>
-            <a:srgbClr val="FF0000"/>
-          </a:solidFill>
-          <a:ln>
-            <a:solidFill>
-              <a:srgbClr val="FF0000"/>
-            </a:solidFill>
-          </a:ln>
-        </p:spPr>
-        <p:style>
-          <a:lnRef idx="2">
-            <a:schemeClr val="accent1">
-              <a:shade val="50000"/>
-            </a:schemeClr>
-          </a:lnRef>
-          <a:fillRef idx="1">
-            <a:schemeClr val="accent1"/>
-          </a:fillRef>
-          <a:effectRef idx="0">
-            <a:schemeClr val="accent1"/>
-          </a:effectRef>
-          <a:fontRef idx="minor">
-            <a:schemeClr val="lt1"/>
-          </a:fontRef>
-        </p:style>
-        <p:txBody>
-          <a:bodyPr rtlCol="0" anchor="ctr"/>
-          <a:lstStyle/>
-          <a:p>
-            <a:pPr algn="ctr"/>
-            <a:endParaRPr lang="en-US"/>
-          </a:p>
-        </p:txBody>
-      </p:sp>
-      <p:sp>
-        <p:nvSpPr>
-          <p:cNvPr id="14" name="TextBox 13"/>
-          <p:cNvSpPr txBox="1"/>
-          <p:nvPr/>
-        </p:nvSpPr>
-        <p:spPr>
-          <a:xfrm>
-            <a:off x="609600" y="5410199"/>
-            <a:ext cx="2195922" cy="276999"/>
-          </a:xfrm>
-          <a:prstGeom prst="rect">
-            <a:avLst/>
-          </a:prstGeom>
-          <a:noFill/>
-        </p:spPr>
-        <p:txBody>
-          <a:bodyPr wrap="none" rtlCol="0">
-            <a:spAutoFit/>
-          </a:bodyPr>
-          <a:lstStyle/>
-          <a:p>
-            <a:r>
-              <a:rPr lang="en-US" sz="1200" dirty="0" smtClean="0">
-                <a:solidFill>
-                  <a:srgbClr val="FF0000"/>
-                </a:solidFill>
-              </a:rPr>
-              <a:t>Setter used as property – no ()’s</a:t>
-            </a:r>
-            <a:endParaRPr lang="en-US" sz="1200" dirty="0">
-              <a:solidFill>
-                <a:srgbClr val="FF0000"/>
-              </a:solidFill>
-            </a:endParaRPr>
-          </a:p>
-        </p:txBody>
-      </p:sp>
-      <p:sp>
-        <p:nvSpPr>
-          <p:cNvPr id="15" name="Right Arrow 14"/>
-          <p:cNvSpPr/>
-          <p:nvPr/>
-        </p:nvSpPr>
-        <p:spPr>
-          <a:xfrm rot="10800000">
-            <a:off x="5218914" y="5697015"/>
-            <a:ext cx="235706" cy="138499"/>
-          </a:xfrm>
-          <a:prstGeom prst="rightArrow">
-            <a:avLst/>
-          </a:prstGeom>
-          <a:solidFill>
-            <a:srgbClr val="FF0000"/>
-          </a:solidFill>
-          <a:ln>
-            <a:solidFill>
-              <a:srgbClr val="FF0000"/>
-            </a:solidFill>
-          </a:ln>
-        </p:spPr>
-        <p:style>
-          <a:lnRef idx="2">
-            <a:schemeClr val="accent1">
-              <a:shade val="50000"/>
-            </a:schemeClr>
-          </a:lnRef>
-          <a:fillRef idx="1">
-            <a:schemeClr val="accent1"/>
-          </a:fillRef>
-          <a:effectRef idx="0">
-            <a:schemeClr val="accent1"/>
-          </a:effectRef>
-          <a:fontRef idx="minor">
-            <a:schemeClr val="lt1"/>
-          </a:fontRef>
-        </p:style>
-        <p:txBody>
-          <a:bodyPr rtlCol="0" anchor="ctr"/>
-          <a:lstStyle/>
-          <a:p>
-            <a:pPr algn="ctr"/>
-            <a:endParaRPr lang="en-US"/>
-          </a:p>
-        </p:txBody>
-      </p:sp>
-      <p:sp>
-        <p:nvSpPr>
-          <p:cNvPr id="16" name="TextBox 15"/>
-          <p:cNvSpPr txBox="1"/>
-          <p:nvPr/>
-        </p:nvSpPr>
-        <p:spPr>
-          <a:xfrm>
-            <a:off x="5454620" y="5630634"/>
-            <a:ext cx="2195922" cy="276999"/>
-          </a:xfrm>
-          <a:prstGeom prst="rect">
-            <a:avLst/>
-          </a:prstGeom>
-          <a:noFill/>
-        </p:spPr>
-        <p:txBody>
-          <a:bodyPr wrap="none" rtlCol="0">
-            <a:spAutoFit/>
-          </a:bodyPr>
-          <a:lstStyle/>
-          <a:p>
-            <a:r>
-              <a:rPr lang="en-US" sz="1200" dirty="0" smtClean="0">
-                <a:solidFill>
-                  <a:srgbClr val="FF0000"/>
-                </a:solidFill>
-              </a:rPr>
-              <a:t>Getter used as property – no ()’s</a:t>
-            </a:r>
-            <a:endParaRPr lang="en-US" sz="1200" dirty="0">
-              <a:solidFill>
-                <a:srgbClr val="FF0000"/>
-              </a:solidFill>
-            </a:endParaRPr>
-          </a:p>
-        </p:txBody>
-      </p:sp>
     </p:spTree>
     <p:extLst>
       <p:ext uri="{BB962C8B-B14F-4D97-AF65-F5344CB8AC3E}">
-        <p14:creationId xmlns:p14="http://schemas.microsoft.com/office/powerpoint/2010/main" val="4058344619"/>
+        <p14:creationId xmlns:p14="http://schemas.microsoft.com/office/powerpoint/2010/main" val="570597491"/>
       </p:ext>
     </p:extLst>
   </p:cSld>
@@ -8940,7 +8669,7 @@
                   </a:schemeClr>
                 </a:solidFill>
               </a:rPr>
-              <a:t>Method Overloading using Default Parameter</a:t>
+              <a:t>Getter/Setter using Property Decorator</a:t>
             </a:r>
             <a:endParaRPr lang="en-US" sz="3600" dirty="0">
               <a:solidFill>
@@ -8992,7 +8721,7 @@
         <p:spPr>
           <a:xfrm>
             <a:off x="152400" y="1164134"/>
-            <a:ext cx="8458534" cy="1938992"/>
+            <a:ext cx="8439105" cy="1569660"/>
           </a:xfrm>
           <a:prstGeom prst="rect">
             <a:avLst/>
@@ -9017,9 +8746,21 @@
                   </a:schemeClr>
                 </a:solidFill>
               </a:rPr>
-              <a:t>A default parameter to a function is where a default value is </a:t>
-            </a:r>
-            <a:br>
+              <a:t>A decorator is a @property statement added before a function</a:t>
+            </a:r>
+          </a:p>
+          <a:p>
+            <a:r>
+              <a:rPr lang="en-US" sz="2400" b="1" dirty="0">
+                <a:solidFill>
+                  <a:schemeClr val="accent5">
+                    <a:lumMod val="75000"/>
+                  </a:schemeClr>
+                </a:solidFill>
+              </a:rPr>
+              <a:t> </a:t>
+            </a:r>
+            <a:r>
               <a:rPr lang="en-US" sz="2400" b="1" dirty="0" smtClean="0">
                 <a:solidFill>
                   <a:schemeClr val="accent5">
@@ -9027,38 +8768,7 @@
                   </a:schemeClr>
                 </a:solidFill>
               </a:rPr>
-            </a:br>
-            <a:r>
-              <a:rPr lang="en-US" sz="2400" b="1" dirty="0" smtClean="0">
-                <a:solidFill>
-                  <a:schemeClr val="accent5">
-                    <a:lumMod val="75000"/>
-                  </a:schemeClr>
-                </a:solidFill>
-              </a:rPr>
-              <a:t>specified in the function definition, when the function is called</a:t>
-            </a:r>
-          </a:p>
-          <a:p>
-            <a:r>
-              <a:rPr lang="en-US" sz="2400" b="1" dirty="0">
-                <a:solidFill>
-                  <a:schemeClr val="accent5">
-                    <a:lumMod val="75000"/>
-                  </a:schemeClr>
-                </a:solidFill>
-              </a:rPr>
-              <a:t> </a:t>
-            </a:r>
-            <a:r>
-              <a:rPr lang="en-US" sz="2400" b="1" dirty="0" smtClean="0">
-                <a:solidFill>
-                  <a:schemeClr val="accent5">
-                    <a:lumMod val="75000"/>
-                  </a:schemeClr>
-                </a:solidFill>
-              </a:rPr>
-              <a:t>   without the parameter.</a:t>
+              <a:t>   definition that changes a method into a property.</a:t>
             </a:r>
           </a:p>
           <a:p>
@@ -9083,7 +8793,7 @@
                   </a:schemeClr>
                 </a:solidFill>
               </a:rPr>
-              <a:t>Example: Setter and Getter</a:t>
+              <a:t>Getter/Setter</a:t>
             </a:r>
           </a:p>
         </p:txBody>
@@ -9096,8 +8806,8 @@
         </p:nvSpPr>
         <p:spPr>
           <a:xfrm>
-            <a:off x="3200606" y="3581400"/>
-            <a:ext cx="3298595" cy="1569660"/>
+            <a:off x="3168066" y="2907456"/>
+            <a:ext cx="3298595" cy="3046988"/>
           </a:xfrm>
           <a:prstGeom prst="rect">
             <a:avLst/>
@@ -9113,13 +8823,50 @@
             <a:r>
               <a:rPr lang="en-US" sz="1600" dirty="0" smtClean="0">
                 <a:solidFill>
-                  <a:srgbClr val="00B050"/>
-                </a:solidFill>
-              </a:rPr>
-              <a:t># Set of Get Next</a:t>
-            </a:r>
-          </a:p>
-          <a:p>
+                  <a:srgbClr val="0070C0"/>
+                </a:solidFill>
+              </a:rPr>
+              <a:t>Class </a:t>
+            </a:r>
+            <a:r>
+              <a:rPr lang="en-US" sz="1600" dirty="0" smtClean="0"/>
+              <a:t>Node:</a:t>
+            </a:r>
+            <a:r>
+              <a:rPr lang="en-US" sz="1600" dirty="0" smtClean="0">
+                <a:solidFill>
+                  <a:srgbClr val="0070C0"/>
+                </a:solidFill>
+              </a:rPr>
+              <a:t/>
+            </a:r>
+            <a:br>
+              <a:rPr lang="en-US" sz="1600" dirty="0" smtClean="0">
+                <a:solidFill>
+                  <a:srgbClr val="0070C0"/>
+                </a:solidFill>
+              </a:rPr>
+            </a:br>
+            <a:r>
+              <a:rPr lang="en-US" sz="1600" dirty="0" smtClean="0">
+                <a:solidFill>
+                  <a:srgbClr val="0070C0"/>
+                </a:solidFill>
+              </a:rPr>
+              <a:t>	@property</a:t>
+            </a:r>
+          </a:p>
+          <a:p>
+            <a:r>
+              <a:rPr lang="en-US" sz="1600" dirty="0" smtClean="0">
+                <a:solidFill>
+                  <a:schemeClr val="accent5">
+                    <a:lumMod val="75000"/>
+                  </a:schemeClr>
+                </a:solidFill>
+              </a:rPr>
+              <a:t>	</a:t>
+            </a:r>
             <a:r>
               <a:rPr lang="en-US" sz="1600" dirty="0" err="1" smtClean="0">
                 <a:solidFill>
@@ -9142,22 +8889,9 @@
             </a:r>
             <a:r>
               <a:rPr lang="en-US" sz="1600" dirty="0" smtClean="0"/>
-              <a:t>Next( self, next = </a:t>
-            </a:r>
-            <a:r>
-              <a:rPr lang="en-US" sz="1600" dirty="0" smtClean="0">
-                <a:solidFill>
-                  <a:schemeClr val="accent5">
-                    <a:lumMod val="75000"/>
-                  </a:schemeClr>
-                </a:solidFill>
-              </a:rPr>
-              <a:t>None</a:t>
-            </a:r>
-            <a:r>
-              <a:rPr lang="en-US" sz="1600" dirty="0" smtClean="0"/>
-              <a:t> )</a:t>
-            </a:r>
+              <a:t>next(self):</a:t>
+            </a:r>
+            <a:endParaRPr lang="en-US" sz="1600" dirty="0"/>
           </a:p>
           <a:p>
             <a:r>
@@ -9165,40 +8899,6 @@
               <a:t>	</a:t>
             </a:r>
             <a:r>
-              <a:rPr lang="en-US" sz="1600" dirty="0" smtClean="0">
-                <a:solidFill>
-                  <a:schemeClr val="accent5">
-                    <a:lumMod val="75000"/>
-                  </a:schemeClr>
-                </a:solidFill>
-              </a:rPr>
-              <a:t>if </a:t>
-            </a:r>
-            <a:r>
-              <a:rPr lang="en-US" sz="1600" dirty="0" smtClean="0"/>
-              <a:t>next </a:t>
-            </a:r>
-            <a:r>
-              <a:rPr lang="en-US" sz="1600" dirty="0" smtClean="0">
-                <a:solidFill>
-                  <a:schemeClr val="accent5">
-                    <a:lumMod val="75000"/>
-                  </a:schemeClr>
-                </a:solidFill>
-              </a:rPr>
-              <a:t>is None</a:t>
-            </a:r>
-            <a:r>
-              <a:rPr lang="en-US" sz="1600" dirty="0" smtClean="0"/>
-              <a:t>:</a:t>
-            </a:r>
-          </a:p>
-          <a:p>
-            <a:r>
-              <a:rPr lang="en-US" sz="1600" dirty="0"/>
-              <a:t>	</a:t>
-            </a:r>
-            <a:r>
               <a:rPr lang="en-US" sz="1600" dirty="0" smtClean="0"/>
               <a:t>	</a:t>
             </a:r>
@@ -9223,9 +8923,86 @@
             <a:endParaRPr lang="en-US" sz="1600" dirty="0" smtClean="0"/>
           </a:p>
           <a:p>
-            <a:r>
-              <a:rPr lang="en-US" sz="1600" dirty="0"/>
+            <a:endParaRPr lang="en-US" sz="1600" dirty="0" smtClean="0"/>
+          </a:p>
+          <a:p>
+            <a:r>
+              <a:rPr lang="en-US" sz="1600" dirty="0" smtClean="0">
+                <a:solidFill>
+                  <a:srgbClr val="0070C0"/>
+                </a:solidFill>
+              </a:rPr>
+              <a:t>	@</a:t>
+            </a:r>
+            <a:r>
+              <a:rPr lang="en-US" sz="1600" dirty="0" err="1" smtClean="0"/>
+              <a:t>next.</a:t>
+            </a:r>
+            <a:r>
+              <a:rPr lang="en-US" sz="1600" dirty="0" err="1" smtClean="0">
+                <a:solidFill>
+                  <a:srgbClr val="0070C0"/>
+                </a:solidFill>
+              </a:rPr>
+              <a:t>setter</a:t>
+            </a:r>
+            <a:r>
+              <a:rPr lang="en-US" sz="1600" dirty="0" smtClean="0">
+                <a:solidFill>
+                  <a:srgbClr val="0070C0"/>
+                </a:solidFill>
+              </a:rPr>
+              <a:t/>
+            </a:r>
+            <a:br>
+              <a:rPr lang="en-US" sz="1600" dirty="0" smtClean="0">
+                <a:solidFill>
+                  <a:srgbClr val="0070C0"/>
+                </a:solidFill>
+              </a:rPr>
+            </a:br>
+            <a:r>
+              <a:rPr lang="en-US" sz="1600" dirty="0" smtClean="0">
+                <a:solidFill>
+                  <a:srgbClr val="0070C0"/>
+                </a:solidFill>
+              </a:rPr>
               <a:t>	</a:t>
+            </a:r>
+            <a:r>
+              <a:rPr lang="en-US" sz="1600" dirty="0" err="1" smtClean="0">
+                <a:solidFill>
+                  <a:srgbClr val="0070C0"/>
+                </a:solidFill>
+              </a:rPr>
+              <a:t>def</a:t>
+            </a:r>
+            <a:r>
+              <a:rPr lang="en-US" sz="1600" dirty="0" smtClean="0">
+                <a:solidFill>
+                  <a:srgbClr val="0070C0"/>
+                </a:solidFill>
+              </a:rPr>
+              <a:t> </a:t>
+            </a:r>
+            <a:r>
+              <a:rPr lang="en-US" sz="1600" dirty="0" smtClean="0"/>
+              <a:t>next(</a:t>
+            </a:r>
+            <a:r>
+              <a:rPr lang="en-US" sz="1600" dirty="0" err="1" smtClean="0"/>
+              <a:t>self,next</a:t>
+            </a:r>
+            <a:r>
+              <a:rPr lang="en-US" sz="1600" dirty="0" smtClean="0"/>
+              <a:t>):</a:t>
+            </a:r>
+            <a:br>
+              <a:rPr lang="en-US" sz="1600" dirty="0" smtClean="0"/>
+            </a:br>
+            <a:r>
+              <a:rPr lang="en-US" sz="1600" dirty="0" smtClean="0"/>
+              <a:t>		</a:t>
             </a:r>
             <a:r>
               <a:rPr lang="en-US" sz="1600" dirty="0" err="1" smtClean="0"/>
@@ -9237,6 +9014,46 @@
             </a:r>
           </a:p>
           <a:p>
+            <a:endParaRPr lang="en-US" sz="1600" dirty="0"/>
+          </a:p>
+          <a:p>
+            <a:r>
+              <a:rPr lang="en-US" sz="1600" dirty="0" smtClean="0"/>
+              <a:t>node = Node()</a:t>
+            </a:r>
+          </a:p>
+          <a:p>
+            <a:r>
+              <a:rPr lang="en-US" sz="1600" dirty="0" err="1" smtClean="0"/>
+              <a:t>node.next</a:t>
+            </a:r>
+            <a:r>
+              <a:rPr lang="en-US" sz="1600" dirty="0" smtClean="0"/>
+              <a:t> = </a:t>
+            </a:r>
+            <a:r>
+              <a:rPr lang="en-US" sz="1600" dirty="0" smtClean="0">
+                <a:solidFill>
+                  <a:srgbClr val="0070C0"/>
+                </a:solidFill>
+              </a:rPr>
+              <a:t>new</a:t>
+            </a:r>
+            <a:r>
+              <a:rPr lang="en-US" sz="1600" dirty="0" smtClean="0"/>
+              <a:t> Node()</a:t>
+            </a:r>
+            <a:br>
+              <a:rPr lang="en-US" sz="1600" dirty="0" smtClean="0"/>
+            </a:br>
+            <a:r>
+              <a:rPr lang="en-US" sz="1600" dirty="0" smtClean="0"/>
+              <a:t>next = </a:t>
+            </a:r>
+            <a:r>
+              <a:rPr lang="en-US" sz="1600" dirty="0" err="1" smtClean="0"/>
+              <a:t>node.next</a:t>
+            </a:r>
             <a:endParaRPr lang="en-US" sz="1600" dirty="0" smtClean="0"/>
           </a:p>
         </p:txBody>
@@ -9249,8 +9066,8 @@
         </p:nvSpPr>
         <p:spPr>
           <a:xfrm>
-            <a:off x="4678706" y="3233476"/>
-            <a:ext cx="1249573" cy="276999"/>
+            <a:off x="4412893" y="2735655"/>
+            <a:ext cx="808939" cy="276999"/>
           </a:xfrm>
           <a:prstGeom prst="rect">
             <a:avLst/>
@@ -9269,15 +9086,7 @@
                   <a:srgbClr val="FF0000"/>
                 </a:solidFill>
               </a:rPr>
-              <a:t>Default </a:t>
-            </a:r>
-            <a:r>
-              <a:rPr lang="en-US" sz="1200" dirty="0" err="1" smtClean="0">
-                <a:solidFill>
-                  <a:srgbClr val="FF0000"/>
-                </a:solidFill>
-              </a:rPr>
-              <a:t>Paramter</a:t>
+              <a:t>Decorator</a:t>
             </a:r>
             <a:endParaRPr lang="en-US" sz="1200" dirty="0">
               <a:solidFill>
@@ -9295,7 +9104,7 @@
         </p:nvSpPr>
         <p:spPr>
           <a:xfrm>
-            <a:off x="2705984" y="4227731"/>
+            <a:off x="3739896" y="3236634"/>
             <a:ext cx="235706" cy="138499"/>
           </a:xfrm>
           <a:prstGeom prst="rightArrow">
@@ -9343,7 +9152,7 @@
         </p:nvSpPr>
         <p:spPr>
           <a:xfrm>
-            <a:off x="5196786" y="3581400"/>
+            <a:off x="4710656" y="3021756"/>
             <a:ext cx="106707" cy="228600"/>
           </a:xfrm>
           <a:prstGeom prst="downArrow">
@@ -9391,8 +9200,8 @@
         </p:nvSpPr>
         <p:spPr>
           <a:xfrm>
-            <a:off x="2282502" y="4655149"/>
-            <a:ext cx="409856" cy="276999"/>
+            <a:off x="3343666" y="4188953"/>
+            <a:ext cx="382605" cy="276999"/>
           </a:xfrm>
           <a:prstGeom prst="rect">
             <a:avLst/>
@@ -9411,7 +9220,7 @@
                   <a:srgbClr val="FF0000"/>
                 </a:solidFill>
               </a:rPr>
-              <a:t>Get</a:t>
+              <a:t>Set</a:t>
             </a:r>
             <a:endParaRPr lang="en-US" sz="1200" dirty="0">
               <a:solidFill>
@@ -9429,7 +9238,7 @@
         </p:nvSpPr>
         <p:spPr>
           <a:xfrm>
-            <a:off x="2695481" y="4724400"/>
+            <a:off x="3756645" y="4258204"/>
             <a:ext cx="235706" cy="138499"/>
           </a:xfrm>
           <a:prstGeom prst="rightArrow">
@@ -9477,8 +9286,8 @@
         </p:nvSpPr>
         <p:spPr>
           <a:xfrm>
-            <a:off x="2296128" y="4158480"/>
-            <a:ext cx="382605" cy="276999"/>
+            <a:off x="3330040" y="3167383"/>
+            <a:ext cx="409856" cy="276999"/>
           </a:xfrm>
           <a:prstGeom prst="rect">
             <a:avLst/>
@@ -9497,7 +9306,7 @@
                   <a:srgbClr val="FF0000"/>
                 </a:solidFill>
               </a:rPr>
-              <a:t>Set</a:t>
+              <a:t>Get</a:t>
             </a:r>
             <a:endParaRPr lang="en-US" sz="1200" dirty="0">
               <a:solidFill>
@@ -9507,10 +9316,182 @@
           </a:p>
         </p:txBody>
       </p:sp>
+      <p:sp>
+        <p:nvSpPr>
+          <p:cNvPr id="13" name="Right Arrow 12"/>
+          <p:cNvSpPr/>
+          <p:nvPr/>
+        </p:nvSpPr>
+        <p:spPr>
+          <a:xfrm>
+            <a:off x="2819400" y="5479450"/>
+            <a:ext cx="235706" cy="138499"/>
+          </a:xfrm>
+          <a:prstGeom prst="rightArrow">
+            <a:avLst/>
+          </a:prstGeom>
+          <a:solidFill>
+            <a:srgbClr val="FF0000"/>
+          </a:solidFill>
+          <a:ln>
+            <a:solidFill>
+              <a:srgbClr val="FF0000"/>
+            </a:solidFill>
+          </a:ln>
+        </p:spPr>
+        <p:style>
+          <a:lnRef idx="2">
+            <a:schemeClr val="accent1">
+              <a:shade val="50000"/>
+            </a:schemeClr>
+          </a:lnRef>
+          <a:fillRef idx="1">
+            <a:schemeClr val="accent1"/>
+          </a:fillRef>
+          <a:effectRef idx="0">
+            <a:schemeClr val="accent1"/>
+          </a:effectRef>
+          <a:fontRef idx="minor">
+            <a:schemeClr val="lt1"/>
+          </a:fontRef>
+        </p:style>
+        <p:txBody>
+          <a:bodyPr rtlCol="0" anchor="ctr"/>
+          <a:lstStyle/>
+          <a:p>
+            <a:pPr algn="ctr"/>
+            <a:endParaRPr lang="en-US"/>
+          </a:p>
+        </p:txBody>
+      </p:sp>
+      <p:sp>
+        <p:nvSpPr>
+          <p:cNvPr id="14" name="TextBox 13"/>
+          <p:cNvSpPr txBox="1"/>
+          <p:nvPr/>
+        </p:nvSpPr>
+        <p:spPr>
+          <a:xfrm>
+            <a:off x="609600" y="5410199"/>
+            <a:ext cx="2195922" cy="276999"/>
+          </a:xfrm>
+          <a:prstGeom prst="rect">
+            <a:avLst/>
+          </a:prstGeom>
+          <a:noFill/>
+        </p:spPr>
+        <p:txBody>
+          <a:bodyPr wrap="none" rtlCol="0">
+            <a:spAutoFit/>
+          </a:bodyPr>
+          <a:lstStyle/>
+          <a:p>
+            <a:r>
+              <a:rPr lang="en-US" sz="1200" dirty="0" smtClean="0">
+                <a:solidFill>
+                  <a:srgbClr val="FF0000"/>
+                </a:solidFill>
+              </a:rPr>
+              <a:t>Setter used as property – no ()’s</a:t>
+            </a:r>
+            <a:endParaRPr lang="en-US" sz="1200" dirty="0">
+              <a:solidFill>
+                <a:srgbClr val="FF0000"/>
+              </a:solidFill>
+            </a:endParaRPr>
+          </a:p>
+        </p:txBody>
+      </p:sp>
+      <p:sp>
+        <p:nvSpPr>
+          <p:cNvPr id="15" name="Right Arrow 14"/>
+          <p:cNvSpPr/>
+          <p:nvPr/>
+        </p:nvSpPr>
+        <p:spPr>
+          <a:xfrm rot="10800000">
+            <a:off x="5218914" y="5697015"/>
+            <a:ext cx="235706" cy="138499"/>
+          </a:xfrm>
+          <a:prstGeom prst="rightArrow">
+            <a:avLst/>
+          </a:prstGeom>
+          <a:solidFill>
+            <a:srgbClr val="FF0000"/>
+          </a:solidFill>
+          <a:ln>
+            <a:solidFill>
+              <a:srgbClr val="FF0000"/>
+            </a:solidFill>
+          </a:ln>
+        </p:spPr>
+        <p:style>
+          <a:lnRef idx="2">
+            <a:schemeClr val="accent1">
+              <a:shade val="50000"/>
+            </a:schemeClr>
+          </a:lnRef>
+          <a:fillRef idx="1">
+            <a:schemeClr val="accent1"/>
+          </a:fillRef>
+          <a:effectRef idx="0">
+            <a:schemeClr val="accent1"/>
+          </a:effectRef>
+          <a:fontRef idx="minor">
+            <a:schemeClr val="lt1"/>
+          </a:fontRef>
+        </p:style>
+        <p:txBody>
+          <a:bodyPr rtlCol="0" anchor="ctr"/>
+          <a:lstStyle/>
+          <a:p>
+            <a:pPr algn="ctr"/>
+            <a:endParaRPr lang="en-US"/>
+          </a:p>
+        </p:txBody>
+      </p:sp>
+      <p:sp>
+        <p:nvSpPr>
+          <p:cNvPr id="16" name="TextBox 15"/>
+          <p:cNvSpPr txBox="1"/>
+          <p:nvPr/>
+        </p:nvSpPr>
+        <p:spPr>
+          <a:xfrm>
+            <a:off x="5454620" y="5630634"/>
+            <a:ext cx="2195922" cy="276999"/>
+          </a:xfrm>
+          <a:prstGeom prst="rect">
+            <a:avLst/>
+          </a:prstGeom>
+          <a:noFill/>
+        </p:spPr>
+        <p:txBody>
+          <a:bodyPr wrap="none" rtlCol="0">
+            <a:spAutoFit/>
+          </a:bodyPr>
+          <a:lstStyle/>
+          <a:p>
+            <a:r>
+              <a:rPr lang="en-US" sz="1200" dirty="0" smtClean="0">
+                <a:solidFill>
+                  <a:srgbClr val="FF0000"/>
+                </a:solidFill>
+              </a:rPr>
+              <a:t>Getter used as property – no ()’s</a:t>
+            </a:r>
+            <a:endParaRPr lang="en-US" sz="1200" dirty="0">
+              <a:solidFill>
+                <a:srgbClr val="FF0000"/>
+              </a:solidFill>
+            </a:endParaRPr>
+          </a:p>
+        </p:txBody>
+      </p:sp>
     </p:spTree>
     <p:extLst>
       <p:ext uri="{BB962C8B-B14F-4D97-AF65-F5344CB8AC3E}">
-        <p14:creationId xmlns:p14="http://schemas.microsoft.com/office/powerpoint/2010/main" val="570597491"/>
+        <p14:creationId xmlns:p14="http://schemas.microsoft.com/office/powerpoint/2010/main" val="4058344619"/>
       </p:ext>
     </p:extLst>
   </p:cSld>

--- a/Presentations/Python - OOP.pptx
+++ b/Presentations/Python - OOP.pptx
@@ -201,7 +201,7 @@
           <a:p>
             <a:fld id="{FAF957FC-5175-49AC-8D2B-2F056FFFC1DD}" type="datetimeFigureOut">
               <a:rPr lang="en-US" smtClean="0"/>
-              <a:t>1/22/2018</a:t>
+              <a:t>1/23/2018</a:t>
             </a:fld>
             <a:endParaRPr lang="en-US"/>
           </a:p>
@@ -651,7 +651,7 @@
             <a:fld id="{1D8BD707-D9CF-40AE-B4C6-C98DA3205C09}" type="datetimeFigureOut">
               <a:rPr lang="en-US" smtClean="0"/>
               <a:pPr/>
-              <a:t>1/22/2018</a:t>
+              <a:t>1/23/2018</a:t>
             </a:fld>
             <a:endParaRPr lang="en-US"/>
           </a:p>
@@ -818,7 +818,7 @@
             <a:fld id="{1D8BD707-D9CF-40AE-B4C6-C98DA3205C09}" type="datetimeFigureOut">
               <a:rPr lang="en-US" smtClean="0"/>
               <a:pPr/>
-              <a:t>1/22/2018</a:t>
+              <a:t>1/23/2018</a:t>
             </a:fld>
             <a:endParaRPr lang="en-US"/>
           </a:p>
@@ -995,7 +995,7 @@
             <a:fld id="{1D8BD707-D9CF-40AE-B4C6-C98DA3205C09}" type="datetimeFigureOut">
               <a:rPr lang="en-US" smtClean="0"/>
               <a:pPr/>
-              <a:t>1/22/2018</a:t>
+              <a:t>1/23/2018</a:t>
             </a:fld>
             <a:endParaRPr lang="en-US"/>
           </a:p>
@@ -1162,7 +1162,7 @@
             <a:fld id="{1D8BD707-D9CF-40AE-B4C6-C98DA3205C09}" type="datetimeFigureOut">
               <a:rPr lang="en-US" smtClean="0"/>
               <a:pPr/>
-              <a:t>1/22/2018</a:t>
+              <a:t>1/23/2018</a:t>
             </a:fld>
             <a:endParaRPr lang="en-US"/>
           </a:p>
@@ -1405,7 +1405,7 @@
             <a:fld id="{1D8BD707-D9CF-40AE-B4C6-C98DA3205C09}" type="datetimeFigureOut">
               <a:rPr lang="en-US" smtClean="0"/>
               <a:pPr/>
-              <a:t>1/22/2018</a:t>
+              <a:t>1/23/2018</a:t>
             </a:fld>
             <a:endParaRPr lang="en-US"/>
           </a:p>
@@ -1690,7 +1690,7 @@
             <a:fld id="{1D8BD707-D9CF-40AE-B4C6-C98DA3205C09}" type="datetimeFigureOut">
               <a:rPr lang="en-US" smtClean="0"/>
               <a:pPr/>
-              <a:t>1/22/2018</a:t>
+              <a:t>1/23/2018</a:t>
             </a:fld>
             <a:endParaRPr lang="en-US"/>
           </a:p>
@@ -2109,7 +2109,7 @@
             <a:fld id="{1D8BD707-D9CF-40AE-B4C6-C98DA3205C09}" type="datetimeFigureOut">
               <a:rPr lang="en-US" smtClean="0"/>
               <a:pPr/>
-              <a:t>1/22/2018</a:t>
+              <a:t>1/23/2018</a:t>
             </a:fld>
             <a:endParaRPr lang="en-US"/>
           </a:p>
@@ -2224,7 +2224,7 @@
             <a:fld id="{1D8BD707-D9CF-40AE-B4C6-C98DA3205C09}" type="datetimeFigureOut">
               <a:rPr lang="en-US" smtClean="0"/>
               <a:pPr/>
-              <a:t>1/22/2018</a:t>
+              <a:t>1/23/2018</a:t>
             </a:fld>
             <a:endParaRPr lang="en-US"/>
           </a:p>
@@ -2316,7 +2316,7 @@
             <a:fld id="{1D8BD707-D9CF-40AE-B4C6-C98DA3205C09}" type="datetimeFigureOut">
               <a:rPr lang="en-US" smtClean="0"/>
               <a:pPr/>
-              <a:t>1/22/2018</a:t>
+              <a:t>1/23/2018</a:t>
             </a:fld>
             <a:endParaRPr lang="en-US"/>
           </a:p>
@@ -2590,7 +2590,7 @@
             <a:fld id="{1D8BD707-D9CF-40AE-B4C6-C98DA3205C09}" type="datetimeFigureOut">
               <a:rPr lang="en-US" smtClean="0"/>
               <a:pPr/>
-              <a:t>1/22/2018</a:t>
+              <a:t>1/23/2018</a:t>
             </a:fld>
             <a:endParaRPr lang="en-US"/>
           </a:p>
@@ -2840,7 +2840,7 @@
             <a:fld id="{1D8BD707-D9CF-40AE-B4C6-C98DA3205C09}" type="datetimeFigureOut">
               <a:rPr lang="en-US" smtClean="0"/>
               <a:pPr/>
-              <a:t>1/22/2018</a:t>
+              <a:t>1/23/2018</a:t>
             </a:fld>
             <a:endParaRPr lang="en-US"/>
           </a:p>
@@ -3050,7 +3050,7 @@
             <a:fld id="{1D8BD707-D9CF-40AE-B4C6-C98DA3205C09}" type="datetimeFigureOut">
               <a:rPr lang="en-US" smtClean="0"/>
               <a:pPr/>
-              <a:t>1/22/2018</a:t>
+              <a:t>1/23/2018</a:t>
             </a:fld>
             <a:endParaRPr lang="en-US"/>
           </a:p>
@@ -5585,7 +5585,15 @@
           <a:p>
             <a:r>
               <a:rPr lang="en-US" dirty="0"/>
-              <a:t>	key = </a:t>
+              <a:t>	</a:t>
+            </a:r>
+            <a:r>
+              <a:rPr lang="en-US" dirty="0" smtClean="0"/>
+              <a:t>_key </a:t>
+            </a:r>
+            <a:r>
+              <a:rPr lang="en-US" dirty="0"/>
+              <a:t>= </a:t>
             </a:r>
             <a:r>
               <a:rPr lang="en-US" dirty="0">
@@ -5679,12 +5687,25 @@
             </a:r>
             <a:r>
               <a:rPr lang="en-US" dirty="0" err="1"/>
-              <a:t>self.key</a:t>
+              <a:t>self</a:t>
+            </a:r>
+            <a:r>
+              <a:rPr lang="en-US" dirty="0" err="1" smtClean="0"/>
+              <a:t>._key</a:t>
+            </a:r>
+            <a:r>
+              <a:rPr lang="en-US" dirty="0" smtClean="0"/>
+              <a:t> </a:t>
             </a:r>
             <a:r>
               <a:rPr lang="en-US" dirty="0"/>
-              <a:t> = key</a:t>
-            </a:r>
+              <a:t>= </a:t>
+            </a:r>
+            <a:r>
+              <a:rPr lang="en-US" dirty="0" smtClean="0"/>
+              <a:t>key</a:t>
+            </a:r>
+            <a:endParaRPr lang="en-US" dirty="0"/>
           </a:p>
           <a:p>
             <a:r>
@@ -5723,7 +5744,11 @@
             </a:r>
             <a:r>
               <a:rPr lang="en-US" dirty="0"/>
-              <a:t> Key</a:t>
+              <a:t> </a:t>
+            </a:r>
+            <a:r>
+              <a:rPr lang="en-US" dirty="0" smtClean="0"/>
+              <a:t>key</a:t>
             </a:r>
             <a:r>
               <a:rPr lang="en-US" dirty="0">
@@ -5813,7 +5838,11 @@
             </a:r>
             <a:r>
               <a:rPr lang="en-US" dirty="0" err="1" smtClean="0"/>
-              <a:t>self.key</a:t>
+              <a:t>self</a:t>
+            </a:r>
+            <a:r>
+              <a:rPr lang="en-US" dirty="0" err="1" smtClean="0"/>
+              <a:t>._key</a:t>
             </a:r>
             <a:endParaRPr lang="en-US" dirty="0" smtClean="0"/>
           </a:p>
@@ -5828,11 +5857,19 @@
             </a:r>
             <a:r>
               <a:rPr lang="en-US" dirty="0" err="1" smtClean="0"/>
-              <a:t>self.key</a:t>
+              <a:t>self</a:t>
+            </a:r>
+            <a:r>
+              <a:rPr lang="en-US" dirty="0" err="1" smtClean="0"/>
+              <a:t>._key</a:t>
             </a:r>
             <a:r>
               <a:rPr lang="en-US" dirty="0" smtClean="0"/>
-              <a:t> = key</a:t>
+              <a:t> </a:t>
+            </a:r>
+            <a:r>
+              <a:rPr lang="en-US" dirty="0" smtClean="0"/>
+              <a:t>= key</a:t>
             </a:r>
             <a:endParaRPr lang="en-US" dirty="0"/>
           </a:p>
@@ -6495,8 +6532,13 @@
             </a:r>
             <a:r>
               <a:rPr lang="en-US" sz="1400" b="1" dirty="0" smtClean="0"/>
-              <a:t>self, flag )</a:t>
-            </a:r>
+              <a:t>self, flag </a:t>
+            </a:r>
+            <a:r>
+              <a:rPr lang="en-US" sz="1400" b="1" dirty="0" smtClean="0"/>
+              <a:t>):</a:t>
+            </a:r>
+            <a:endParaRPr lang="en-US" sz="1400" b="1" dirty="0" smtClean="0"/>
           </a:p>
           <a:p>
             <a:r>
@@ -8191,7 +8233,7 @@
         <p:spPr>
           <a:xfrm>
             <a:off x="3200606" y="3581400"/>
-            <a:ext cx="3298595" cy="1569660"/>
+            <a:ext cx="3401187" cy="1569660"/>
           </a:xfrm>
           <a:prstGeom prst="rect">
             <a:avLst/>
@@ -8236,7 +8278,11 @@
             </a:r>
             <a:r>
               <a:rPr lang="en-US" sz="1600" dirty="0" smtClean="0"/>
-              <a:t>Next( self, next = </a:t>
+              <a:t>next</a:t>
+            </a:r>
+            <a:r>
+              <a:rPr lang="en-US" sz="1600" dirty="0" smtClean="0"/>
+              <a:t>( self, next = </a:t>
             </a:r>
             <a:r>
               <a:rPr lang="en-US" sz="1600" dirty="0" smtClean="0">
@@ -8312,7 +8358,11 @@
             </a:r>
             <a:r>
               <a:rPr lang="en-US" sz="1600" dirty="0" err="1" smtClean="0"/>
-              <a:t>self.next</a:t>
+              <a:t>self</a:t>
+            </a:r>
+            <a:r>
+              <a:rPr lang="en-US" sz="1600" dirty="0" err="1" smtClean="0"/>
+              <a:t>._next</a:t>
             </a:r>
             <a:endParaRPr lang="en-US" sz="1600" dirty="0" smtClean="0"/>
           </a:p>
@@ -8323,11 +8373,19 @@
             </a:r>
             <a:r>
               <a:rPr lang="en-US" sz="1600" dirty="0" err="1" smtClean="0"/>
-              <a:t>self.next</a:t>
+              <a:t>self</a:t>
+            </a:r>
+            <a:r>
+              <a:rPr lang="en-US" sz="1600" dirty="0" err="1" smtClean="0"/>
+              <a:t>._next</a:t>
             </a:r>
             <a:r>
               <a:rPr lang="en-US" sz="1600" dirty="0" smtClean="0"/>
-              <a:t> = next</a:t>
+              <a:t> </a:t>
+            </a:r>
+            <a:r>
+              <a:rPr lang="en-US" sz="1600" dirty="0" smtClean="0"/>
+              <a:t>= next</a:t>
             </a:r>
           </a:p>
           <a:p>
@@ -8486,7 +8544,7 @@
         <p:spPr>
           <a:xfrm>
             <a:off x="2282502" y="4655149"/>
-            <a:ext cx="409856" cy="276999"/>
+            <a:ext cx="382605" cy="276999"/>
           </a:xfrm>
           <a:prstGeom prst="rect">
             <a:avLst/>
@@ -8505,7 +8563,7 @@
                   <a:srgbClr val="FF0000"/>
                 </a:solidFill>
               </a:rPr>
-              <a:t>Get</a:t>
+              <a:t>Set</a:t>
             </a:r>
             <a:endParaRPr lang="en-US" sz="1200" dirty="0">
               <a:solidFill>
@@ -8572,7 +8630,7 @@
         <p:spPr>
           <a:xfrm>
             <a:off x="2296128" y="4158480"/>
-            <a:ext cx="382605" cy="276999"/>
+            <a:ext cx="409856" cy="276999"/>
           </a:xfrm>
           <a:prstGeom prst="rect">
             <a:avLst/>
@@ -8591,7 +8649,7 @@
                   <a:srgbClr val="FF0000"/>
                 </a:solidFill>
               </a:rPr>
-              <a:t>Set</a:t>
+              <a:t>Get</a:t>
             </a:r>
             <a:endParaRPr lang="en-US" sz="1200" dirty="0">
               <a:solidFill>
@@ -8807,7 +8865,7 @@
         <p:spPr>
           <a:xfrm>
             <a:off x="3168066" y="2907456"/>
-            <a:ext cx="3298595" cy="3046988"/>
+            <a:ext cx="3401187" cy="3046988"/>
           </a:xfrm>
           <a:prstGeom prst="rect">
             <a:avLst/>
@@ -8918,7 +8976,11 @@
             </a:r>
             <a:r>
               <a:rPr lang="en-US" sz="1600" dirty="0" err="1" smtClean="0"/>
-              <a:t>self.next</a:t>
+              <a:t>self</a:t>
+            </a:r>
+            <a:r>
+              <a:rPr lang="en-US" sz="1600" dirty="0" err="1" smtClean="0"/>
+              <a:t>._next</a:t>
             </a:r>
             <a:endParaRPr lang="en-US" sz="1600" dirty="0" smtClean="0"/>
           </a:p>
@@ -8987,11 +9049,11 @@
             </a:r>
             <a:r>
               <a:rPr lang="en-US" sz="1600" dirty="0" smtClean="0"/>
-              <a:t>next(</a:t>
-            </a:r>
-            <a:r>
-              <a:rPr lang="en-US" sz="1600" dirty="0" err="1" smtClean="0"/>
-              <a:t>self,next</a:t>
+              <a:t>next(self</a:t>
+            </a:r>
+            <a:r>
+              <a:rPr lang="en-US" sz="1600" dirty="0" smtClean="0"/>
+              <a:t>, next</a:t>
             </a:r>
             <a:r>
               <a:rPr lang="en-US" sz="1600" dirty="0" smtClean="0"/>
@@ -9006,11 +9068,19 @@
             </a:r>
             <a:r>
               <a:rPr lang="en-US" sz="1600" dirty="0" err="1" smtClean="0"/>
-              <a:t>self.next</a:t>
+              <a:t>self</a:t>
+            </a:r>
+            <a:r>
+              <a:rPr lang="en-US" sz="1600" dirty="0" err="1" smtClean="0"/>
+              <a:t>._next</a:t>
             </a:r>
             <a:r>
               <a:rPr lang="en-US" sz="1600" dirty="0" smtClean="0"/>
-              <a:t> = next</a:t>
+              <a:t> </a:t>
+            </a:r>
+            <a:r>
+              <a:rPr lang="en-US" sz="1600" dirty="0" smtClean="0"/>
+              <a:t>= next</a:t>
             </a:r>
           </a:p>
           <a:p>
